--- a/Présentation_finale.pptx
+++ b/Présentation_finale.pptx
@@ -6,6 +6,11 @@
   </p:sldMasterIdLst>
   <p:sldIdLst>
     <p:sldId id="256" r:id="rId2"/>
+    <p:sldId id="258" r:id="rId3"/>
+    <p:sldId id="261" r:id="rId4"/>
+    <p:sldId id="260" r:id="rId5"/>
+    <p:sldId id="259" r:id="rId6"/>
+    <p:sldId id="257" r:id="rId7"/>
   </p:sldIdLst>
   <p:sldSz cx="12192000" cy="6858000"/>
   <p:notesSz cx="6858000" cy="9144000"/>
@@ -2740,9 +2745,34 @@
 <p:sldMaster xmlns:a="http://schemas.openxmlformats.org/drawingml/2006/main" xmlns:r="http://schemas.openxmlformats.org/officeDocument/2006/relationships" xmlns:p="http://schemas.openxmlformats.org/presentationml/2006/main">
   <p:cSld>
     <p:bg>
-      <p:bgRef idx="1001">
-        <a:schemeClr val="bg1"/>
-      </p:bgRef>
+      <p:bgPr>
+        <a:gradFill flip="none" rotWithShape="1">
+          <a:gsLst>
+            <a:gs pos="0">
+              <a:schemeClr val="accent1">
+                <a:lumMod val="0"/>
+                <a:lumOff val="100000"/>
+              </a:schemeClr>
+            </a:gs>
+            <a:gs pos="35000">
+              <a:schemeClr val="accent1">
+                <a:lumMod val="0"/>
+                <a:lumOff val="100000"/>
+              </a:schemeClr>
+            </a:gs>
+            <a:gs pos="100000">
+              <a:schemeClr val="accent1">
+                <a:lumMod val="100000"/>
+              </a:schemeClr>
+            </a:gs>
+          </a:gsLst>
+          <a:path path="circle">
+            <a:fillToRect l="50000" t="-80000" r="50000" b="180000"/>
+          </a:path>
+          <a:tileRect/>
+        </a:gradFill>
+        <a:effectLst/>
+      </p:bgPr>
     </p:bg>
     <p:spTree>
       <p:nvGrpSpPr>
@@ -3307,35 +3337,6 @@
 <file path=ppt/slides/slide1.xml><?xml version="1.0" encoding="utf-8"?>
 <p:sld xmlns:a="http://schemas.openxmlformats.org/drawingml/2006/main" xmlns:r="http://schemas.openxmlformats.org/officeDocument/2006/relationships" xmlns:p="http://schemas.openxmlformats.org/presentationml/2006/main">
   <p:cSld>
-    <p:bg>
-      <p:bgPr>
-        <a:gradFill>
-          <a:gsLst>
-            <a:gs pos="0">
-              <a:schemeClr val="accent1">
-                <a:lumMod val="0"/>
-                <a:lumOff val="100000"/>
-              </a:schemeClr>
-            </a:gs>
-            <a:gs pos="35000">
-              <a:schemeClr val="accent1">
-                <a:lumMod val="0"/>
-                <a:lumOff val="100000"/>
-              </a:schemeClr>
-            </a:gs>
-            <a:gs pos="100000">
-              <a:schemeClr val="accent1">
-                <a:lumMod val="100000"/>
-              </a:schemeClr>
-            </a:gs>
-          </a:gsLst>
-          <a:path path="circle">
-            <a:fillToRect l="50000" t="-80000" r="50000" b="180000"/>
-          </a:path>
-        </a:gradFill>
-        <a:effectLst/>
-      </p:bgPr>
-    </p:bg>
     <p:spTree>
       <p:nvGrpSpPr>
         <p:cNvPr id="1" name=""/>
@@ -3451,6 +3452,501 @@
     <p:extLst>
       <p:ext uri="{BB962C8B-B14F-4D97-AF65-F5344CB8AC3E}">
         <p14:creationId xmlns:p14="http://schemas.microsoft.com/office/powerpoint/2010/main" val="3420623983"/>
+      </p:ext>
+    </p:extLst>
+  </p:cSld>
+  <p:clrMapOvr>
+    <a:masterClrMapping/>
+  </p:clrMapOvr>
+</p:sld>
+</file>
+
+<file path=ppt/slides/slide2.xml><?xml version="1.0" encoding="utf-8"?>
+<p:sld xmlns:a="http://schemas.openxmlformats.org/drawingml/2006/main" xmlns:r="http://schemas.openxmlformats.org/officeDocument/2006/relationships" xmlns:p="http://schemas.openxmlformats.org/presentationml/2006/main">
+  <p:cSld>
+    <p:spTree>
+      <p:nvGrpSpPr>
+        <p:cNvPr id="1" name=""/>
+        <p:cNvGrpSpPr/>
+        <p:nvPr/>
+      </p:nvGrpSpPr>
+      <p:grpSpPr>
+        <a:xfrm>
+          <a:off x="0" y="0"/>
+          <a:ext cx="0" cy="0"/>
+          <a:chOff x="0" y="0"/>
+          <a:chExt cx="0" cy="0"/>
+        </a:xfrm>
+      </p:grpSpPr>
+      <p:sp>
+        <p:nvSpPr>
+          <p:cNvPr id="2" name="Titre 1">
+            <a:extLst>
+              <a:ext uri="{FF2B5EF4-FFF2-40B4-BE49-F238E27FC236}">
+                <a16:creationId xmlns:a16="http://schemas.microsoft.com/office/drawing/2014/main" id="{306DFB93-60D5-E746-B5AC-06AE2EADC9E1}"/>
+              </a:ext>
+            </a:extLst>
+          </p:cNvPr>
+          <p:cNvSpPr>
+            <a:spLocks noGrp="1"/>
+          </p:cNvSpPr>
+          <p:nvPr>
+            <p:ph type="title"/>
+          </p:nvPr>
+        </p:nvSpPr>
+        <p:spPr/>
+        <p:txBody>
+          <a:bodyPr/>
+          <a:lstStyle/>
+          <a:p>
+            <a:endParaRPr lang="fr-FR" dirty="0"/>
+          </a:p>
+        </p:txBody>
+      </p:sp>
+      <p:sp>
+        <p:nvSpPr>
+          <p:cNvPr id="3" name="Espace réservé du contenu 2">
+            <a:extLst>
+              <a:ext uri="{FF2B5EF4-FFF2-40B4-BE49-F238E27FC236}">
+                <a16:creationId xmlns:a16="http://schemas.microsoft.com/office/drawing/2014/main" id="{C2D36F3D-B028-4445-854B-CE3784BAF918}"/>
+              </a:ext>
+            </a:extLst>
+          </p:cNvPr>
+          <p:cNvSpPr>
+            <a:spLocks noGrp="1"/>
+          </p:cNvSpPr>
+          <p:nvPr>
+            <p:ph idx="1"/>
+          </p:nvPr>
+        </p:nvSpPr>
+        <p:spPr/>
+        <p:txBody>
+          <a:bodyPr/>
+          <a:lstStyle/>
+          <a:p>
+            <a:endParaRPr lang="fr-FR"/>
+          </a:p>
+        </p:txBody>
+      </p:sp>
+    </p:spTree>
+    <p:extLst>
+      <p:ext uri="{BB962C8B-B14F-4D97-AF65-F5344CB8AC3E}">
+        <p14:creationId xmlns:p14="http://schemas.microsoft.com/office/powerpoint/2010/main" val="1313885095"/>
+      </p:ext>
+    </p:extLst>
+  </p:cSld>
+  <p:clrMapOvr>
+    <a:masterClrMapping/>
+  </p:clrMapOvr>
+</p:sld>
+</file>
+
+<file path=ppt/slides/slide3.xml><?xml version="1.0" encoding="utf-8"?>
+<p:sld xmlns:a="http://schemas.openxmlformats.org/drawingml/2006/main" xmlns:r="http://schemas.openxmlformats.org/officeDocument/2006/relationships" xmlns:p="http://schemas.openxmlformats.org/presentationml/2006/main">
+  <p:cSld>
+    <p:spTree>
+      <p:nvGrpSpPr>
+        <p:cNvPr id="1" name=""/>
+        <p:cNvGrpSpPr/>
+        <p:nvPr/>
+      </p:nvGrpSpPr>
+      <p:grpSpPr>
+        <a:xfrm>
+          <a:off x="0" y="0"/>
+          <a:ext cx="0" cy="0"/>
+          <a:chOff x="0" y="0"/>
+          <a:chExt cx="0" cy="0"/>
+        </a:xfrm>
+      </p:grpSpPr>
+      <p:sp>
+        <p:nvSpPr>
+          <p:cNvPr id="2" name="Titre 1">
+            <a:extLst>
+              <a:ext uri="{FF2B5EF4-FFF2-40B4-BE49-F238E27FC236}">
+                <a16:creationId xmlns:a16="http://schemas.microsoft.com/office/drawing/2014/main" id="{CEC38C9C-440D-624B-B950-A330984BCA21}"/>
+              </a:ext>
+            </a:extLst>
+          </p:cNvPr>
+          <p:cNvSpPr>
+            <a:spLocks noGrp="1"/>
+          </p:cNvSpPr>
+          <p:nvPr>
+            <p:ph type="title"/>
+          </p:nvPr>
+        </p:nvSpPr>
+        <p:spPr/>
+        <p:txBody>
+          <a:bodyPr/>
+          <a:lstStyle/>
+          <a:p>
+            <a:endParaRPr lang="fr-FR"/>
+          </a:p>
+        </p:txBody>
+      </p:sp>
+      <p:sp>
+        <p:nvSpPr>
+          <p:cNvPr id="3" name="Espace réservé du contenu 2">
+            <a:extLst>
+              <a:ext uri="{FF2B5EF4-FFF2-40B4-BE49-F238E27FC236}">
+                <a16:creationId xmlns:a16="http://schemas.microsoft.com/office/drawing/2014/main" id="{F99351E6-2871-B64A-84E4-5EC072F6C630}"/>
+              </a:ext>
+            </a:extLst>
+          </p:cNvPr>
+          <p:cNvSpPr>
+            <a:spLocks noGrp="1"/>
+          </p:cNvSpPr>
+          <p:nvPr>
+            <p:ph idx="1"/>
+          </p:nvPr>
+        </p:nvSpPr>
+        <p:spPr/>
+        <p:txBody>
+          <a:bodyPr/>
+          <a:lstStyle/>
+          <a:p>
+            <a:endParaRPr lang="fr-FR"/>
+          </a:p>
+        </p:txBody>
+      </p:sp>
+    </p:spTree>
+    <p:extLst>
+      <p:ext uri="{BB962C8B-B14F-4D97-AF65-F5344CB8AC3E}">
+        <p14:creationId xmlns:p14="http://schemas.microsoft.com/office/powerpoint/2010/main" val="750750200"/>
+      </p:ext>
+    </p:extLst>
+  </p:cSld>
+  <p:clrMapOvr>
+    <a:masterClrMapping/>
+  </p:clrMapOvr>
+</p:sld>
+</file>
+
+<file path=ppt/slides/slide4.xml><?xml version="1.0" encoding="utf-8"?>
+<p:sld xmlns:a="http://schemas.openxmlformats.org/drawingml/2006/main" xmlns:r="http://schemas.openxmlformats.org/officeDocument/2006/relationships" xmlns:p="http://schemas.openxmlformats.org/presentationml/2006/main">
+  <p:cSld>
+    <p:spTree>
+      <p:nvGrpSpPr>
+        <p:cNvPr id="1" name=""/>
+        <p:cNvGrpSpPr/>
+        <p:nvPr/>
+      </p:nvGrpSpPr>
+      <p:grpSpPr>
+        <a:xfrm>
+          <a:off x="0" y="0"/>
+          <a:ext cx="0" cy="0"/>
+          <a:chOff x="0" y="0"/>
+          <a:chExt cx="0" cy="0"/>
+        </a:xfrm>
+      </p:grpSpPr>
+      <p:sp>
+        <p:nvSpPr>
+          <p:cNvPr id="2" name="Titre 1">
+            <a:extLst>
+              <a:ext uri="{FF2B5EF4-FFF2-40B4-BE49-F238E27FC236}">
+                <a16:creationId xmlns:a16="http://schemas.microsoft.com/office/drawing/2014/main" id="{3EB89D3F-42F0-0B49-B49A-921EC6B3CE1A}"/>
+              </a:ext>
+            </a:extLst>
+          </p:cNvPr>
+          <p:cNvSpPr>
+            <a:spLocks noGrp="1"/>
+          </p:cNvSpPr>
+          <p:nvPr>
+            <p:ph type="title"/>
+          </p:nvPr>
+        </p:nvSpPr>
+        <p:spPr>
+          <a:xfrm>
+            <a:off x="838200" y="365125"/>
+            <a:ext cx="10515600" cy="835025"/>
+          </a:xfrm>
+        </p:spPr>
+        <p:txBody>
+          <a:bodyPr/>
+          <a:lstStyle/>
+          <a:p>
+            <a:pPr algn="ctr"/>
+            <a:r>
+              <a:rPr lang="fr-FR" dirty="0"/>
+              <a:t>Spécification fonctionnel</a:t>
+            </a:r>
+          </a:p>
+        </p:txBody>
+      </p:sp>
+      <p:sp>
+        <p:nvSpPr>
+          <p:cNvPr id="4" name="ZoneTexte 3">
+            <a:extLst>
+              <a:ext uri="{FF2B5EF4-FFF2-40B4-BE49-F238E27FC236}">
+                <a16:creationId xmlns:a16="http://schemas.microsoft.com/office/drawing/2014/main" id="{6AE53575-56DF-5744-AF85-E8C50B586BAE}"/>
+              </a:ext>
+            </a:extLst>
+          </p:cNvPr>
+          <p:cNvSpPr txBox="1"/>
+          <p:nvPr/>
+        </p:nvSpPr>
+        <p:spPr>
+          <a:xfrm>
+            <a:off x="1028699" y="1371600"/>
+            <a:ext cx="10044113" cy="1477328"/>
+          </a:xfrm>
+          <a:prstGeom prst="rect">
+            <a:avLst/>
+          </a:prstGeom>
+          <a:noFill/>
+        </p:spPr>
+        <p:txBody>
+          <a:bodyPr wrap="square" rtlCol="0">
+            <a:spAutoFit/>
+          </a:bodyPr>
+          <a:lstStyle/>
+          <a:p>
+            <a:pPr marL="285750" indent="-285750">
+              <a:buFont typeface="Wingdings" pitchFamily="2" charset="2"/>
+              <a:buChar char="à"/>
+            </a:pPr>
+            <a:r>
+              <a:rPr lang="fr-FR" dirty="0">
+                <a:sym typeface="Wingdings" pitchFamily="2" charset="2"/>
+              </a:rPr>
+              <a:t>Concernant le design de notre site, nous avons utilisé Bootstrap qui est un Framework alliant html et CSS permettant un graphisme plus précis et des meilleurs interactions entre les différentes page de notre réseau social. Nous avons donc utilisé fréquemment le système de Template </a:t>
+            </a:r>
+            <a:r>
+              <a:rPr lang="fr-FR" dirty="0" err="1">
+                <a:sym typeface="Wingdings" pitchFamily="2" charset="2"/>
+              </a:rPr>
+              <a:t>grid</a:t>
+            </a:r>
+            <a:r>
+              <a:rPr lang="fr-FR" dirty="0">
+                <a:sym typeface="Wingdings" pitchFamily="2" charset="2"/>
+              </a:rPr>
+              <a:t> de bootstrap afin de répartir la page en différentes colonnes.</a:t>
+            </a:r>
+          </a:p>
+          <a:p>
+            <a:pPr marL="285750" indent="-285750">
+              <a:buFont typeface="Wingdings" pitchFamily="2" charset="2"/>
+              <a:buChar char="à"/>
+            </a:pPr>
+            <a:r>
+              <a:rPr lang="fr-FR" dirty="0">
+                <a:sym typeface="Wingdings" pitchFamily="2" charset="2"/>
+              </a:rPr>
+              <a:t>Pour </a:t>
+            </a:r>
+            <a:r>
+              <a:rPr lang="fr-FR">
+                <a:sym typeface="Wingdings" pitchFamily="2" charset="2"/>
+              </a:rPr>
+              <a:t>rendre notre </a:t>
+            </a:r>
+            <a:endParaRPr lang="fr-FR" dirty="0"/>
+          </a:p>
+        </p:txBody>
+      </p:sp>
+    </p:spTree>
+    <p:extLst>
+      <p:ext uri="{BB962C8B-B14F-4D97-AF65-F5344CB8AC3E}">
+        <p14:creationId xmlns:p14="http://schemas.microsoft.com/office/powerpoint/2010/main" val="3773103962"/>
+      </p:ext>
+    </p:extLst>
+  </p:cSld>
+  <p:clrMapOvr>
+    <a:masterClrMapping/>
+  </p:clrMapOvr>
+</p:sld>
+</file>
+
+<file path=ppt/slides/slide5.xml><?xml version="1.0" encoding="utf-8"?>
+<p:sld xmlns:a="http://schemas.openxmlformats.org/drawingml/2006/main" xmlns:r="http://schemas.openxmlformats.org/officeDocument/2006/relationships" xmlns:p="http://schemas.openxmlformats.org/presentationml/2006/main">
+  <p:cSld>
+    <p:spTree>
+      <p:nvGrpSpPr>
+        <p:cNvPr id="1" name=""/>
+        <p:cNvGrpSpPr/>
+        <p:nvPr/>
+      </p:nvGrpSpPr>
+      <p:grpSpPr>
+        <a:xfrm>
+          <a:off x="0" y="0"/>
+          <a:ext cx="0" cy="0"/>
+          <a:chOff x="0" y="0"/>
+          <a:chExt cx="0" cy="0"/>
+        </a:xfrm>
+      </p:grpSpPr>
+      <p:sp>
+        <p:nvSpPr>
+          <p:cNvPr id="2" name="Titre 1">
+            <a:extLst>
+              <a:ext uri="{FF2B5EF4-FFF2-40B4-BE49-F238E27FC236}">
+                <a16:creationId xmlns:a16="http://schemas.microsoft.com/office/drawing/2014/main" id="{149B3428-8F02-E64F-81BB-6AAEE4B097EA}"/>
+              </a:ext>
+            </a:extLst>
+          </p:cNvPr>
+          <p:cNvSpPr>
+            <a:spLocks noGrp="1"/>
+          </p:cNvSpPr>
+          <p:nvPr>
+            <p:ph type="title"/>
+          </p:nvPr>
+        </p:nvSpPr>
+        <p:spPr/>
+        <p:txBody>
+          <a:bodyPr/>
+          <a:lstStyle/>
+          <a:p>
+            <a:endParaRPr lang="fr-FR"/>
+          </a:p>
+        </p:txBody>
+      </p:sp>
+      <p:sp>
+        <p:nvSpPr>
+          <p:cNvPr id="3" name="Espace réservé du contenu 2">
+            <a:extLst>
+              <a:ext uri="{FF2B5EF4-FFF2-40B4-BE49-F238E27FC236}">
+                <a16:creationId xmlns:a16="http://schemas.microsoft.com/office/drawing/2014/main" id="{1C7C197B-1128-434D-964B-7E62E5F0F971}"/>
+              </a:ext>
+            </a:extLst>
+          </p:cNvPr>
+          <p:cNvSpPr>
+            <a:spLocks noGrp="1"/>
+          </p:cNvSpPr>
+          <p:nvPr>
+            <p:ph idx="1"/>
+          </p:nvPr>
+        </p:nvSpPr>
+        <p:spPr/>
+        <p:txBody>
+          <a:bodyPr/>
+          <a:lstStyle/>
+          <a:p>
+            <a:endParaRPr lang="fr-FR"/>
+          </a:p>
+        </p:txBody>
+      </p:sp>
+    </p:spTree>
+    <p:extLst>
+      <p:ext uri="{BB962C8B-B14F-4D97-AF65-F5344CB8AC3E}">
+        <p14:creationId xmlns:p14="http://schemas.microsoft.com/office/powerpoint/2010/main" val="880515241"/>
+      </p:ext>
+    </p:extLst>
+  </p:cSld>
+  <p:clrMapOvr>
+    <a:masterClrMapping/>
+  </p:clrMapOvr>
+</p:sld>
+</file>
+
+<file path=ppt/slides/slide6.xml><?xml version="1.0" encoding="utf-8"?>
+<p:sld xmlns:a="http://schemas.openxmlformats.org/drawingml/2006/main" xmlns:r="http://schemas.openxmlformats.org/officeDocument/2006/relationships" xmlns:p="http://schemas.openxmlformats.org/presentationml/2006/main">
+  <p:cSld>
+    <p:spTree>
+      <p:nvGrpSpPr>
+        <p:cNvPr id="1" name=""/>
+        <p:cNvGrpSpPr/>
+        <p:nvPr/>
+      </p:nvGrpSpPr>
+      <p:grpSpPr>
+        <a:xfrm>
+          <a:off x="0" y="0"/>
+          <a:ext cx="0" cy="0"/>
+          <a:chOff x="0" y="0"/>
+          <a:chExt cx="0" cy="0"/>
+        </a:xfrm>
+      </p:grpSpPr>
+      <p:sp>
+        <p:nvSpPr>
+          <p:cNvPr id="2" name="Titre 1">
+            <a:extLst>
+              <a:ext uri="{FF2B5EF4-FFF2-40B4-BE49-F238E27FC236}">
+                <a16:creationId xmlns:a16="http://schemas.microsoft.com/office/drawing/2014/main" id="{1DA7D87A-49EA-F44B-95A4-9BACA2BB50B8}"/>
+              </a:ext>
+            </a:extLst>
+          </p:cNvPr>
+          <p:cNvSpPr>
+            <a:spLocks noGrp="1"/>
+          </p:cNvSpPr>
+          <p:nvPr>
+            <p:ph type="title"/>
+          </p:nvPr>
+        </p:nvSpPr>
+        <p:spPr/>
+        <p:txBody>
+          <a:bodyPr/>
+          <a:lstStyle/>
+          <a:p>
+            <a:pPr algn="ctr"/>
+            <a:r>
+              <a:rPr lang="fr-FR" dirty="0"/>
+              <a:t>Bilan Collectif</a:t>
+            </a:r>
+          </a:p>
+        </p:txBody>
+      </p:sp>
+      <p:sp>
+        <p:nvSpPr>
+          <p:cNvPr id="3" name="Espace réservé du contenu 2">
+            <a:extLst>
+              <a:ext uri="{FF2B5EF4-FFF2-40B4-BE49-F238E27FC236}">
+                <a16:creationId xmlns:a16="http://schemas.microsoft.com/office/drawing/2014/main" id="{EF5B9084-9229-3746-955B-643A6A7F1730}"/>
+              </a:ext>
+            </a:extLst>
+          </p:cNvPr>
+          <p:cNvSpPr>
+            <a:spLocks noGrp="1"/>
+          </p:cNvSpPr>
+          <p:nvPr>
+            <p:ph idx="1"/>
+          </p:nvPr>
+        </p:nvSpPr>
+        <p:spPr>
+          <a:xfrm>
+            <a:off x="838200" y="1843087"/>
+            <a:ext cx="10515600" cy="4333875"/>
+          </a:xfrm>
+        </p:spPr>
+        <p:txBody>
+          <a:bodyPr/>
+          <a:lstStyle/>
+          <a:p>
+            <a:r>
+              <a:rPr lang="fr-FR" dirty="0"/>
+              <a:t>Bonne cohésion et entente d’équipe</a:t>
+            </a:r>
+          </a:p>
+          <a:p>
+            <a:r>
+              <a:rPr lang="fr-FR" dirty="0"/>
+              <a:t> Acquisition  de nouvelles compétences dans différents langages de programmation Web (bootstrap, jQuery, JavaScript et PHP notamment)</a:t>
+            </a:r>
+          </a:p>
+          <a:p>
+            <a:r>
+              <a:rPr lang="fr-FR" dirty="0"/>
+              <a:t>Découverte des différentes étapes de préparation d’un site web</a:t>
+            </a:r>
+          </a:p>
+          <a:p>
+            <a:r>
+              <a:rPr lang="fr-FR" dirty="0"/>
+              <a:t>Confection d’une base de donnée en fonction des contraintes d’un cahier des charges précis</a:t>
+            </a:r>
+          </a:p>
+          <a:p>
+            <a:pPr marL="0" indent="0">
+              <a:buNone/>
+            </a:pPr>
+            <a:endParaRPr lang="fr-FR" dirty="0"/>
+          </a:p>
+          <a:p>
+            <a:endParaRPr lang="fr-FR" dirty="0"/>
+          </a:p>
+        </p:txBody>
+      </p:sp>
+    </p:spTree>
+    <p:extLst>
+      <p:ext uri="{BB962C8B-B14F-4D97-AF65-F5344CB8AC3E}">
+        <p14:creationId xmlns:p14="http://schemas.microsoft.com/office/powerpoint/2010/main" val="1562744867"/>
       </p:ext>
     </p:extLst>
   </p:cSld>

--- a/Présentation_finale.pptx
+++ b/Présentation_finale.pptx
@@ -109,7 +109,16 @@
       </a:defRPr>
     </a:lvl9pPr>
   </p:defaultTextStyle>
+  <p:extLst>
+    <p:ext uri="{EFAFB233-063F-42B5-8137-9DF3F51BA10A}">
+      <p15:sldGuideLst xmlns:p15="http://schemas.microsoft.com/office/powerpoint/2012/main"/>
+    </p:ext>
+  </p:extLst>
 </p:presentation>
+</file>
+
+<file path=ppt/revisionInfo.xml><?xml version="1.0" encoding="utf-8"?>
+<p1510:revInfo xmlns:a="http://schemas.openxmlformats.org/drawingml/2006/main" xmlns:r="http://schemas.openxmlformats.org/officeDocument/2006/relationships" xmlns:p1510="http://schemas.microsoft.com/office/powerpoint/2015/10/main"/>
 </file>
 
 <file path=ppt/slideLayouts/slideLayout1.xml><?xml version="1.0" encoding="utf-8"?>
@@ -259,7 +268,7 @@
           <a:p>
             <a:fld id="{47300C18-CC99-184C-BF85-BAAB131E059B}" type="datetimeFigureOut">
               <a:rPr lang="fr-FR" smtClean="0"/>
-              <a:t>04/05/2018</a:t>
+              <a:t>05/05/2018</a:t>
             </a:fld>
             <a:endParaRPr lang="fr-FR"/>
           </a:p>
@@ -457,7 +466,7 @@
           <a:p>
             <a:fld id="{47300C18-CC99-184C-BF85-BAAB131E059B}" type="datetimeFigureOut">
               <a:rPr lang="fr-FR" smtClean="0"/>
-              <a:t>04/05/2018</a:t>
+              <a:t>05/05/2018</a:t>
             </a:fld>
             <a:endParaRPr lang="fr-FR"/>
           </a:p>
@@ -665,7 +674,7 @@
           <a:p>
             <a:fld id="{47300C18-CC99-184C-BF85-BAAB131E059B}" type="datetimeFigureOut">
               <a:rPr lang="fr-FR" smtClean="0"/>
-              <a:t>04/05/2018</a:t>
+              <a:t>05/05/2018</a:t>
             </a:fld>
             <a:endParaRPr lang="fr-FR"/>
           </a:p>
@@ -863,7 +872,7 @@
           <a:p>
             <a:fld id="{47300C18-CC99-184C-BF85-BAAB131E059B}" type="datetimeFigureOut">
               <a:rPr lang="fr-FR" smtClean="0"/>
-              <a:t>04/05/2018</a:t>
+              <a:t>05/05/2018</a:t>
             </a:fld>
             <a:endParaRPr lang="fr-FR"/>
           </a:p>
@@ -1138,7 +1147,7 @@
           <a:p>
             <a:fld id="{47300C18-CC99-184C-BF85-BAAB131E059B}" type="datetimeFigureOut">
               <a:rPr lang="fr-FR" smtClean="0"/>
-              <a:t>04/05/2018</a:t>
+              <a:t>05/05/2018</a:t>
             </a:fld>
             <a:endParaRPr lang="fr-FR"/>
           </a:p>
@@ -1403,7 +1412,7 @@
           <a:p>
             <a:fld id="{47300C18-CC99-184C-BF85-BAAB131E059B}" type="datetimeFigureOut">
               <a:rPr lang="fr-FR" smtClean="0"/>
-              <a:t>04/05/2018</a:t>
+              <a:t>05/05/2018</a:t>
             </a:fld>
             <a:endParaRPr lang="fr-FR"/>
           </a:p>
@@ -1815,7 +1824,7 @@
           <a:p>
             <a:fld id="{47300C18-CC99-184C-BF85-BAAB131E059B}" type="datetimeFigureOut">
               <a:rPr lang="fr-FR" smtClean="0"/>
-              <a:t>04/05/2018</a:t>
+              <a:t>05/05/2018</a:t>
             </a:fld>
             <a:endParaRPr lang="fr-FR"/>
           </a:p>
@@ -1956,7 +1965,7 @@
           <a:p>
             <a:fld id="{47300C18-CC99-184C-BF85-BAAB131E059B}" type="datetimeFigureOut">
               <a:rPr lang="fr-FR" smtClean="0"/>
-              <a:t>04/05/2018</a:t>
+              <a:t>05/05/2018</a:t>
             </a:fld>
             <a:endParaRPr lang="fr-FR"/>
           </a:p>
@@ -2069,7 +2078,7 @@
           <a:p>
             <a:fld id="{47300C18-CC99-184C-BF85-BAAB131E059B}" type="datetimeFigureOut">
               <a:rPr lang="fr-FR" smtClean="0"/>
-              <a:t>04/05/2018</a:t>
+              <a:t>05/05/2018</a:t>
             </a:fld>
             <a:endParaRPr lang="fr-FR"/>
           </a:p>
@@ -2380,7 +2389,7 @@
           <a:p>
             <a:fld id="{47300C18-CC99-184C-BF85-BAAB131E059B}" type="datetimeFigureOut">
               <a:rPr lang="fr-FR" smtClean="0"/>
-              <a:t>04/05/2018</a:t>
+              <a:t>05/05/2018</a:t>
             </a:fld>
             <a:endParaRPr lang="fr-FR"/>
           </a:p>
@@ -2668,7 +2677,7 @@
           <a:p>
             <a:fld id="{47300C18-CC99-184C-BF85-BAAB131E059B}" type="datetimeFigureOut">
               <a:rPr lang="fr-FR" smtClean="0"/>
-              <a:t>04/05/2018</a:t>
+              <a:t>05/05/2018</a:t>
             </a:fld>
             <a:endParaRPr lang="fr-FR"/>
           </a:p>
@@ -2934,7 +2943,7 @@
           <a:p>
             <a:fld id="{47300C18-CC99-184C-BF85-BAAB131E059B}" type="datetimeFigureOut">
               <a:rPr lang="fr-FR" smtClean="0"/>
-              <a:t>04/05/2018</a:t>
+              <a:t>05/05/2018</a:t>
             </a:fld>
             <a:endParaRPr lang="fr-FR"/>
           </a:p>
@@ -3687,7 +3696,7 @@
         <p:spPr>
           <a:xfrm>
             <a:off x="1028699" y="1371600"/>
-            <a:ext cx="10044113" cy="1477328"/>
+            <a:ext cx="10044113" cy="523220"/>
           </a:xfrm>
           <a:prstGeom prst="rect">
             <a:avLst/>
@@ -3705,45 +3714,1046 @@
               <a:buChar char="à"/>
             </a:pPr>
             <a:r>
-              <a:rPr lang="fr-FR" dirty="0">
+              <a:rPr lang="fr-FR" sz="1400" dirty="0">
                 <a:sym typeface="Wingdings" pitchFamily="2" charset="2"/>
               </a:rPr>
-              <a:t>Concernant le design de notre site, nous avons utilisé Bootstrap qui est un Framework alliant html et CSS permettant un graphisme plus précis et des meilleurs interactions entre les différentes page de notre réseau social. Nous avons donc utilisé fréquemment le système de Template </a:t>
-            </a:r>
-            <a:r>
-              <a:rPr lang="fr-FR" dirty="0" err="1">
-                <a:sym typeface="Wingdings" pitchFamily="2" charset="2"/>
-              </a:rPr>
-              <a:t>grid</a:t>
-            </a:r>
-            <a:r>
-              <a:rPr lang="fr-FR" dirty="0">
-                <a:sym typeface="Wingdings" pitchFamily="2" charset="2"/>
-              </a:rPr>
-              <a:t> de bootstrap afin de répartir la page en différentes colonnes.</a:t>
-            </a:r>
-          </a:p>
-          <a:p>
-            <a:pPr marL="285750" indent="-285750">
-              <a:buFont typeface="Wingdings" pitchFamily="2" charset="2"/>
-              <a:buChar char="à"/>
-            </a:pPr>
-            <a:r>
-              <a:rPr lang="fr-FR" dirty="0">
-                <a:sym typeface="Wingdings" pitchFamily="2" charset="2"/>
-              </a:rPr>
-              <a:t>Pour </a:t>
-            </a:r>
-            <a:r>
-              <a:rPr lang="fr-FR">
-                <a:sym typeface="Wingdings" pitchFamily="2" charset="2"/>
-              </a:rPr>
-              <a:t>rendre notre </a:t>
-            </a:r>
-            <a:endParaRPr lang="fr-FR" dirty="0"/>
-          </a:p>
-        </p:txBody>
-      </p:sp>
+              <a:t>Concernant le design de notre site, nous avons utilisé Bootstrap qui est un Framework alliant html et CSS permettant un graphisme plus précis et des meilleurs interactions entre les différentes page de notre réseau social. </a:t>
+            </a:r>
+          </a:p>
+        </p:txBody>
+      </p:sp>
+      <p:pic>
+        <p:nvPicPr>
+          <p:cNvPr id="5" name="Image 4">
+            <a:extLst>
+              <a:ext uri="{FF2B5EF4-FFF2-40B4-BE49-F238E27FC236}">
+                <a16:creationId xmlns:a16="http://schemas.microsoft.com/office/drawing/2014/main" id="{C33D1FF0-4663-4BB2-97BE-B2B043B3E315}"/>
+              </a:ext>
+            </a:extLst>
+          </p:cNvPr>
+          <p:cNvPicPr>
+            <a:picLocks noChangeAspect="1"/>
+          </p:cNvPicPr>
+          <p:nvPr/>
+        </p:nvPicPr>
+        <p:blipFill>
+          <a:blip r:embed="rId2"/>
+          <a:stretch>
+            <a:fillRect/>
+          </a:stretch>
+        </p:blipFill>
+        <p:spPr>
+          <a:xfrm>
+            <a:off x="1028699" y="1894820"/>
+            <a:ext cx="9203602" cy="4592833"/>
+          </a:xfrm>
+          <a:prstGeom prst="rect">
+            <a:avLst/>
+          </a:prstGeom>
+        </p:spPr>
+      </p:pic>
+      <p:cxnSp>
+        <p:nvCxnSpPr>
+          <p:cNvPr id="9" name="Connecteur droit avec flèche 8">
+            <a:extLst>
+              <a:ext uri="{FF2B5EF4-FFF2-40B4-BE49-F238E27FC236}">
+                <a16:creationId xmlns:a16="http://schemas.microsoft.com/office/drawing/2014/main" id="{0C152E32-E851-4E0B-9C32-EA5FCBB815B6}"/>
+              </a:ext>
+            </a:extLst>
+          </p:cNvPr>
+          <p:cNvCxnSpPr/>
+          <p:nvPr/>
+        </p:nvCxnSpPr>
+        <p:spPr>
+          <a:xfrm flipH="1" flipV="1">
+            <a:off x="7831667" y="2066270"/>
+            <a:ext cx="2861733" cy="219730"/>
+          </a:xfrm>
+          <a:prstGeom prst="straightConnector1">
+            <a:avLst/>
+          </a:prstGeom>
+          <a:ln>
+            <a:tailEnd type="triangle"/>
+          </a:ln>
+        </p:spPr>
+        <p:style>
+          <a:lnRef idx="1">
+            <a:schemeClr val="dk1"/>
+          </a:lnRef>
+          <a:fillRef idx="0">
+            <a:schemeClr val="dk1"/>
+          </a:fillRef>
+          <a:effectRef idx="0">
+            <a:schemeClr val="dk1"/>
+          </a:effectRef>
+          <a:fontRef idx="minor">
+            <a:schemeClr val="tx1"/>
+          </a:fontRef>
+        </p:style>
+      </p:cxnSp>
+      <p:sp>
+        <p:nvSpPr>
+          <p:cNvPr id="10" name="ZoneTexte 9">
+            <a:extLst>
+              <a:ext uri="{FF2B5EF4-FFF2-40B4-BE49-F238E27FC236}">
+                <a16:creationId xmlns:a16="http://schemas.microsoft.com/office/drawing/2014/main" id="{9A02A016-0F38-491D-AA87-157D76823FD1}"/>
+              </a:ext>
+            </a:extLst>
+          </p:cNvPr>
+          <p:cNvSpPr txBox="1"/>
+          <p:nvPr/>
+        </p:nvSpPr>
+        <p:spPr>
+          <a:xfrm>
+            <a:off x="10693400" y="2192867"/>
+            <a:ext cx="1498600" cy="646331"/>
+          </a:xfrm>
+          <a:prstGeom prst="rect">
+            <a:avLst/>
+          </a:prstGeom>
+          <a:noFill/>
+        </p:spPr>
+        <p:txBody>
+          <a:bodyPr wrap="square" rtlCol="0">
+            <a:spAutoFit/>
+          </a:bodyPr>
+          <a:lstStyle/>
+          <a:p>
+            <a:r>
+              <a:rPr lang="fr-FR" sz="1200" dirty="0"/>
+              <a:t>Bar de Navigation de type </a:t>
+            </a:r>
+            <a:r>
+              <a:rPr lang="fr-FR" sz="1200" dirty="0" err="1"/>
+              <a:t>navbar</a:t>
+            </a:r>
+            <a:r>
+              <a:rPr lang="fr-FR" sz="1200" dirty="0"/>
+              <a:t> </a:t>
+            </a:r>
+            <a:r>
+              <a:rPr lang="fr-FR" sz="1200" dirty="0" err="1"/>
+              <a:t>navbar</a:t>
+            </a:r>
+            <a:r>
+              <a:rPr lang="fr-FR" sz="1200" dirty="0"/>
+              <a:t> </a:t>
+            </a:r>
+            <a:r>
+              <a:rPr lang="fr-FR" sz="1200" dirty="0" err="1"/>
+              <a:t>invers</a:t>
+            </a:r>
+            <a:r>
+              <a:rPr lang="fr-FR" sz="1200" dirty="0"/>
+              <a:t>: Bootstrap</a:t>
+            </a:r>
+            <a:endParaRPr lang="fr-FR" sz="1100" dirty="0"/>
+          </a:p>
+        </p:txBody>
+      </p:sp>
+      <p:cxnSp>
+        <p:nvCxnSpPr>
+          <p:cNvPr id="12" name="Connecteur droit avec flèche 11">
+            <a:extLst>
+              <a:ext uri="{FF2B5EF4-FFF2-40B4-BE49-F238E27FC236}">
+                <a16:creationId xmlns:a16="http://schemas.microsoft.com/office/drawing/2014/main" id="{F621F9ED-881B-4491-9472-D255536E549D}"/>
+              </a:ext>
+            </a:extLst>
+          </p:cNvPr>
+          <p:cNvCxnSpPr/>
+          <p:nvPr/>
+        </p:nvCxnSpPr>
+        <p:spPr>
+          <a:xfrm flipH="1" flipV="1">
+            <a:off x="9906000" y="2066270"/>
+            <a:ext cx="711200" cy="1371197"/>
+          </a:xfrm>
+          <a:prstGeom prst="straightConnector1">
+            <a:avLst/>
+          </a:prstGeom>
+          <a:ln>
+            <a:tailEnd type="triangle"/>
+          </a:ln>
+        </p:spPr>
+        <p:style>
+          <a:lnRef idx="1">
+            <a:schemeClr val="dk1"/>
+          </a:lnRef>
+          <a:fillRef idx="0">
+            <a:schemeClr val="dk1"/>
+          </a:fillRef>
+          <a:effectRef idx="0">
+            <a:schemeClr val="dk1"/>
+          </a:effectRef>
+          <a:fontRef idx="minor">
+            <a:schemeClr val="tx1"/>
+          </a:fontRef>
+        </p:style>
+      </p:cxnSp>
+      <p:cxnSp>
+        <p:nvCxnSpPr>
+          <p:cNvPr id="14" name="Connecteur droit avec flèche 13">
+            <a:extLst>
+              <a:ext uri="{FF2B5EF4-FFF2-40B4-BE49-F238E27FC236}">
+                <a16:creationId xmlns:a16="http://schemas.microsoft.com/office/drawing/2014/main" id="{1E548C35-F6E8-4BD2-BD55-1A1A35B499BD}"/>
+              </a:ext>
+            </a:extLst>
+          </p:cNvPr>
+          <p:cNvCxnSpPr/>
+          <p:nvPr/>
+        </p:nvCxnSpPr>
+        <p:spPr>
+          <a:xfrm flipH="1" flipV="1">
+            <a:off x="7484533" y="3056467"/>
+            <a:ext cx="3132667" cy="381000"/>
+          </a:xfrm>
+          <a:prstGeom prst="straightConnector1">
+            <a:avLst/>
+          </a:prstGeom>
+          <a:ln>
+            <a:tailEnd type="triangle"/>
+          </a:ln>
+        </p:spPr>
+        <p:style>
+          <a:lnRef idx="1">
+            <a:schemeClr val="dk1"/>
+          </a:lnRef>
+          <a:fillRef idx="0">
+            <a:schemeClr val="dk1"/>
+          </a:fillRef>
+          <a:effectRef idx="0">
+            <a:schemeClr val="dk1"/>
+          </a:effectRef>
+          <a:fontRef idx="minor">
+            <a:schemeClr val="tx1"/>
+          </a:fontRef>
+        </p:style>
+      </p:cxnSp>
+      <p:cxnSp>
+        <p:nvCxnSpPr>
+          <p:cNvPr id="16" name="Connecteur droit avec flèche 15">
+            <a:extLst>
+              <a:ext uri="{FF2B5EF4-FFF2-40B4-BE49-F238E27FC236}">
+                <a16:creationId xmlns:a16="http://schemas.microsoft.com/office/drawing/2014/main" id="{C6DCFB86-3008-4113-B077-EA25F427DF3B}"/>
+              </a:ext>
+            </a:extLst>
+          </p:cNvPr>
+          <p:cNvCxnSpPr/>
+          <p:nvPr/>
+        </p:nvCxnSpPr>
+        <p:spPr>
+          <a:xfrm flipH="1">
+            <a:off x="6392333" y="3437467"/>
+            <a:ext cx="4224867" cy="448733"/>
+          </a:xfrm>
+          <a:prstGeom prst="straightConnector1">
+            <a:avLst/>
+          </a:prstGeom>
+          <a:ln>
+            <a:tailEnd type="triangle"/>
+          </a:ln>
+        </p:spPr>
+        <p:style>
+          <a:lnRef idx="1">
+            <a:schemeClr val="dk1"/>
+          </a:lnRef>
+          <a:fillRef idx="0">
+            <a:schemeClr val="dk1"/>
+          </a:fillRef>
+          <a:effectRef idx="0">
+            <a:schemeClr val="dk1"/>
+          </a:effectRef>
+          <a:fontRef idx="minor">
+            <a:schemeClr val="tx1"/>
+          </a:fontRef>
+        </p:style>
+      </p:cxnSp>
+      <p:sp>
+        <p:nvSpPr>
+          <p:cNvPr id="17" name="Rectangle 16">
+            <a:extLst>
+              <a:ext uri="{FF2B5EF4-FFF2-40B4-BE49-F238E27FC236}">
+                <a16:creationId xmlns:a16="http://schemas.microsoft.com/office/drawing/2014/main" id="{543C976E-5AB8-41DA-A95F-3C56CE45ED2C}"/>
+              </a:ext>
+            </a:extLst>
+          </p:cNvPr>
+          <p:cNvSpPr/>
+          <p:nvPr/>
+        </p:nvSpPr>
+        <p:spPr>
+          <a:xfrm>
+            <a:off x="10693400" y="2192867"/>
+            <a:ext cx="1498600" cy="711200"/>
+          </a:xfrm>
+          <a:prstGeom prst="rect">
+            <a:avLst/>
+          </a:prstGeom>
+          <a:noFill/>
+          <a:ln>
+            <a:solidFill>
+              <a:schemeClr val="tx1"/>
+            </a:solidFill>
+          </a:ln>
+        </p:spPr>
+        <p:style>
+          <a:lnRef idx="2">
+            <a:schemeClr val="accent1">
+              <a:shade val="50000"/>
+            </a:schemeClr>
+          </a:lnRef>
+          <a:fillRef idx="1">
+            <a:schemeClr val="accent1"/>
+          </a:fillRef>
+          <a:effectRef idx="0">
+            <a:schemeClr val="accent1"/>
+          </a:effectRef>
+          <a:fontRef idx="minor">
+            <a:schemeClr val="lt1"/>
+          </a:fontRef>
+        </p:style>
+        <p:txBody>
+          <a:bodyPr rtlCol="0" anchor="ctr"/>
+          <a:lstStyle/>
+          <a:p>
+            <a:pPr algn="ctr"/>
+            <a:endParaRPr lang="fr-FR"/>
+          </a:p>
+        </p:txBody>
+      </p:sp>
+      <p:sp>
+        <p:nvSpPr>
+          <p:cNvPr id="18" name="ZoneTexte 17">
+            <a:extLst>
+              <a:ext uri="{FF2B5EF4-FFF2-40B4-BE49-F238E27FC236}">
+                <a16:creationId xmlns:a16="http://schemas.microsoft.com/office/drawing/2014/main" id="{E995265D-D31C-4152-8E8E-37CB26C3418A}"/>
+              </a:ext>
+            </a:extLst>
+          </p:cNvPr>
+          <p:cNvSpPr txBox="1"/>
+          <p:nvPr/>
+        </p:nvSpPr>
+        <p:spPr>
+          <a:xfrm>
+            <a:off x="10617200" y="3318933"/>
+            <a:ext cx="1447800" cy="1015663"/>
+          </a:xfrm>
+          <a:prstGeom prst="rect">
+            <a:avLst/>
+          </a:prstGeom>
+          <a:noFill/>
+        </p:spPr>
+        <p:txBody>
+          <a:bodyPr wrap="square" rtlCol="0">
+            <a:spAutoFit/>
+          </a:bodyPr>
+          <a:lstStyle/>
+          <a:p>
+            <a:r>
+              <a:rPr lang="fr-FR" sz="1200" dirty="0"/>
+              <a:t>Chaque bouton de utilisé provient de la librairie Bootstrap et d’un librairie pour nos icones</a:t>
+            </a:r>
+          </a:p>
+        </p:txBody>
+      </p:sp>
+      <p:sp>
+        <p:nvSpPr>
+          <p:cNvPr id="19" name="Rectangle 18">
+            <a:extLst>
+              <a:ext uri="{FF2B5EF4-FFF2-40B4-BE49-F238E27FC236}">
+                <a16:creationId xmlns:a16="http://schemas.microsoft.com/office/drawing/2014/main" id="{0453709C-7A18-49DF-8970-943F51382B10}"/>
+              </a:ext>
+            </a:extLst>
+          </p:cNvPr>
+          <p:cNvSpPr/>
+          <p:nvPr/>
+        </p:nvSpPr>
+        <p:spPr>
+          <a:xfrm>
+            <a:off x="10617200" y="3272366"/>
+            <a:ext cx="1498600" cy="1062229"/>
+          </a:xfrm>
+          <a:prstGeom prst="rect">
+            <a:avLst/>
+          </a:prstGeom>
+          <a:noFill/>
+          <a:ln>
+            <a:solidFill>
+              <a:schemeClr val="tx1"/>
+            </a:solidFill>
+          </a:ln>
+        </p:spPr>
+        <p:style>
+          <a:lnRef idx="2">
+            <a:schemeClr val="accent1">
+              <a:shade val="50000"/>
+            </a:schemeClr>
+          </a:lnRef>
+          <a:fillRef idx="1">
+            <a:schemeClr val="accent1"/>
+          </a:fillRef>
+          <a:effectRef idx="0">
+            <a:schemeClr val="accent1"/>
+          </a:effectRef>
+          <a:fontRef idx="minor">
+            <a:schemeClr val="lt1"/>
+          </a:fontRef>
+        </p:style>
+        <p:txBody>
+          <a:bodyPr rtlCol="0" anchor="ctr"/>
+          <a:lstStyle/>
+          <a:p>
+            <a:pPr algn="ctr"/>
+            <a:endParaRPr lang="fr-FR"/>
+          </a:p>
+        </p:txBody>
+      </p:sp>
+      <p:cxnSp>
+        <p:nvCxnSpPr>
+          <p:cNvPr id="21" name="Connecteur droit avec flèche 20">
+            <a:extLst>
+              <a:ext uri="{FF2B5EF4-FFF2-40B4-BE49-F238E27FC236}">
+                <a16:creationId xmlns:a16="http://schemas.microsoft.com/office/drawing/2014/main" id="{48EAF9F0-3C31-4C11-A483-173E12FB54B6}"/>
+              </a:ext>
+            </a:extLst>
+          </p:cNvPr>
+          <p:cNvCxnSpPr/>
+          <p:nvPr/>
+        </p:nvCxnSpPr>
+        <p:spPr>
+          <a:xfrm flipH="1" flipV="1">
+            <a:off x="8271933" y="2066270"/>
+            <a:ext cx="2345267" cy="1371197"/>
+          </a:xfrm>
+          <a:prstGeom prst="straightConnector1">
+            <a:avLst/>
+          </a:prstGeom>
+          <a:ln>
+            <a:tailEnd type="triangle"/>
+          </a:ln>
+        </p:spPr>
+        <p:style>
+          <a:lnRef idx="1">
+            <a:schemeClr val="dk1"/>
+          </a:lnRef>
+          <a:fillRef idx="0">
+            <a:schemeClr val="dk1"/>
+          </a:fillRef>
+          <a:effectRef idx="0">
+            <a:schemeClr val="dk1"/>
+          </a:effectRef>
+          <a:fontRef idx="minor">
+            <a:schemeClr val="tx1"/>
+          </a:fontRef>
+        </p:style>
+      </p:cxnSp>
+      <p:cxnSp>
+        <p:nvCxnSpPr>
+          <p:cNvPr id="23" name="Connecteur droit avec flèche 22">
+            <a:extLst>
+              <a:ext uri="{FF2B5EF4-FFF2-40B4-BE49-F238E27FC236}">
+                <a16:creationId xmlns:a16="http://schemas.microsoft.com/office/drawing/2014/main" id="{984D114B-F7F2-43C1-9D9A-5D56FEA71B76}"/>
+              </a:ext>
+            </a:extLst>
+          </p:cNvPr>
+          <p:cNvCxnSpPr>
+            <a:cxnSpLocks/>
+            <a:stCxn id="32" idx="3"/>
+          </p:cNvCxnSpPr>
+          <p:nvPr/>
+        </p:nvCxnSpPr>
+        <p:spPr>
+          <a:xfrm flipV="1">
+            <a:off x="872067" y="2327825"/>
+            <a:ext cx="1947333" cy="71110"/>
+          </a:xfrm>
+          <a:prstGeom prst="straightConnector1">
+            <a:avLst/>
+          </a:prstGeom>
+          <a:ln>
+            <a:tailEnd type="triangle"/>
+          </a:ln>
+        </p:spPr>
+        <p:style>
+          <a:lnRef idx="1">
+            <a:schemeClr val="dk1"/>
+          </a:lnRef>
+          <a:fillRef idx="0">
+            <a:schemeClr val="dk1"/>
+          </a:fillRef>
+          <a:effectRef idx="0">
+            <a:schemeClr val="dk1"/>
+          </a:effectRef>
+          <a:fontRef idx="minor">
+            <a:schemeClr val="tx1"/>
+          </a:fontRef>
+        </p:style>
+      </p:cxnSp>
+      <p:cxnSp>
+        <p:nvCxnSpPr>
+          <p:cNvPr id="25" name="Connecteur droit avec flèche 24">
+            <a:extLst>
+              <a:ext uri="{FF2B5EF4-FFF2-40B4-BE49-F238E27FC236}">
+                <a16:creationId xmlns:a16="http://schemas.microsoft.com/office/drawing/2014/main" id="{46AB8439-7483-49C6-A6D9-CF4B9DB278CB}"/>
+              </a:ext>
+            </a:extLst>
+          </p:cNvPr>
+          <p:cNvCxnSpPr>
+            <a:cxnSpLocks/>
+            <a:stCxn id="32" idx="3"/>
+          </p:cNvCxnSpPr>
+          <p:nvPr/>
+        </p:nvCxnSpPr>
+        <p:spPr>
+          <a:xfrm>
+            <a:off x="872067" y="2398935"/>
+            <a:ext cx="2954866" cy="1140132"/>
+          </a:xfrm>
+          <a:prstGeom prst="straightConnector1">
+            <a:avLst/>
+          </a:prstGeom>
+          <a:ln w="3175">
+            <a:tailEnd type="triangle"/>
+          </a:ln>
+        </p:spPr>
+        <p:style>
+          <a:lnRef idx="1">
+            <a:schemeClr val="dk1"/>
+          </a:lnRef>
+          <a:fillRef idx="0">
+            <a:schemeClr val="dk1"/>
+          </a:fillRef>
+          <a:effectRef idx="0">
+            <a:schemeClr val="dk1"/>
+          </a:effectRef>
+          <a:fontRef idx="minor">
+            <a:schemeClr val="tx1"/>
+          </a:fontRef>
+        </p:style>
+      </p:cxnSp>
+      <p:cxnSp>
+        <p:nvCxnSpPr>
+          <p:cNvPr id="27" name="Connecteur droit avec flèche 26">
+            <a:extLst>
+              <a:ext uri="{FF2B5EF4-FFF2-40B4-BE49-F238E27FC236}">
+                <a16:creationId xmlns:a16="http://schemas.microsoft.com/office/drawing/2014/main" id="{7759DA45-07A3-4BBA-9B14-0CB712A11732}"/>
+              </a:ext>
+            </a:extLst>
+          </p:cNvPr>
+          <p:cNvCxnSpPr>
+            <a:cxnSpLocks/>
+            <a:stCxn id="32" idx="3"/>
+          </p:cNvCxnSpPr>
+          <p:nvPr/>
+        </p:nvCxnSpPr>
+        <p:spPr>
+          <a:xfrm>
+            <a:off x="872067" y="2398935"/>
+            <a:ext cx="6265334" cy="115666"/>
+          </a:xfrm>
+          <a:prstGeom prst="straightConnector1">
+            <a:avLst/>
+          </a:prstGeom>
+          <a:ln>
+            <a:tailEnd type="triangle"/>
+          </a:ln>
+        </p:spPr>
+        <p:style>
+          <a:lnRef idx="1">
+            <a:schemeClr val="dk1"/>
+          </a:lnRef>
+          <a:fillRef idx="0">
+            <a:schemeClr val="dk1"/>
+          </a:fillRef>
+          <a:effectRef idx="0">
+            <a:schemeClr val="dk1"/>
+          </a:effectRef>
+          <a:fontRef idx="minor">
+            <a:schemeClr val="tx1"/>
+          </a:fontRef>
+        </p:style>
+      </p:cxnSp>
+      <p:sp>
+        <p:nvSpPr>
+          <p:cNvPr id="28" name="Rectangle 27">
+            <a:extLst>
+              <a:ext uri="{FF2B5EF4-FFF2-40B4-BE49-F238E27FC236}">
+                <a16:creationId xmlns:a16="http://schemas.microsoft.com/office/drawing/2014/main" id="{AD262562-71A1-406B-B3F7-CAB52DB52E33}"/>
+              </a:ext>
+            </a:extLst>
+          </p:cNvPr>
+          <p:cNvSpPr/>
+          <p:nvPr/>
+        </p:nvSpPr>
+        <p:spPr>
+          <a:xfrm>
+            <a:off x="2810933" y="2275820"/>
+            <a:ext cx="965200" cy="3413780"/>
+          </a:xfrm>
+          <a:prstGeom prst="rect">
+            <a:avLst/>
+          </a:prstGeom>
+          <a:noFill/>
+          <a:ln w="9525">
+            <a:solidFill>
+              <a:schemeClr val="tx1"/>
+            </a:solidFill>
+          </a:ln>
+        </p:spPr>
+        <p:style>
+          <a:lnRef idx="2">
+            <a:schemeClr val="accent1">
+              <a:shade val="50000"/>
+            </a:schemeClr>
+          </a:lnRef>
+          <a:fillRef idx="1">
+            <a:schemeClr val="accent1"/>
+          </a:fillRef>
+          <a:effectRef idx="0">
+            <a:schemeClr val="accent1"/>
+          </a:effectRef>
+          <a:fontRef idx="minor">
+            <a:schemeClr val="lt1"/>
+          </a:fontRef>
+        </p:style>
+        <p:txBody>
+          <a:bodyPr rtlCol="0" anchor="ctr"/>
+          <a:lstStyle/>
+          <a:p>
+            <a:pPr algn="ctr"/>
+            <a:endParaRPr lang="fr-FR"/>
+          </a:p>
+        </p:txBody>
+      </p:sp>
+      <p:sp>
+        <p:nvSpPr>
+          <p:cNvPr id="30" name="Rectangle 29">
+            <a:extLst>
+              <a:ext uri="{FF2B5EF4-FFF2-40B4-BE49-F238E27FC236}">
+                <a16:creationId xmlns:a16="http://schemas.microsoft.com/office/drawing/2014/main" id="{719DCACA-4A20-46AD-BDD7-A1D98277734D}"/>
+              </a:ext>
+            </a:extLst>
+          </p:cNvPr>
+          <p:cNvSpPr/>
+          <p:nvPr/>
+        </p:nvSpPr>
+        <p:spPr>
+          <a:xfrm>
+            <a:off x="3826933" y="2192867"/>
+            <a:ext cx="3234267" cy="3496733"/>
+          </a:xfrm>
+          <a:prstGeom prst="rect">
+            <a:avLst/>
+          </a:prstGeom>
+          <a:noFill/>
+          <a:ln w="9525">
+            <a:solidFill>
+              <a:schemeClr val="tx1"/>
+            </a:solidFill>
+          </a:ln>
+        </p:spPr>
+        <p:style>
+          <a:lnRef idx="2">
+            <a:schemeClr val="accent1">
+              <a:shade val="50000"/>
+            </a:schemeClr>
+          </a:lnRef>
+          <a:fillRef idx="1">
+            <a:schemeClr val="accent1"/>
+          </a:fillRef>
+          <a:effectRef idx="0">
+            <a:schemeClr val="accent1"/>
+          </a:effectRef>
+          <a:fontRef idx="minor">
+            <a:schemeClr val="lt1"/>
+          </a:fontRef>
+        </p:style>
+        <p:txBody>
+          <a:bodyPr rtlCol="0" anchor="ctr"/>
+          <a:lstStyle/>
+          <a:p>
+            <a:pPr algn="ctr"/>
+            <a:endParaRPr lang="fr-FR"/>
+          </a:p>
+        </p:txBody>
+      </p:sp>
+      <p:sp>
+        <p:nvSpPr>
+          <p:cNvPr id="31" name="Rectangle 30">
+            <a:extLst>
+              <a:ext uri="{FF2B5EF4-FFF2-40B4-BE49-F238E27FC236}">
+                <a16:creationId xmlns:a16="http://schemas.microsoft.com/office/drawing/2014/main" id="{6D67C057-AC7D-461B-9032-8616BDC67645}"/>
+              </a:ext>
+            </a:extLst>
+          </p:cNvPr>
+          <p:cNvSpPr/>
+          <p:nvPr/>
+        </p:nvSpPr>
+        <p:spPr>
+          <a:xfrm>
+            <a:off x="7137401" y="2192867"/>
+            <a:ext cx="1371600" cy="3496733"/>
+          </a:xfrm>
+          <a:prstGeom prst="rect">
+            <a:avLst/>
+          </a:prstGeom>
+          <a:noFill/>
+          <a:ln w="6350"/>
+        </p:spPr>
+        <p:style>
+          <a:lnRef idx="2">
+            <a:schemeClr val="accent1">
+              <a:shade val="50000"/>
+            </a:schemeClr>
+          </a:lnRef>
+          <a:fillRef idx="1">
+            <a:schemeClr val="accent1"/>
+          </a:fillRef>
+          <a:effectRef idx="0">
+            <a:schemeClr val="accent1"/>
+          </a:effectRef>
+          <a:fontRef idx="minor">
+            <a:schemeClr val="lt1"/>
+          </a:fontRef>
+        </p:style>
+        <p:txBody>
+          <a:bodyPr rtlCol="0" anchor="ctr"/>
+          <a:lstStyle/>
+          <a:p>
+            <a:pPr algn="ctr"/>
+            <a:endParaRPr lang="fr-FR"/>
+          </a:p>
+        </p:txBody>
+      </p:sp>
+      <p:sp>
+        <p:nvSpPr>
+          <p:cNvPr id="32" name="ZoneTexte 31">
+            <a:extLst>
+              <a:ext uri="{FF2B5EF4-FFF2-40B4-BE49-F238E27FC236}">
+                <a16:creationId xmlns:a16="http://schemas.microsoft.com/office/drawing/2014/main" id="{F18E9186-F4C4-4153-B985-9F997496B44F}"/>
+              </a:ext>
+            </a:extLst>
+          </p:cNvPr>
+          <p:cNvSpPr txBox="1"/>
+          <p:nvPr/>
+        </p:nvSpPr>
+        <p:spPr>
+          <a:xfrm>
+            <a:off x="33867" y="1706437"/>
+            <a:ext cx="838200" cy="1384995"/>
+          </a:xfrm>
+          <a:prstGeom prst="rect">
+            <a:avLst/>
+          </a:prstGeom>
+          <a:noFill/>
+        </p:spPr>
+        <p:txBody>
+          <a:bodyPr wrap="square" rtlCol="0">
+            <a:spAutoFit/>
+          </a:bodyPr>
+          <a:lstStyle/>
+          <a:p>
+            <a:r>
+              <a:rPr lang="fr-FR" sz="1200" dirty="0"/>
+              <a:t>Chaque page est structurée à l’aide des </a:t>
+            </a:r>
+            <a:r>
+              <a:rPr lang="fr-FR" sz="1200" dirty="0" err="1"/>
+              <a:t>row</a:t>
+            </a:r>
+            <a:r>
+              <a:rPr lang="fr-FR" sz="1200" dirty="0"/>
+              <a:t> et col de Bootstrap</a:t>
+            </a:r>
+          </a:p>
+        </p:txBody>
+      </p:sp>
+      <p:sp>
+        <p:nvSpPr>
+          <p:cNvPr id="38" name="Rectangle 37">
+            <a:extLst>
+              <a:ext uri="{FF2B5EF4-FFF2-40B4-BE49-F238E27FC236}">
+                <a16:creationId xmlns:a16="http://schemas.microsoft.com/office/drawing/2014/main" id="{27635124-0745-4AEB-B67B-685A2E7C1480}"/>
+              </a:ext>
+            </a:extLst>
+          </p:cNvPr>
+          <p:cNvSpPr/>
+          <p:nvPr/>
+        </p:nvSpPr>
+        <p:spPr>
+          <a:xfrm>
+            <a:off x="33867" y="1706437"/>
+            <a:ext cx="838200" cy="1451630"/>
+          </a:xfrm>
+          <a:prstGeom prst="rect">
+            <a:avLst/>
+          </a:prstGeom>
+          <a:noFill/>
+          <a:ln w="6350">
+            <a:solidFill>
+              <a:schemeClr val="tx1"/>
+            </a:solidFill>
+          </a:ln>
+        </p:spPr>
+        <p:style>
+          <a:lnRef idx="2">
+            <a:schemeClr val="accent1">
+              <a:shade val="50000"/>
+            </a:schemeClr>
+          </a:lnRef>
+          <a:fillRef idx="1">
+            <a:schemeClr val="accent1"/>
+          </a:fillRef>
+          <a:effectRef idx="0">
+            <a:schemeClr val="accent1"/>
+          </a:effectRef>
+          <a:fontRef idx="minor">
+            <a:schemeClr val="lt1"/>
+          </a:fontRef>
+        </p:style>
+        <p:txBody>
+          <a:bodyPr rtlCol="0" anchor="ctr"/>
+          <a:lstStyle/>
+          <a:p>
+            <a:pPr algn="ctr"/>
+            <a:endParaRPr lang="fr-FR"/>
+          </a:p>
+        </p:txBody>
+      </p:sp>
+      <p:sp>
+        <p:nvSpPr>
+          <p:cNvPr id="40" name="ZoneTexte 39">
+            <a:extLst>
+              <a:ext uri="{FF2B5EF4-FFF2-40B4-BE49-F238E27FC236}">
+                <a16:creationId xmlns:a16="http://schemas.microsoft.com/office/drawing/2014/main" id="{CBEF143A-21A5-46BE-9D12-350F9277B16C}"/>
+              </a:ext>
+            </a:extLst>
+          </p:cNvPr>
+          <p:cNvSpPr txBox="1"/>
+          <p:nvPr/>
+        </p:nvSpPr>
+        <p:spPr>
+          <a:xfrm>
+            <a:off x="33867" y="3437467"/>
+            <a:ext cx="944032" cy="2308324"/>
+          </a:xfrm>
+          <a:prstGeom prst="rect">
+            <a:avLst/>
+          </a:prstGeom>
+          <a:noFill/>
+        </p:spPr>
+        <p:txBody>
+          <a:bodyPr wrap="square" rtlCol="0">
+            <a:spAutoFit/>
+          </a:bodyPr>
+          <a:lstStyle/>
+          <a:p>
+            <a:r>
+              <a:rPr lang="fr-FR" sz="1200" dirty="0"/>
+              <a:t>Pour afficher des éléments nous utilisons des panel ou des </a:t>
+            </a:r>
+            <a:r>
+              <a:rPr lang="fr-FR" sz="1200" dirty="0" err="1"/>
+              <a:t>cards</a:t>
+            </a:r>
+            <a:r>
+              <a:rPr lang="fr-FR" sz="1200" dirty="0"/>
+              <a:t> pour les images</a:t>
+            </a:r>
+          </a:p>
+          <a:p>
+            <a:r>
+              <a:rPr lang="fr-FR" sz="1200" dirty="0"/>
+              <a:t>Librairie </a:t>
+            </a:r>
+            <a:r>
+              <a:rPr lang="fr-FR" sz="1200" dirty="0" err="1"/>
+              <a:t>bootstrap</a:t>
+            </a:r>
+            <a:r>
+              <a:rPr lang="fr-FR" sz="1200" dirty="0"/>
+              <a:t> </a:t>
+            </a:r>
+          </a:p>
+          <a:p>
+            <a:endParaRPr lang="fr-FR" sz="1200" dirty="0"/>
+          </a:p>
+        </p:txBody>
+      </p:sp>
+      <p:sp>
+        <p:nvSpPr>
+          <p:cNvPr id="41" name="Rectangle 40">
+            <a:extLst>
+              <a:ext uri="{FF2B5EF4-FFF2-40B4-BE49-F238E27FC236}">
+                <a16:creationId xmlns:a16="http://schemas.microsoft.com/office/drawing/2014/main" id="{085AE112-DABC-4FBE-AACF-49FCF1B096C7}"/>
+              </a:ext>
+            </a:extLst>
+          </p:cNvPr>
+          <p:cNvSpPr/>
+          <p:nvPr/>
+        </p:nvSpPr>
+        <p:spPr>
+          <a:xfrm>
+            <a:off x="33867" y="3437467"/>
+            <a:ext cx="944032" cy="2252133"/>
+          </a:xfrm>
+          <a:prstGeom prst="rect">
+            <a:avLst/>
+          </a:prstGeom>
+          <a:noFill/>
+          <a:ln w="6350">
+            <a:solidFill>
+              <a:schemeClr val="tx1"/>
+            </a:solidFill>
+          </a:ln>
+        </p:spPr>
+        <p:style>
+          <a:lnRef idx="2">
+            <a:schemeClr val="accent1">
+              <a:shade val="50000"/>
+            </a:schemeClr>
+          </a:lnRef>
+          <a:fillRef idx="1">
+            <a:schemeClr val="accent1"/>
+          </a:fillRef>
+          <a:effectRef idx="0">
+            <a:schemeClr val="accent1"/>
+          </a:effectRef>
+          <a:fontRef idx="minor">
+            <a:schemeClr val="lt1"/>
+          </a:fontRef>
+        </p:style>
+        <p:txBody>
+          <a:bodyPr rtlCol="0" anchor="ctr"/>
+          <a:lstStyle/>
+          <a:p>
+            <a:pPr algn="ctr"/>
+            <a:endParaRPr lang="fr-FR"/>
+          </a:p>
+        </p:txBody>
+      </p:sp>
+      <p:cxnSp>
+        <p:nvCxnSpPr>
+          <p:cNvPr id="43" name="Connecteur droit avec flèche 42">
+            <a:extLst>
+              <a:ext uri="{FF2B5EF4-FFF2-40B4-BE49-F238E27FC236}">
+                <a16:creationId xmlns:a16="http://schemas.microsoft.com/office/drawing/2014/main" id="{9967AD9D-4C37-42B0-87A5-698197BD73CD}"/>
+              </a:ext>
+            </a:extLst>
+          </p:cNvPr>
+          <p:cNvCxnSpPr>
+            <a:stCxn id="41" idx="3"/>
+          </p:cNvCxnSpPr>
+          <p:nvPr/>
+        </p:nvCxnSpPr>
+        <p:spPr>
+          <a:xfrm>
+            <a:off x="977899" y="4563534"/>
+            <a:ext cx="2976034" cy="42333"/>
+          </a:xfrm>
+          <a:prstGeom prst="straightConnector1">
+            <a:avLst/>
+          </a:prstGeom>
+          <a:ln>
+            <a:tailEnd type="triangle"/>
+          </a:ln>
+        </p:spPr>
+        <p:style>
+          <a:lnRef idx="1">
+            <a:schemeClr val="dk1"/>
+          </a:lnRef>
+          <a:fillRef idx="0">
+            <a:schemeClr val="dk1"/>
+          </a:fillRef>
+          <a:effectRef idx="0">
+            <a:schemeClr val="dk1"/>
+          </a:effectRef>
+          <a:fontRef idx="minor">
+            <a:schemeClr val="tx1"/>
+          </a:fontRef>
+        </p:style>
+      </p:cxnSp>
+      <p:cxnSp>
+        <p:nvCxnSpPr>
+          <p:cNvPr id="45" name="Connecteur droit avec flèche 44">
+            <a:extLst>
+              <a:ext uri="{FF2B5EF4-FFF2-40B4-BE49-F238E27FC236}">
+                <a16:creationId xmlns:a16="http://schemas.microsoft.com/office/drawing/2014/main" id="{CB5D3B1E-7E86-4374-B8AF-D5ADC2C65A22}"/>
+              </a:ext>
+            </a:extLst>
+          </p:cNvPr>
+          <p:cNvCxnSpPr>
+            <a:stCxn id="41" idx="3"/>
+          </p:cNvCxnSpPr>
+          <p:nvPr/>
+        </p:nvCxnSpPr>
+        <p:spPr>
+          <a:xfrm flipV="1">
+            <a:off x="977899" y="3056467"/>
+            <a:ext cx="6239933" cy="1507067"/>
+          </a:xfrm>
+          <a:prstGeom prst="straightConnector1">
+            <a:avLst/>
+          </a:prstGeom>
+          <a:ln>
+            <a:tailEnd type="triangle"/>
+          </a:ln>
+        </p:spPr>
+        <p:style>
+          <a:lnRef idx="1">
+            <a:schemeClr val="dk1"/>
+          </a:lnRef>
+          <a:fillRef idx="0">
+            <a:schemeClr val="dk1"/>
+          </a:fillRef>
+          <a:effectRef idx="0">
+            <a:schemeClr val="dk1"/>
+          </a:effectRef>
+          <a:fontRef idx="minor">
+            <a:schemeClr val="tx1"/>
+          </a:fontRef>
+        </p:style>
+      </p:cxnSp>
+      <p:cxnSp>
+        <p:nvCxnSpPr>
+          <p:cNvPr id="47" name="Connecteur droit avec flèche 46">
+            <a:extLst>
+              <a:ext uri="{FF2B5EF4-FFF2-40B4-BE49-F238E27FC236}">
+                <a16:creationId xmlns:a16="http://schemas.microsoft.com/office/drawing/2014/main" id="{9B7B99DA-5F33-4A7D-B7C6-F568558FD8CC}"/>
+              </a:ext>
+            </a:extLst>
+          </p:cNvPr>
+          <p:cNvCxnSpPr>
+            <a:stCxn id="41" idx="3"/>
+          </p:cNvCxnSpPr>
+          <p:nvPr/>
+        </p:nvCxnSpPr>
+        <p:spPr>
+          <a:xfrm flipV="1">
+            <a:off x="977899" y="4428067"/>
+            <a:ext cx="6430434" cy="135467"/>
+          </a:xfrm>
+          <a:prstGeom prst="straightConnector1">
+            <a:avLst/>
+          </a:prstGeom>
+          <a:ln>
+            <a:tailEnd type="triangle"/>
+          </a:ln>
+        </p:spPr>
+        <p:style>
+          <a:lnRef idx="1">
+            <a:schemeClr val="dk1"/>
+          </a:lnRef>
+          <a:fillRef idx="0">
+            <a:schemeClr val="dk1"/>
+          </a:fillRef>
+          <a:effectRef idx="0">
+            <a:schemeClr val="dk1"/>
+          </a:effectRef>
+          <a:fontRef idx="minor">
+            <a:schemeClr val="tx1"/>
+          </a:fontRef>
+        </p:style>
+      </p:cxnSp>
     </p:spTree>
     <p:extLst>
       <p:ext uri="{BB962C8B-B14F-4D97-AF65-F5344CB8AC3E}">

--- a/Présentation_finale.pptx
+++ b/Présentation_finale.pptx
@@ -7,10 +7,18 @@
   <p:sldIdLst>
     <p:sldId id="256" r:id="rId2"/>
     <p:sldId id="258" r:id="rId3"/>
-    <p:sldId id="261" r:id="rId4"/>
-    <p:sldId id="260" r:id="rId5"/>
-    <p:sldId id="259" r:id="rId6"/>
-    <p:sldId id="257" r:id="rId7"/>
+    <p:sldId id="269" r:id="rId4"/>
+    <p:sldId id="263" r:id="rId5"/>
+    <p:sldId id="270" r:id="rId6"/>
+    <p:sldId id="271" r:id="rId7"/>
+    <p:sldId id="272" r:id="rId8"/>
+    <p:sldId id="260" r:id="rId9"/>
+    <p:sldId id="259" r:id="rId10"/>
+    <p:sldId id="266" r:id="rId11"/>
+    <p:sldId id="267" r:id="rId12"/>
+    <p:sldId id="268" r:id="rId13"/>
+    <p:sldId id="257" r:id="rId14"/>
+    <p:sldId id="273" r:id="rId15"/>
   </p:sldIdLst>
   <p:sldSz cx="12192000" cy="6858000"/>
   <p:notesSz cx="6858000" cy="9144000"/>
@@ -115,10 +123,6 @@
     </p:ext>
   </p:extLst>
 </p:presentation>
-</file>
-
-<file path=ppt/revisionInfo.xml><?xml version="1.0" encoding="utf-8"?>
-<p1510:revInfo xmlns:a="http://schemas.openxmlformats.org/drawingml/2006/main" xmlns:r="http://schemas.openxmlformats.org/officeDocument/2006/relationships" xmlns:p1510="http://schemas.microsoft.com/office/powerpoint/2015/10/main"/>
 </file>
 
 <file path=ppt/slideLayouts/slideLayout1.xml><?xml version="1.0" encoding="utf-8"?>
@@ -3470,6 +3474,609 @@
 </p:sld>
 </file>
 
+<file path=ppt/slides/slide10.xml><?xml version="1.0" encoding="utf-8"?>
+<p:sld xmlns:a="http://schemas.openxmlformats.org/drawingml/2006/main" xmlns:r="http://schemas.openxmlformats.org/officeDocument/2006/relationships" xmlns:p="http://schemas.openxmlformats.org/presentationml/2006/main">
+  <p:cSld>
+    <p:spTree>
+      <p:nvGrpSpPr>
+        <p:cNvPr id="1" name=""/>
+        <p:cNvGrpSpPr/>
+        <p:nvPr/>
+      </p:nvGrpSpPr>
+      <p:grpSpPr>
+        <a:xfrm>
+          <a:off x="0" y="0"/>
+          <a:ext cx="0" cy="0"/>
+          <a:chOff x="0" y="0"/>
+          <a:chExt cx="0" cy="0"/>
+        </a:xfrm>
+      </p:grpSpPr>
+      <p:sp>
+        <p:nvSpPr>
+          <p:cNvPr id="2" name="Titre 1">
+            <a:extLst>
+              <a:ext uri="{FF2B5EF4-FFF2-40B4-BE49-F238E27FC236}">
+                <a16:creationId xmlns:a16="http://schemas.microsoft.com/office/drawing/2014/main" id="{413FB037-B9EC-F74A-8968-A18D40ED00A0}"/>
+              </a:ext>
+            </a:extLst>
+          </p:cNvPr>
+          <p:cNvSpPr>
+            <a:spLocks noGrp="1"/>
+          </p:cNvSpPr>
+          <p:nvPr>
+            <p:ph type="title"/>
+          </p:nvPr>
+        </p:nvSpPr>
+        <p:spPr/>
+        <p:txBody>
+          <a:bodyPr>
+            <a:normAutofit/>
+          </a:bodyPr>
+          <a:lstStyle/>
+          <a:p>
+            <a:pPr algn="ctr"/>
+            <a:r>
+              <a:rPr lang="fr-FR" sz="3600" dirty="0"/>
+              <a:t>Spécification fonctionnel</a:t>
+            </a:r>
+          </a:p>
+        </p:txBody>
+      </p:sp>
+      <p:sp>
+        <p:nvSpPr>
+          <p:cNvPr id="3" name="Espace réservé du contenu 2">
+            <a:extLst>
+              <a:ext uri="{FF2B5EF4-FFF2-40B4-BE49-F238E27FC236}">
+                <a16:creationId xmlns:a16="http://schemas.microsoft.com/office/drawing/2014/main" id="{EE1DE912-D3C7-CC49-9E40-931ED5C57E77}"/>
+              </a:ext>
+            </a:extLst>
+          </p:cNvPr>
+          <p:cNvSpPr>
+            <a:spLocks noGrp="1"/>
+          </p:cNvSpPr>
+          <p:nvPr>
+            <p:ph idx="1"/>
+          </p:nvPr>
+        </p:nvSpPr>
+        <p:spPr/>
+        <p:txBody>
+          <a:bodyPr/>
+          <a:lstStyle/>
+          <a:p>
+            <a:endParaRPr lang="fr-FR"/>
+          </a:p>
+        </p:txBody>
+      </p:sp>
+    </p:spTree>
+    <p:extLst>
+      <p:ext uri="{BB962C8B-B14F-4D97-AF65-F5344CB8AC3E}">
+        <p14:creationId xmlns:p14="http://schemas.microsoft.com/office/powerpoint/2010/main" val="1833147001"/>
+      </p:ext>
+    </p:extLst>
+  </p:cSld>
+  <p:clrMapOvr>
+    <a:masterClrMapping/>
+  </p:clrMapOvr>
+</p:sld>
+</file>
+
+<file path=ppt/slides/slide11.xml><?xml version="1.0" encoding="utf-8"?>
+<p:sld xmlns:a="http://schemas.openxmlformats.org/drawingml/2006/main" xmlns:r="http://schemas.openxmlformats.org/officeDocument/2006/relationships" xmlns:p="http://schemas.openxmlformats.org/presentationml/2006/main">
+  <p:cSld>
+    <p:spTree>
+      <p:nvGrpSpPr>
+        <p:cNvPr id="1" name=""/>
+        <p:cNvGrpSpPr/>
+        <p:nvPr/>
+      </p:nvGrpSpPr>
+      <p:grpSpPr>
+        <a:xfrm>
+          <a:off x="0" y="0"/>
+          <a:ext cx="0" cy="0"/>
+          <a:chOff x="0" y="0"/>
+          <a:chExt cx="0" cy="0"/>
+        </a:xfrm>
+      </p:grpSpPr>
+      <p:sp>
+        <p:nvSpPr>
+          <p:cNvPr id="2" name="Titre 1">
+            <a:extLst>
+              <a:ext uri="{FF2B5EF4-FFF2-40B4-BE49-F238E27FC236}">
+                <a16:creationId xmlns:a16="http://schemas.microsoft.com/office/drawing/2014/main" id="{F6C95677-0448-1540-AF89-7EB8A686BAF8}"/>
+              </a:ext>
+            </a:extLst>
+          </p:cNvPr>
+          <p:cNvSpPr>
+            <a:spLocks noGrp="1"/>
+          </p:cNvSpPr>
+          <p:nvPr>
+            <p:ph type="title"/>
+          </p:nvPr>
+        </p:nvSpPr>
+        <p:spPr/>
+        <p:txBody>
+          <a:bodyPr>
+            <a:normAutofit/>
+          </a:bodyPr>
+          <a:lstStyle/>
+          <a:p>
+            <a:pPr algn="ctr"/>
+            <a:r>
+              <a:rPr lang="fr-FR" sz="3600" dirty="0"/>
+              <a:t>Versioning GIT</a:t>
+            </a:r>
+          </a:p>
+        </p:txBody>
+      </p:sp>
+      <p:sp>
+        <p:nvSpPr>
+          <p:cNvPr id="3" name="Espace réservé du contenu 2">
+            <a:extLst>
+              <a:ext uri="{FF2B5EF4-FFF2-40B4-BE49-F238E27FC236}">
+                <a16:creationId xmlns:a16="http://schemas.microsoft.com/office/drawing/2014/main" id="{42D0E636-33DA-EB49-B9D8-9522420EBD53}"/>
+              </a:ext>
+            </a:extLst>
+          </p:cNvPr>
+          <p:cNvSpPr>
+            <a:spLocks noGrp="1"/>
+          </p:cNvSpPr>
+          <p:nvPr>
+            <p:ph idx="1"/>
+          </p:nvPr>
+        </p:nvSpPr>
+        <p:spPr/>
+        <p:txBody>
+          <a:bodyPr/>
+          <a:lstStyle/>
+          <a:p>
+            <a:endParaRPr lang="fr-FR"/>
+          </a:p>
+        </p:txBody>
+      </p:sp>
+    </p:spTree>
+    <p:extLst>
+      <p:ext uri="{BB962C8B-B14F-4D97-AF65-F5344CB8AC3E}">
+        <p14:creationId xmlns:p14="http://schemas.microsoft.com/office/powerpoint/2010/main" val="2586329047"/>
+      </p:ext>
+    </p:extLst>
+  </p:cSld>
+  <p:clrMapOvr>
+    <a:masterClrMapping/>
+  </p:clrMapOvr>
+</p:sld>
+</file>
+
+<file path=ppt/slides/slide12.xml><?xml version="1.0" encoding="utf-8"?>
+<p:sld xmlns:a="http://schemas.openxmlformats.org/drawingml/2006/main" xmlns:r="http://schemas.openxmlformats.org/officeDocument/2006/relationships" xmlns:p="http://schemas.openxmlformats.org/presentationml/2006/main">
+  <p:cSld>
+    <p:spTree>
+      <p:nvGrpSpPr>
+        <p:cNvPr id="1" name=""/>
+        <p:cNvGrpSpPr/>
+        <p:nvPr/>
+      </p:nvGrpSpPr>
+      <p:grpSpPr>
+        <a:xfrm>
+          <a:off x="0" y="0"/>
+          <a:ext cx="0" cy="0"/>
+          <a:chOff x="0" y="0"/>
+          <a:chExt cx="0" cy="0"/>
+        </a:xfrm>
+      </p:grpSpPr>
+      <p:sp>
+        <p:nvSpPr>
+          <p:cNvPr id="2" name="Titre 1">
+            <a:extLst>
+              <a:ext uri="{FF2B5EF4-FFF2-40B4-BE49-F238E27FC236}">
+                <a16:creationId xmlns:a16="http://schemas.microsoft.com/office/drawing/2014/main" id="{A20842BF-3070-4243-91EF-52407D0F0BB2}"/>
+              </a:ext>
+            </a:extLst>
+          </p:cNvPr>
+          <p:cNvSpPr>
+            <a:spLocks noGrp="1"/>
+          </p:cNvSpPr>
+          <p:nvPr>
+            <p:ph type="title"/>
+          </p:nvPr>
+        </p:nvSpPr>
+        <p:spPr>
+          <a:xfrm>
+            <a:off x="838200" y="0"/>
+            <a:ext cx="10515600" cy="1325563"/>
+          </a:xfrm>
+        </p:spPr>
+        <p:txBody>
+          <a:bodyPr>
+            <a:normAutofit/>
+          </a:bodyPr>
+          <a:lstStyle/>
+          <a:p>
+            <a:pPr algn="ctr"/>
+            <a:r>
+              <a:rPr lang="fr-FR" sz="3600" dirty="0"/>
+              <a:t>Bilans Personnels</a:t>
+            </a:r>
+          </a:p>
+        </p:txBody>
+      </p:sp>
+      <p:sp>
+        <p:nvSpPr>
+          <p:cNvPr id="3" name="Espace réservé du contenu 2">
+            <a:extLst>
+              <a:ext uri="{FF2B5EF4-FFF2-40B4-BE49-F238E27FC236}">
+                <a16:creationId xmlns:a16="http://schemas.microsoft.com/office/drawing/2014/main" id="{99922A7D-47E1-2245-9830-D0440A7041FD}"/>
+              </a:ext>
+            </a:extLst>
+          </p:cNvPr>
+          <p:cNvSpPr>
+            <a:spLocks noGrp="1"/>
+          </p:cNvSpPr>
+          <p:nvPr>
+            <p:ph idx="1"/>
+          </p:nvPr>
+        </p:nvSpPr>
+        <p:spPr>
+          <a:xfrm>
+            <a:off x="838200" y="1075765"/>
+            <a:ext cx="10515600" cy="5101198"/>
+          </a:xfrm>
+        </p:spPr>
+        <p:txBody>
+          <a:bodyPr>
+            <a:normAutofit/>
+          </a:bodyPr>
+          <a:lstStyle/>
+          <a:p>
+            <a:pPr marL="0" indent="0">
+              <a:buNone/>
+            </a:pPr>
+            <a:r>
+              <a:rPr lang="fr-FR" sz="1800" b="1" dirty="0"/>
+              <a:t>Maxime Toquebiau</a:t>
+            </a:r>
+          </a:p>
+          <a:p>
+            <a:endParaRPr lang="fr-FR" sz="1800" dirty="0"/>
+          </a:p>
+          <a:p>
+            <a:endParaRPr lang="fr-FR" sz="1800" dirty="0"/>
+          </a:p>
+          <a:p>
+            <a:pPr marL="0" indent="0">
+              <a:buNone/>
+            </a:pPr>
+            <a:r>
+              <a:rPr lang="fr-FR" sz="1800" b="1" dirty="0"/>
+              <a:t>Thomas Wuhrlin</a:t>
+            </a:r>
+          </a:p>
+          <a:p>
+            <a:r>
+              <a:rPr lang="fr-FR" sz="1800" dirty="0"/>
+              <a:t>Ce projet m’a permis de perfectionner mes connaissances en JavaScript et jQuery</a:t>
+            </a:r>
+          </a:p>
+          <a:p>
+            <a:r>
+              <a:rPr lang="fr-FR" sz="1800" dirty="0"/>
+              <a:t>Il m’a également permis de maitriser le Framework Bootstrap qui est très utile pour designer correctement une page web</a:t>
+            </a:r>
+          </a:p>
+          <a:p>
+            <a:r>
+              <a:rPr lang="fr-FR" sz="1800" dirty="0"/>
+              <a:t>Enfin j’ai pu apprendre et comprendre les différentes étapes de confection d’un site internet, ce qui est un vrai plus au point de vue personnel</a:t>
+            </a:r>
+          </a:p>
+          <a:p>
+            <a:pPr marL="0" indent="0">
+              <a:buNone/>
+            </a:pPr>
+            <a:r>
+              <a:rPr lang="fr-FR" sz="1800" b="1" dirty="0"/>
+              <a:t>Clément Pécresse</a:t>
+            </a:r>
+          </a:p>
+          <a:p>
+            <a:endParaRPr lang="fr-FR" sz="2000" dirty="0"/>
+          </a:p>
+        </p:txBody>
+      </p:sp>
+    </p:spTree>
+    <p:extLst>
+      <p:ext uri="{BB962C8B-B14F-4D97-AF65-F5344CB8AC3E}">
+        <p14:creationId xmlns:p14="http://schemas.microsoft.com/office/powerpoint/2010/main" val="2279897869"/>
+      </p:ext>
+    </p:extLst>
+  </p:cSld>
+  <p:clrMapOvr>
+    <a:masterClrMapping/>
+  </p:clrMapOvr>
+</p:sld>
+</file>
+
+<file path=ppt/slides/slide13.xml><?xml version="1.0" encoding="utf-8"?>
+<p:sld xmlns:a="http://schemas.openxmlformats.org/drawingml/2006/main" xmlns:r="http://schemas.openxmlformats.org/officeDocument/2006/relationships" xmlns:p="http://schemas.openxmlformats.org/presentationml/2006/main">
+  <p:cSld>
+    <p:spTree>
+      <p:nvGrpSpPr>
+        <p:cNvPr id="1" name=""/>
+        <p:cNvGrpSpPr/>
+        <p:nvPr/>
+      </p:nvGrpSpPr>
+      <p:grpSpPr>
+        <a:xfrm>
+          <a:off x="0" y="0"/>
+          <a:ext cx="0" cy="0"/>
+          <a:chOff x="0" y="0"/>
+          <a:chExt cx="0" cy="0"/>
+        </a:xfrm>
+      </p:grpSpPr>
+      <p:sp>
+        <p:nvSpPr>
+          <p:cNvPr id="2" name="Titre 1">
+            <a:extLst>
+              <a:ext uri="{FF2B5EF4-FFF2-40B4-BE49-F238E27FC236}">
+                <a16:creationId xmlns:a16="http://schemas.microsoft.com/office/drawing/2014/main" id="{1DA7D87A-49EA-F44B-95A4-9BACA2BB50B8}"/>
+              </a:ext>
+            </a:extLst>
+          </p:cNvPr>
+          <p:cNvSpPr>
+            <a:spLocks noGrp="1"/>
+          </p:cNvSpPr>
+          <p:nvPr>
+            <p:ph type="title"/>
+          </p:nvPr>
+        </p:nvSpPr>
+        <p:spPr/>
+        <p:txBody>
+          <a:bodyPr>
+            <a:normAutofit/>
+          </a:bodyPr>
+          <a:lstStyle/>
+          <a:p>
+            <a:pPr algn="ctr"/>
+            <a:r>
+              <a:rPr lang="fr-FR" sz="3600" dirty="0"/>
+              <a:t>Bilan Collectif</a:t>
+            </a:r>
+          </a:p>
+        </p:txBody>
+      </p:sp>
+      <p:sp>
+        <p:nvSpPr>
+          <p:cNvPr id="3" name="Espace réservé du contenu 2">
+            <a:extLst>
+              <a:ext uri="{FF2B5EF4-FFF2-40B4-BE49-F238E27FC236}">
+                <a16:creationId xmlns:a16="http://schemas.microsoft.com/office/drawing/2014/main" id="{EF5B9084-9229-3746-955B-643A6A7F1730}"/>
+              </a:ext>
+            </a:extLst>
+          </p:cNvPr>
+          <p:cNvSpPr>
+            <a:spLocks noGrp="1"/>
+          </p:cNvSpPr>
+          <p:nvPr>
+            <p:ph idx="1"/>
+          </p:nvPr>
+        </p:nvSpPr>
+        <p:spPr>
+          <a:xfrm>
+            <a:off x="838200" y="1843087"/>
+            <a:ext cx="10515600" cy="4333875"/>
+          </a:xfrm>
+        </p:spPr>
+        <p:txBody>
+          <a:bodyPr/>
+          <a:lstStyle/>
+          <a:p>
+            <a:r>
+              <a:rPr lang="fr-FR" dirty="0"/>
+              <a:t>Bonne cohésion et entente d’équipe</a:t>
+            </a:r>
+          </a:p>
+          <a:p>
+            <a:r>
+              <a:rPr lang="fr-FR" dirty="0"/>
+              <a:t> Acquisition  de nouvelles compétences dans différents langages de programmation Web (bootstrap, jQuery, JavaScript et PHP notamment)</a:t>
+            </a:r>
+          </a:p>
+          <a:p>
+            <a:r>
+              <a:rPr lang="fr-FR" dirty="0"/>
+              <a:t>Découverte des différentes étapes de préparation d’un site web</a:t>
+            </a:r>
+          </a:p>
+          <a:p>
+            <a:r>
+              <a:rPr lang="fr-FR" dirty="0"/>
+              <a:t>Confection d’une base de donnée en fonction des contraintes d’un cahier des charges précis</a:t>
+            </a:r>
+          </a:p>
+          <a:p>
+            <a:pPr marL="0" indent="0">
+              <a:buNone/>
+            </a:pPr>
+            <a:endParaRPr lang="fr-FR" dirty="0"/>
+          </a:p>
+          <a:p>
+            <a:endParaRPr lang="fr-FR" dirty="0"/>
+          </a:p>
+        </p:txBody>
+      </p:sp>
+    </p:spTree>
+    <p:extLst>
+      <p:ext uri="{BB962C8B-B14F-4D97-AF65-F5344CB8AC3E}">
+        <p14:creationId xmlns:p14="http://schemas.microsoft.com/office/powerpoint/2010/main" val="1562744867"/>
+      </p:ext>
+    </p:extLst>
+  </p:cSld>
+  <p:clrMapOvr>
+    <a:masterClrMapping/>
+  </p:clrMapOvr>
+</p:sld>
+</file>
+
+<file path=ppt/slides/slide14.xml><?xml version="1.0" encoding="utf-8"?>
+<p:sld xmlns:a="http://schemas.openxmlformats.org/drawingml/2006/main" xmlns:r="http://schemas.openxmlformats.org/officeDocument/2006/relationships" xmlns:p="http://schemas.openxmlformats.org/presentationml/2006/main">
+  <p:cSld>
+    <p:spTree>
+      <p:nvGrpSpPr>
+        <p:cNvPr id="1" name=""/>
+        <p:cNvGrpSpPr/>
+        <p:nvPr/>
+      </p:nvGrpSpPr>
+      <p:grpSpPr>
+        <a:xfrm>
+          <a:off x="0" y="0"/>
+          <a:ext cx="0" cy="0"/>
+          <a:chOff x="0" y="0"/>
+          <a:chExt cx="0" cy="0"/>
+        </a:xfrm>
+      </p:grpSpPr>
+      <p:sp>
+        <p:nvSpPr>
+          <p:cNvPr id="2" name="Titre 1">
+            <a:extLst>
+              <a:ext uri="{FF2B5EF4-FFF2-40B4-BE49-F238E27FC236}">
+                <a16:creationId xmlns:a16="http://schemas.microsoft.com/office/drawing/2014/main" id="{0FCE5D2A-FA31-654B-A859-303F9045AAF1}"/>
+              </a:ext>
+            </a:extLst>
+          </p:cNvPr>
+          <p:cNvSpPr>
+            <a:spLocks noGrp="1"/>
+          </p:cNvSpPr>
+          <p:nvPr>
+            <p:ph type="title"/>
+          </p:nvPr>
+        </p:nvSpPr>
+        <p:spPr>
+          <a:xfrm>
+            <a:off x="838200" y="0"/>
+            <a:ext cx="10515600" cy="1325563"/>
+          </a:xfrm>
+        </p:spPr>
+        <p:txBody>
+          <a:bodyPr>
+            <a:normAutofit/>
+          </a:bodyPr>
+          <a:lstStyle/>
+          <a:p>
+            <a:pPr algn="ctr"/>
+            <a:r>
+              <a:rPr lang="fr-FR" sz="3600" dirty="0"/>
+              <a:t>Bibliographie</a:t>
+            </a:r>
+          </a:p>
+        </p:txBody>
+      </p:sp>
+      <p:sp>
+        <p:nvSpPr>
+          <p:cNvPr id="3" name="Espace réservé du contenu 2">
+            <a:extLst>
+              <a:ext uri="{FF2B5EF4-FFF2-40B4-BE49-F238E27FC236}">
+                <a16:creationId xmlns:a16="http://schemas.microsoft.com/office/drawing/2014/main" id="{C87BC4CB-AB0C-6046-9053-5EE65E849C64}"/>
+              </a:ext>
+            </a:extLst>
+          </p:cNvPr>
+          <p:cNvSpPr>
+            <a:spLocks noGrp="1"/>
+          </p:cNvSpPr>
+          <p:nvPr>
+            <p:ph idx="1"/>
+          </p:nvPr>
+        </p:nvSpPr>
+        <p:spPr>
+          <a:xfrm>
+            <a:off x="838200" y="1129553"/>
+            <a:ext cx="10515600" cy="5047410"/>
+          </a:xfrm>
+        </p:spPr>
+        <p:txBody>
+          <a:bodyPr>
+            <a:normAutofit/>
+          </a:bodyPr>
+          <a:lstStyle/>
+          <a:p>
+            <a:pPr marL="0" indent="0">
+              <a:buNone/>
+            </a:pPr>
+            <a:r>
+              <a:rPr lang="fr-FR" sz="1400" b="1" dirty="0"/>
+              <a:t>Sources:</a:t>
+            </a:r>
+            <a:endParaRPr lang="fr-FR" sz="1400" b="1" u="sng" dirty="0">
+              <a:hlinkClick r:id="rId2"/>
+            </a:endParaRPr>
+          </a:p>
+          <a:p>
+            <a:pPr marL="0" indent="0">
+              <a:buNone/>
+            </a:pPr>
+            <a:r>
+              <a:rPr lang="fr-FR" sz="1400" u="sng" dirty="0">
+                <a:hlinkClick r:id="rId2"/>
+              </a:rPr>
+              <a:t>http://memo-web.fr/categorie-jquery-218.php</a:t>
+            </a:r>
+            <a:endParaRPr lang="fr-FR" sz="1400" dirty="0"/>
+          </a:p>
+          <a:p>
+            <a:pPr marL="0" indent="0">
+              <a:buNone/>
+            </a:pPr>
+            <a:r>
+              <a:rPr lang="fr-FR" sz="1400" u="sng" dirty="0">
+                <a:hlinkClick r:id="rId3"/>
+              </a:rPr>
+              <a:t>https://openclassrooms.com/courses/jquery-ecrivez-moins-pour-faire-plus/manipuler-le-contenu</a:t>
+            </a:r>
+            <a:endParaRPr lang="fr-FR" sz="1400" dirty="0"/>
+          </a:p>
+          <a:p>
+            <a:pPr marL="0" indent="0">
+              <a:buNone/>
+            </a:pPr>
+            <a:r>
+              <a:rPr lang="fr-FR" sz="1400" u="sng" dirty="0">
+                <a:hlinkClick r:id="rId4"/>
+              </a:rPr>
+              <a:t>https://www.w3schools.com/bootstrap/bootstrap_dropdowns.asp</a:t>
+            </a:r>
+            <a:endParaRPr lang="fr-FR" sz="1400" dirty="0"/>
+          </a:p>
+          <a:p>
+            <a:pPr marL="0" indent="0">
+              <a:buNone/>
+            </a:pPr>
+            <a:r>
+              <a:rPr lang="fr-FR" sz="1400" u="sng" dirty="0">
+                <a:hlinkClick r:id="rId5"/>
+              </a:rPr>
+              <a:t>https://www.w3schools.com/howto/howto_js_rangeslider.asp</a:t>
+            </a:r>
+            <a:endParaRPr lang="fr-FR" sz="1400" dirty="0"/>
+          </a:p>
+          <a:p>
+            <a:pPr marL="0" indent="0">
+              <a:buNone/>
+            </a:pPr>
+            <a:endParaRPr lang="fr-FR" sz="1400" dirty="0"/>
+          </a:p>
+        </p:txBody>
+      </p:sp>
+    </p:spTree>
+    <p:extLst>
+      <p:ext uri="{BB962C8B-B14F-4D97-AF65-F5344CB8AC3E}">
+        <p14:creationId xmlns:p14="http://schemas.microsoft.com/office/powerpoint/2010/main" val="1606831038"/>
+      </p:ext>
+    </p:extLst>
+  </p:cSld>
+  <p:clrMapOvr>
+    <a:masterClrMapping/>
+  </p:clrMapOvr>
+</p:sld>
+</file>
+
 <file path=ppt/slides/slide2.xml><?xml version="1.0" encoding="utf-8"?>
 <p:sld xmlns:a="http://schemas.openxmlformats.org/drawingml/2006/main" xmlns:r="http://schemas.openxmlformats.org/officeDocument/2006/relationships" xmlns:p="http://schemas.openxmlformats.org/presentationml/2006/main">
   <p:cSld>
@@ -3508,7 +4115,11 @@
           <a:bodyPr/>
           <a:lstStyle/>
           <a:p>
-            <a:endParaRPr lang="fr-FR" dirty="0"/>
+            <a:pPr algn="ctr"/>
+            <a:r>
+              <a:rPr lang="fr-FR" dirty="0"/>
+              <a:t>Sommaire</a:t>
+            </a:r>
           </a:p>
         </p:txBody>
       </p:sp>
@@ -3533,7 +4144,51 @@
           <a:bodyPr/>
           <a:lstStyle/>
           <a:p>
-            <a:endParaRPr lang="fr-FR"/>
+            <a:r>
+              <a:rPr lang="fr-FR" dirty="0"/>
+              <a:t>Conception du back</a:t>
+            </a:r>
+          </a:p>
+          <a:p>
+            <a:r>
+              <a:rPr lang="fr-FR" dirty="0"/>
+              <a:t>Design du front</a:t>
+            </a:r>
+          </a:p>
+          <a:p>
+            <a:r>
+              <a:rPr lang="fr-FR" dirty="0"/>
+              <a:t>Spécifications </a:t>
+            </a:r>
+            <a:r>
+              <a:rPr lang="fr-FR" dirty="0" err="1"/>
+              <a:t>fonctionelles</a:t>
+            </a:r>
+            <a:endParaRPr lang="fr-FR" dirty="0"/>
+          </a:p>
+          <a:p>
+            <a:r>
+              <a:rPr lang="fr-FR" dirty="0"/>
+              <a:t>Versioning GIT</a:t>
+            </a:r>
+          </a:p>
+          <a:p>
+            <a:r>
+              <a:rPr lang="fr-FR" dirty="0"/>
+              <a:t>Bilans individuels</a:t>
+            </a:r>
+          </a:p>
+          <a:p>
+            <a:r>
+              <a:rPr lang="fr-FR" dirty="0"/>
+              <a:t>Bilans collectifs</a:t>
+            </a:r>
+          </a:p>
+          <a:p>
+            <a:r>
+              <a:rPr lang="fr-FR" dirty="0"/>
+              <a:t>Bibliographie</a:t>
+            </a:r>
           </a:p>
         </p:txBody>
       </p:sp>
@@ -3572,7 +4227,7 @@
           <p:cNvPr id="2" name="Titre 1">
             <a:extLst>
               <a:ext uri="{FF2B5EF4-FFF2-40B4-BE49-F238E27FC236}">
-                <a16:creationId xmlns:a16="http://schemas.microsoft.com/office/drawing/2014/main" id="{CEC38C9C-440D-624B-B950-A330984BCA21}"/>
+                <a16:creationId xmlns:a16="http://schemas.microsoft.com/office/drawing/2014/main" id="{F341C7A3-AC23-4534-AC31-68EC519B740A}"/>
               </a:ext>
             </a:extLst>
           </p:cNvPr>
@@ -3583,44 +4238,186 @@
             <p:ph type="title"/>
           </p:nvPr>
         </p:nvSpPr>
-        <p:spPr/>
-        <p:txBody>
-          <a:bodyPr/>
-          <a:lstStyle/>
-          <a:p>
-            <a:endParaRPr lang="fr-FR"/>
-          </a:p>
-        </p:txBody>
-      </p:sp>
-      <p:sp>
-        <p:nvSpPr>
-          <p:cNvPr id="3" name="Espace réservé du contenu 2">
-            <a:extLst>
-              <a:ext uri="{FF2B5EF4-FFF2-40B4-BE49-F238E27FC236}">
-                <a16:creationId xmlns:a16="http://schemas.microsoft.com/office/drawing/2014/main" id="{F99351E6-2871-B64A-84E4-5EC072F6C630}"/>
-              </a:ext>
-            </a:extLst>
-          </p:cNvPr>
-          <p:cNvSpPr>
-            <a:spLocks noGrp="1"/>
-          </p:cNvSpPr>
-          <p:nvPr>
-            <p:ph idx="1"/>
-          </p:nvPr>
-        </p:nvSpPr>
-        <p:spPr/>
-        <p:txBody>
-          <a:bodyPr/>
-          <a:lstStyle/>
-          <a:p>
-            <a:endParaRPr lang="fr-FR"/>
+        <p:spPr>
+          <a:xfrm>
+            <a:off x="640613" y="-146547"/>
+            <a:ext cx="10515600" cy="1325563"/>
+          </a:xfrm>
+        </p:spPr>
+        <p:txBody>
+          <a:bodyPr>
+            <a:normAutofit/>
+          </a:bodyPr>
+          <a:lstStyle/>
+          <a:p>
+            <a:pPr algn="ctr"/>
+            <a:r>
+              <a:rPr lang="fr-FR" sz="3600" dirty="0"/>
+              <a:t>Conception du back</a:t>
+            </a:r>
+            <a:endParaRPr lang="en-US" sz="3600" dirty="0"/>
+          </a:p>
+        </p:txBody>
+      </p:sp>
+      <p:sp>
+        <p:nvSpPr>
+          <p:cNvPr id="6" name="ZoneTexte 5">
+            <a:extLst>
+              <a:ext uri="{FF2B5EF4-FFF2-40B4-BE49-F238E27FC236}">
+                <a16:creationId xmlns:a16="http://schemas.microsoft.com/office/drawing/2014/main" id="{4D799FCF-39A7-40ED-8D1C-5F81F12A43EB}"/>
+              </a:ext>
+            </a:extLst>
+          </p:cNvPr>
+          <p:cNvSpPr txBox="1"/>
+          <p:nvPr/>
+        </p:nvSpPr>
+        <p:spPr>
+          <a:xfrm>
+            <a:off x="0" y="2645926"/>
+            <a:ext cx="4892040" cy="3754874"/>
+          </a:xfrm>
+          <a:prstGeom prst="rect">
+            <a:avLst/>
+          </a:prstGeom>
+          <a:noFill/>
+        </p:spPr>
+        <p:txBody>
+          <a:bodyPr wrap="square" rtlCol="0">
+            <a:spAutoFit/>
+          </a:bodyPr>
+          <a:lstStyle/>
+          <a:p>
+            <a:r>
+              <a:rPr lang="fr-FR" sz="1400" dirty="0"/>
+              <a:t>Voilà (ci-contre) le modèle entités-associations de notre base de données.</a:t>
+            </a:r>
+          </a:p>
+          <a:p>
+            <a:r>
+              <a:rPr lang="fr-FR" sz="1400" dirty="0"/>
+              <a:t>La principale table est Auteur, dont héritent Etudiant, Enseignant et Professionnel. </a:t>
+            </a:r>
+          </a:p>
+          <a:p>
+            <a:r>
+              <a:rPr lang="fr-FR" sz="1400" dirty="0"/>
+              <a:t>Les auteurs peuvent être en relation (ami, professionnel, follow, autres?). Ils peuvent également notifier d’autres auteurs (en réagissant ou commentant un post, par exemple), et s’envoyer des messages.</a:t>
+            </a:r>
+          </a:p>
+          <a:p>
+            <a:r>
+              <a:rPr lang="fr-FR" sz="1400" dirty="0"/>
+              <a:t>Post regroupe tous les types de post : </a:t>
+            </a:r>
+            <a:r>
+              <a:rPr lang="fr-FR" sz="1400" dirty="0" err="1"/>
+              <a:t>Video</a:t>
+            </a:r>
+            <a:r>
+              <a:rPr lang="fr-FR" sz="1400" dirty="0"/>
+              <a:t>, Photo, Offre, Statut.</a:t>
+            </a:r>
+          </a:p>
+          <a:p>
+            <a:r>
+              <a:rPr lang="fr-FR" sz="1400" dirty="0"/>
+              <a:t>Les auteurs peuvent publier des </a:t>
+            </a:r>
+            <a:r>
+              <a:rPr lang="fr-FR" sz="1400" dirty="0" err="1"/>
+              <a:t>posts</a:t>
+            </a:r>
+            <a:r>
+              <a:rPr lang="fr-FR" sz="1400" dirty="0"/>
+              <a:t> et des évènements. Ils peuvent aussi commenter ou régir aux </a:t>
+            </a:r>
+            <a:r>
+              <a:rPr lang="fr-FR" sz="1400" dirty="0" err="1"/>
+              <a:t>posts</a:t>
+            </a:r>
+            <a:r>
+              <a:rPr lang="fr-FR" sz="1400" dirty="0"/>
+              <a:t>, et participer aux évènements.</a:t>
+            </a:r>
+          </a:p>
+          <a:p>
+            <a:r>
+              <a:rPr lang="fr-FR" sz="1400" dirty="0"/>
+              <a:t>Toutes les tables sont indexées. On retrouve également partout l’attribut « actif ». Il sert à supprimer virtuellement (désactiver) des champs dans la table. Un admin pourra ensuite décider de réactiver un champs désactivé, ou de supprimer définitivement tous les champs désactivés de la table, par exemple.</a:t>
+            </a:r>
+            <a:endParaRPr lang="en-US" sz="1400" dirty="0"/>
+          </a:p>
+        </p:txBody>
+      </p:sp>
+      <p:pic>
+        <p:nvPicPr>
+          <p:cNvPr id="8" name="Image 7">
+            <a:extLst>
+              <a:ext uri="{FF2B5EF4-FFF2-40B4-BE49-F238E27FC236}">
+                <a16:creationId xmlns:a16="http://schemas.microsoft.com/office/drawing/2014/main" id="{C9E25A60-FB34-4EDE-99EE-A75E502F2892}"/>
+              </a:ext>
+            </a:extLst>
+          </p:cNvPr>
+          <p:cNvPicPr>
+            <a:picLocks noChangeAspect="1"/>
+          </p:cNvPicPr>
+          <p:nvPr/>
+        </p:nvPicPr>
+        <p:blipFill>
+          <a:blip r:embed="rId2"/>
+          <a:stretch>
+            <a:fillRect/>
+          </a:stretch>
+        </p:blipFill>
+        <p:spPr>
+          <a:xfrm>
+            <a:off x="4733803" y="694944"/>
+            <a:ext cx="7111702" cy="6163056"/>
+          </a:xfrm>
+          <a:prstGeom prst="rect">
+            <a:avLst/>
+          </a:prstGeom>
+        </p:spPr>
+      </p:pic>
+      <p:sp>
+        <p:nvSpPr>
+          <p:cNvPr id="3" name="ZoneTexte 2">
+            <a:extLst>
+              <a:ext uri="{FF2B5EF4-FFF2-40B4-BE49-F238E27FC236}">
+                <a16:creationId xmlns:a16="http://schemas.microsoft.com/office/drawing/2014/main" id="{C113E34D-DEEC-3643-B142-ABEA71CED8C7}"/>
+              </a:ext>
+            </a:extLst>
+          </p:cNvPr>
+          <p:cNvSpPr txBox="1"/>
+          <p:nvPr/>
+        </p:nvSpPr>
+        <p:spPr>
+          <a:xfrm>
+            <a:off x="1520927" y="1788616"/>
+            <a:ext cx="1850186" cy="400110"/>
+          </a:xfrm>
+          <a:prstGeom prst="rect">
+            <a:avLst/>
+          </a:prstGeom>
+          <a:noFill/>
+        </p:spPr>
+        <p:txBody>
+          <a:bodyPr wrap="none" rtlCol="0">
+            <a:spAutoFit/>
+          </a:bodyPr>
+          <a:lstStyle/>
+          <a:p>
+            <a:r>
+              <a:rPr lang="fr-FR" sz="2000" dirty="0"/>
+              <a:t>Base de donnée</a:t>
+            </a:r>
           </a:p>
         </p:txBody>
       </p:sp>
     </p:spTree>
     <p:extLst>
       <p:ext uri="{BB962C8B-B14F-4D97-AF65-F5344CB8AC3E}">
-        <p14:creationId xmlns:p14="http://schemas.microsoft.com/office/powerpoint/2010/main" val="750750200"/>
+        <p14:creationId xmlns:p14="http://schemas.microsoft.com/office/powerpoint/2010/main" val="2202702473"/>
       </p:ext>
     </p:extLst>
   </p:cSld>
@@ -3652,7 +4449,7 @@
           <p:cNvPr id="2" name="Titre 1">
             <a:extLst>
               <a:ext uri="{FF2B5EF4-FFF2-40B4-BE49-F238E27FC236}">
-                <a16:creationId xmlns:a16="http://schemas.microsoft.com/office/drawing/2014/main" id="{3EB89D3F-42F0-0B49-B49A-921EC6B3CE1A}"/>
+                <a16:creationId xmlns:a16="http://schemas.microsoft.com/office/drawing/2014/main" id="{64C4B160-7BB8-7848-B646-FCF2830DCA64}"/>
               </a:ext>
             </a:extLst>
           </p:cNvPr>
@@ -3665,1099 +4462,59 @@
         </p:nvSpPr>
         <p:spPr>
           <a:xfrm>
-            <a:off x="838200" y="365125"/>
-            <a:ext cx="10515600" cy="835025"/>
-          </a:xfrm>
-        </p:spPr>
+            <a:off x="660400" y="-117475"/>
+            <a:ext cx="10515600" cy="1325563"/>
+          </a:xfrm>
+        </p:spPr>
+        <p:txBody>
+          <a:bodyPr>
+            <a:normAutofit/>
+          </a:bodyPr>
+          <a:lstStyle/>
+          <a:p>
+            <a:pPr algn="ctr"/>
+            <a:r>
+              <a:rPr lang="fr-FR" sz="3600" dirty="0"/>
+              <a:t>Conception du back</a:t>
+            </a:r>
+          </a:p>
+        </p:txBody>
+      </p:sp>
+      <p:sp>
+        <p:nvSpPr>
+          <p:cNvPr id="3" name="Espace réservé du contenu 2">
+            <a:extLst>
+              <a:ext uri="{FF2B5EF4-FFF2-40B4-BE49-F238E27FC236}">
+                <a16:creationId xmlns:a16="http://schemas.microsoft.com/office/drawing/2014/main" id="{B00282E5-0BB9-2346-ADBA-6B6CAF7FBA2B}"/>
+              </a:ext>
+            </a:extLst>
+          </p:cNvPr>
+          <p:cNvSpPr>
+            <a:spLocks noGrp="1"/>
+          </p:cNvSpPr>
+          <p:nvPr>
+            <p:ph idx="1"/>
+          </p:nvPr>
+        </p:nvSpPr>
+        <p:spPr/>
         <p:txBody>
           <a:bodyPr/>
           <a:lstStyle/>
           <a:p>
-            <a:pPr algn="ctr"/>
+            <a:pPr marL="0" indent="0">
+              <a:buNone/>
+            </a:pPr>
             <a:r>
               <a:rPr lang="fr-FR" dirty="0"/>
-              <a:t>Spécification fonctionnel</a:t>
-            </a:r>
-          </a:p>
-        </p:txBody>
-      </p:sp>
-      <p:sp>
-        <p:nvSpPr>
-          <p:cNvPr id="4" name="ZoneTexte 3">
-            <a:extLst>
-              <a:ext uri="{FF2B5EF4-FFF2-40B4-BE49-F238E27FC236}">
-                <a16:creationId xmlns:a16="http://schemas.microsoft.com/office/drawing/2014/main" id="{6AE53575-56DF-5744-AF85-E8C50B586BAE}"/>
-              </a:ext>
-            </a:extLst>
-          </p:cNvPr>
-          <p:cNvSpPr txBox="1"/>
-          <p:nvPr/>
-        </p:nvSpPr>
-        <p:spPr>
-          <a:xfrm>
-            <a:off x="1028699" y="1371600"/>
-            <a:ext cx="10044113" cy="523220"/>
-          </a:xfrm>
-          <a:prstGeom prst="rect">
-            <a:avLst/>
-          </a:prstGeom>
-          <a:noFill/>
-        </p:spPr>
-        <p:txBody>
-          <a:bodyPr wrap="square" rtlCol="0">
-            <a:spAutoFit/>
-          </a:bodyPr>
-          <a:lstStyle/>
-          <a:p>
-            <a:pPr marL="285750" indent="-285750">
-              <a:buFont typeface="Wingdings" pitchFamily="2" charset="2"/>
-              <a:buChar char="à"/>
-            </a:pPr>
-            <a:r>
-              <a:rPr lang="fr-FR" sz="1400" dirty="0">
-                <a:sym typeface="Wingdings" pitchFamily="2" charset="2"/>
-              </a:rPr>
-              <a:t>Concernant le design de notre site, nous avons utilisé Bootstrap qui est un Framework alliant html et CSS permettant un graphisme plus précis et des meilleurs interactions entre les différentes page de notre réseau social. </a:t>
-            </a:r>
-          </a:p>
-        </p:txBody>
-      </p:sp>
-      <p:pic>
-        <p:nvPicPr>
-          <p:cNvPr id="5" name="Image 4">
-            <a:extLst>
-              <a:ext uri="{FF2B5EF4-FFF2-40B4-BE49-F238E27FC236}">
-                <a16:creationId xmlns:a16="http://schemas.microsoft.com/office/drawing/2014/main" id="{C33D1FF0-4663-4BB2-97BE-B2B043B3E315}"/>
-              </a:ext>
-            </a:extLst>
-          </p:cNvPr>
-          <p:cNvPicPr>
-            <a:picLocks noChangeAspect="1"/>
-          </p:cNvPicPr>
-          <p:nvPr/>
-        </p:nvPicPr>
-        <p:blipFill>
-          <a:blip r:embed="rId2"/>
-          <a:stretch>
-            <a:fillRect/>
-          </a:stretch>
-        </p:blipFill>
-        <p:spPr>
-          <a:xfrm>
-            <a:off x="1028699" y="1894820"/>
-            <a:ext cx="9203602" cy="4592833"/>
-          </a:xfrm>
-          <a:prstGeom prst="rect">
-            <a:avLst/>
-          </a:prstGeom>
-        </p:spPr>
-      </p:pic>
-      <p:cxnSp>
-        <p:nvCxnSpPr>
-          <p:cNvPr id="9" name="Connecteur droit avec flèche 8">
-            <a:extLst>
-              <a:ext uri="{FF2B5EF4-FFF2-40B4-BE49-F238E27FC236}">
-                <a16:creationId xmlns:a16="http://schemas.microsoft.com/office/drawing/2014/main" id="{0C152E32-E851-4E0B-9C32-EA5FCBB815B6}"/>
-              </a:ext>
-            </a:extLst>
-          </p:cNvPr>
-          <p:cNvCxnSpPr/>
-          <p:nvPr/>
-        </p:nvCxnSpPr>
-        <p:spPr>
-          <a:xfrm flipH="1" flipV="1">
-            <a:off x="7831667" y="2066270"/>
-            <a:ext cx="2861733" cy="219730"/>
-          </a:xfrm>
-          <a:prstGeom prst="straightConnector1">
-            <a:avLst/>
-          </a:prstGeom>
-          <a:ln>
-            <a:tailEnd type="triangle"/>
-          </a:ln>
-        </p:spPr>
-        <p:style>
-          <a:lnRef idx="1">
-            <a:schemeClr val="dk1"/>
-          </a:lnRef>
-          <a:fillRef idx="0">
-            <a:schemeClr val="dk1"/>
-          </a:fillRef>
-          <a:effectRef idx="0">
-            <a:schemeClr val="dk1"/>
-          </a:effectRef>
-          <a:fontRef idx="minor">
-            <a:schemeClr val="tx1"/>
-          </a:fontRef>
-        </p:style>
-      </p:cxnSp>
-      <p:sp>
-        <p:nvSpPr>
-          <p:cNvPr id="10" name="ZoneTexte 9">
-            <a:extLst>
-              <a:ext uri="{FF2B5EF4-FFF2-40B4-BE49-F238E27FC236}">
-                <a16:creationId xmlns:a16="http://schemas.microsoft.com/office/drawing/2014/main" id="{9A02A016-0F38-491D-AA87-157D76823FD1}"/>
-              </a:ext>
-            </a:extLst>
-          </p:cNvPr>
-          <p:cNvSpPr txBox="1"/>
-          <p:nvPr/>
-        </p:nvSpPr>
-        <p:spPr>
-          <a:xfrm>
-            <a:off x="10693400" y="2192867"/>
-            <a:ext cx="1498600" cy="646331"/>
-          </a:xfrm>
-          <a:prstGeom prst="rect">
-            <a:avLst/>
-          </a:prstGeom>
-          <a:noFill/>
-        </p:spPr>
-        <p:txBody>
-          <a:bodyPr wrap="square" rtlCol="0">
-            <a:spAutoFit/>
-          </a:bodyPr>
-          <a:lstStyle/>
-          <a:p>
-            <a:r>
-              <a:rPr lang="fr-FR" sz="1200" dirty="0"/>
-              <a:t>Bar de Navigation de type </a:t>
-            </a:r>
-            <a:r>
-              <a:rPr lang="fr-FR" sz="1200" dirty="0" err="1"/>
-              <a:t>navbar</a:t>
-            </a:r>
-            <a:r>
-              <a:rPr lang="fr-FR" sz="1200" dirty="0"/>
-              <a:t> </a:t>
-            </a:r>
-            <a:r>
-              <a:rPr lang="fr-FR" sz="1200" dirty="0" err="1"/>
-              <a:t>navbar</a:t>
-            </a:r>
-            <a:r>
-              <a:rPr lang="fr-FR" sz="1200" dirty="0"/>
-              <a:t> </a:t>
-            </a:r>
-            <a:r>
-              <a:rPr lang="fr-FR" sz="1200" dirty="0" err="1"/>
-              <a:t>invers</a:t>
-            </a:r>
-            <a:r>
-              <a:rPr lang="fr-FR" sz="1200" dirty="0"/>
-              <a:t>: Bootstrap</a:t>
-            </a:r>
-            <a:endParaRPr lang="fr-FR" sz="1100" dirty="0"/>
-          </a:p>
-        </p:txBody>
-      </p:sp>
-      <p:cxnSp>
-        <p:nvCxnSpPr>
-          <p:cNvPr id="12" name="Connecteur droit avec flèche 11">
-            <a:extLst>
-              <a:ext uri="{FF2B5EF4-FFF2-40B4-BE49-F238E27FC236}">
-                <a16:creationId xmlns:a16="http://schemas.microsoft.com/office/drawing/2014/main" id="{F621F9ED-881B-4491-9472-D255536E549D}"/>
-              </a:ext>
-            </a:extLst>
-          </p:cNvPr>
-          <p:cNvCxnSpPr/>
-          <p:nvPr/>
-        </p:nvCxnSpPr>
-        <p:spPr>
-          <a:xfrm flipH="1" flipV="1">
-            <a:off x="9906000" y="2066270"/>
-            <a:ext cx="711200" cy="1371197"/>
-          </a:xfrm>
-          <a:prstGeom prst="straightConnector1">
-            <a:avLst/>
-          </a:prstGeom>
-          <a:ln>
-            <a:tailEnd type="triangle"/>
-          </a:ln>
-        </p:spPr>
-        <p:style>
-          <a:lnRef idx="1">
-            <a:schemeClr val="dk1"/>
-          </a:lnRef>
-          <a:fillRef idx="0">
-            <a:schemeClr val="dk1"/>
-          </a:fillRef>
-          <a:effectRef idx="0">
-            <a:schemeClr val="dk1"/>
-          </a:effectRef>
-          <a:fontRef idx="minor">
-            <a:schemeClr val="tx1"/>
-          </a:fontRef>
-        </p:style>
-      </p:cxnSp>
-      <p:cxnSp>
-        <p:nvCxnSpPr>
-          <p:cNvPr id="14" name="Connecteur droit avec flèche 13">
-            <a:extLst>
-              <a:ext uri="{FF2B5EF4-FFF2-40B4-BE49-F238E27FC236}">
-                <a16:creationId xmlns:a16="http://schemas.microsoft.com/office/drawing/2014/main" id="{1E548C35-F6E8-4BD2-BD55-1A1A35B499BD}"/>
-              </a:ext>
-            </a:extLst>
-          </p:cNvPr>
-          <p:cNvCxnSpPr/>
-          <p:nvPr/>
-        </p:nvCxnSpPr>
-        <p:spPr>
-          <a:xfrm flipH="1" flipV="1">
-            <a:off x="7484533" y="3056467"/>
-            <a:ext cx="3132667" cy="381000"/>
-          </a:xfrm>
-          <a:prstGeom prst="straightConnector1">
-            <a:avLst/>
-          </a:prstGeom>
-          <a:ln>
-            <a:tailEnd type="triangle"/>
-          </a:ln>
-        </p:spPr>
-        <p:style>
-          <a:lnRef idx="1">
-            <a:schemeClr val="dk1"/>
-          </a:lnRef>
-          <a:fillRef idx="0">
-            <a:schemeClr val="dk1"/>
-          </a:fillRef>
-          <a:effectRef idx="0">
-            <a:schemeClr val="dk1"/>
-          </a:effectRef>
-          <a:fontRef idx="minor">
-            <a:schemeClr val="tx1"/>
-          </a:fontRef>
-        </p:style>
-      </p:cxnSp>
-      <p:cxnSp>
-        <p:nvCxnSpPr>
-          <p:cNvPr id="16" name="Connecteur droit avec flèche 15">
-            <a:extLst>
-              <a:ext uri="{FF2B5EF4-FFF2-40B4-BE49-F238E27FC236}">
-                <a16:creationId xmlns:a16="http://schemas.microsoft.com/office/drawing/2014/main" id="{C6DCFB86-3008-4113-B077-EA25F427DF3B}"/>
-              </a:ext>
-            </a:extLst>
-          </p:cNvPr>
-          <p:cNvCxnSpPr/>
-          <p:nvPr/>
-        </p:nvCxnSpPr>
-        <p:spPr>
-          <a:xfrm flipH="1">
-            <a:off x="6392333" y="3437467"/>
-            <a:ext cx="4224867" cy="448733"/>
-          </a:xfrm>
-          <a:prstGeom prst="straightConnector1">
-            <a:avLst/>
-          </a:prstGeom>
-          <a:ln>
-            <a:tailEnd type="triangle"/>
-          </a:ln>
-        </p:spPr>
-        <p:style>
-          <a:lnRef idx="1">
-            <a:schemeClr val="dk1"/>
-          </a:lnRef>
-          <a:fillRef idx="0">
-            <a:schemeClr val="dk1"/>
-          </a:fillRef>
-          <a:effectRef idx="0">
-            <a:schemeClr val="dk1"/>
-          </a:effectRef>
-          <a:fontRef idx="minor">
-            <a:schemeClr val="tx1"/>
-          </a:fontRef>
-        </p:style>
-      </p:cxnSp>
-      <p:sp>
-        <p:nvSpPr>
-          <p:cNvPr id="17" name="Rectangle 16">
-            <a:extLst>
-              <a:ext uri="{FF2B5EF4-FFF2-40B4-BE49-F238E27FC236}">
-                <a16:creationId xmlns:a16="http://schemas.microsoft.com/office/drawing/2014/main" id="{543C976E-5AB8-41DA-A95F-3C56CE45ED2C}"/>
-              </a:ext>
-            </a:extLst>
-          </p:cNvPr>
-          <p:cNvSpPr/>
-          <p:nvPr/>
-        </p:nvSpPr>
-        <p:spPr>
-          <a:xfrm>
-            <a:off x="10693400" y="2192867"/>
-            <a:ext cx="1498600" cy="711200"/>
-          </a:xfrm>
-          <a:prstGeom prst="rect">
-            <a:avLst/>
-          </a:prstGeom>
-          <a:noFill/>
-          <a:ln>
-            <a:solidFill>
-              <a:schemeClr val="tx1"/>
-            </a:solidFill>
-          </a:ln>
-        </p:spPr>
-        <p:style>
-          <a:lnRef idx="2">
-            <a:schemeClr val="accent1">
-              <a:shade val="50000"/>
-            </a:schemeClr>
-          </a:lnRef>
-          <a:fillRef idx="1">
-            <a:schemeClr val="accent1"/>
-          </a:fillRef>
-          <a:effectRef idx="0">
-            <a:schemeClr val="accent1"/>
-          </a:effectRef>
-          <a:fontRef idx="minor">
-            <a:schemeClr val="lt1"/>
-          </a:fontRef>
-        </p:style>
-        <p:txBody>
-          <a:bodyPr rtlCol="0" anchor="ctr"/>
-          <a:lstStyle/>
-          <a:p>
-            <a:pPr algn="ctr"/>
-            <a:endParaRPr lang="fr-FR"/>
-          </a:p>
-        </p:txBody>
-      </p:sp>
-      <p:sp>
-        <p:nvSpPr>
-          <p:cNvPr id="18" name="ZoneTexte 17">
-            <a:extLst>
-              <a:ext uri="{FF2B5EF4-FFF2-40B4-BE49-F238E27FC236}">
-                <a16:creationId xmlns:a16="http://schemas.microsoft.com/office/drawing/2014/main" id="{E995265D-D31C-4152-8E8E-37CB26C3418A}"/>
-              </a:ext>
-            </a:extLst>
-          </p:cNvPr>
-          <p:cNvSpPr txBox="1"/>
-          <p:nvPr/>
-        </p:nvSpPr>
-        <p:spPr>
-          <a:xfrm>
-            <a:off x="10617200" y="3318933"/>
-            <a:ext cx="1447800" cy="1015663"/>
-          </a:xfrm>
-          <a:prstGeom prst="rect">
-            <a:avLst/>
-          </a:prstGeom>
-          <a:noFill/>
-        </p:spPr>
-        <p:txBody>
-          <a:bodyPr wrap="square" rtlCol="0">
-            <a:spAutoFit/>
-          </a:bodyPr>
-          <a:lstStyle/>
-          <a:p>
-            <a:r>
-              <a:rPr lang="fr-FR" sz="1200" dirty="0"/>
-              <a:t>Chaque bouton de utilisé provient de la librairie Bootstrap et d’un librairie pour nos icones</a:t>
-            </a:r>
-          </a:p>
-        </p:txBody>
-      </p:sp>
-      <p:sp>
-        <p:nvSpPr>
-          <p:cNvPr id="19" name="Rectangle 18">
-            <a:extLst>
-              <a:ext uri="{FF2B5EF4-FFF2-40B4-BE49-F238E27FC236}">
-                <a16:creationId xmlns:a16="http://schemas.microsoft.com/office/drawing/2014/main" id="{0453709C-7A18-49DF-8970-943F51382B10}"/>
-              </a:ext>
-            </a:extLst>
-          </p:cNvPr>
-          <p:cNvSpPr/>
-          <p:nvPr/>
-        </p:nvSpPr>
-        <p:spPr>
-          <a:xfrm>
-            <a:off x="10617200" y="3272366"/>
-            <a:ext cx="1498600" cy="1062229"/>
-          </a:xfrm>
-          <a:prstGeom prst="rect">
-            <a:avLst/>
-          </a:prstGeom>
-          <a:noFill/>
-          <a:ln>
-            <a:solidFill>
-              <a:schemeClr val="tx1"/>
-            </a:solidFill>
-          </a:ln>
-        </p:spPr>
-        <p:style>
-          <a:lnRef idx="2">
-            <a:schemeClr val="accent1">
-              <a:shade val="50000"/>
-            </a:schemeClr>
-          </a:lnRef>
-          <a:fillRef idx="1">
-            <a:schemeClr val="accent1"/>
-          </a:fillRef>
-          <a:effectRef idx="0">
-            <a:schemeClr val="accent1"/>
-          </a:effectRef>
-          <a:fontRef idx="minor">
-            <a:schemeClr val="lt1"/>
-          </a:fontRef>
-        </p:style>
-        <p:txBody>
-          <a:bodyPr rtlCol="0" anchor="ctr"/>
-          <a:lstStyle/>
-          <a:p>
-            <a:pPr algn="ctr"/>
-            <a:endParaRPr lang="fr-FR"/>
-          </a:p>
-        </p:txBody>
-      </p:sp>
-      <p:cxnSp>
-        <p:nvCxnSpPr>
-          <p:cNvPr id="21" name="Connecteur droit avec flèche 20">
-            <a:extLst>
-              <a:ext uri="{FF2B5EF4-FFF2-40B4-BE49-F238E27FC236}">
-                <a16:creationId xmlns:a16="http://schemas.microsoft.com/office/drawing/2014/main" id="{48EAF9F0-3C31-4C11-A483-173E12FB54B6}"/>
-              </a:ext>
-            </a:extLst>
-          </p:cNvPr>
-          <p:cNvCxnSpPr/>
-          <p:nvPr/>
-        </p:nvCxnSpPr>
-        <p:spPr>
-          <a:xfrm flipH="1" flipV="1">
-            <a:off x="8271933" y="2066270"/>
-            <a:ext cx="2345267" cy="1371197"/>
-          </a:xfrm>
-          <a:prstGeom prst="straightConnector1">
-            <a:avLst/>
-          </a:prstGeom>
-          <a:ln>
-            <a:tailEnd type="triangle"/>
-          </a:ln>
-        </p:spPr>
-        <p:style>
-          <a:lnRef idx="1">
-            <a:schemeClr val="dk1"/>
-          </a:lnRef>
-          <a:fillRef idx="0">
-            <a:schemeClr val="dk1"/>
-          </a:fillRef>
-          <a:effectRef idx="0">
-            <a:schemeClr val="dk1"/>
-          </a:effectRef>
-          <a:fontRef idx="minor">
-            <a:schemeClr val="tx1"/>
-          </a:fontRef>
-        </p:style>
-      </p:cxnSp>
-      <p:cxnSp>
-        <p:nvCxnSpPr>
-          <p:cNvPr id="23" name="Connecteur droit avec flèche 22">
-            <a:extLst>
-              <a:ext uri="{FF2B5EF4-FFF2-40B4-BE49-F238E27FC236}">
-                <a16:creationId xmlns:a16="http://schemas.microsoft.com/office/drawing/2014/main" id="{984D114B-F7F2-43C1-9D9A-5D56FEA71B76}"/>
-              </a:ext>
-            </a:extLst>
-          </p:cNvPr>
-          <p:cNvCxnSpPr>
-            <a:cxnSpLocks/>
-            <a:stCxn id="32" idx="3"/>
-          </p:cNvCxnSpPr>
-          <p:nvPr/>
-        </p:nvCxnSpPr>
-        <p:spPr>
-          <a:xfrm flipV="1">
-            <a:off x="872067" y="2327825"/>
-            <a:ext cx="1947333" cy="71110"/>
-          </a:xfrm>
-          <a:prstGeom prst="straightConnector1">
-            <a:avLst/>
-          </a:prstGeom>
-          <a:ln>
-            <a:tailEnd type="triangle"/>
-          </a:ln>
-        </p:spPr>
-        <p:style>
-          <a:lnRef idx="1">
-            <a:schemeClr val="dk1"/>
-          </a:lnRef>
-          <a:fillRef idx="0">
-            <a:schemeClr val="dk1"/>
-          </a:fillRef>
-          <a:effectRef idx="0">
-            <a:schemeClr val="dk1"/>
-          </a:effectRef>
-          <a:fontRef idx="minor">
-            <a:schemeClr val="tx1"/>
-          </a:fontRef>
-        </p:style>
-      </p:cxnSp>
-      <p:cxnSp>
-        <p:nvCxnSpPr>
-          <p:cNvPr id="25" name="Connecteur droit avec flèche 24">
-            <a:extLst>
-              <a:ext uri="{FF2B5EF4-FFF2-40B4-BE49-F238E27FC236}">
-                <a16:creationId xmlns:a16="http://schemas.microsoft.com/office/drawing/2014/main" id="{46AB8439-7483-49C6-A6D9-CF4B9DB278CB}"/>
-              </a:ext>
-            </a:extLst>
-          </p:cNvPr>
-          <p:cNvCxnSpPr>
-            <a:cxnSpLocks/>
-            <a:stCxn id="32" idx="3"/>
-          </p:cNvCxnSpPr>
-          <p:nvPr/>
-        </p:nvCxnSpPr>
-        <p:spPr>
-          <a:xfrm>
-            <a:off x="872067" y="2398935"/>
-            <a:ext cx="2954866" cy="1140132"/>
-          </a:xfrm>
-          <a:prstGeom prst="straightConnector1">
-            <a:avLst/>
-          </a:prstGeom>
-          <a:ln w="3175">
-            <a:tailEnd type="triangle"/>
-          </a:ln>
-        </p:spPr>
-        <p:style>
-          <a:lnRef idx="1">
-            <a:schemeClr val="dk1"/>
-          </a:lnRef>
-          <a:fillRef idx="0">
-            <a:schemeClr val="dk1"/>
-          </a:fillRef>
-          <a:effectRef idx="0">
-            <a:schemeClr val="dk1"/>
-          </a:effectRef>
-          <a:fontRef idx="minor">
-            <a:schemeClr val="tx1"/>
-          </a:fontRef>
-        </p:style>
-      </p:cxnSp>
-      <p:cxnSp>
-        <p:nvCxnSpPr>
-          <p:cNvPr id="27" name="Connecteur droit avec flèche 26">
-            <a:extLst>
-              <a:ext uri="{FF2B5EF4-FFF2-40B4-BE49-F238E27FC236}">
-                <a16:creationId xmlns:a16="http://schemas.microsoft.com/office/drawing/2014/main" id="{7759DA45-07A3-4BBA-9B14-0CB712A11732}"/>
-              </a:ext>
-            </a:extLst>
-          </p:cNvPr>
-          <p:cNvCxnSpPr>
-            <a:cxnSpLocks/>
-            <a:stCxn id="32" idx="3"/>
-          </p:cNvCxnSpPr>
-          <p:nvPr/>
-        </p:nvCxnSpPr>
-        <p:spPr>
-          <a:xfrm>
-            <a:off x="872067" y="2398935"/>
-            <a:ext cx="6265334" cy="115666"/>
-          </a:xfrm>
-          <a:prstGeom prst="straightConnector1">
-            <a:avLst/>
-          </a:prstGeom>
-          <a:ln>
-            <a:tailEnd type="triangle"/>
-          </a:ln>
-        </p:spPr>
-        <p:style>
-          <a:lnRef idx="1">
-            <a:schemeClr val="dk1"/>
-          </a:lnRef>
-          <a:fillRef idx="0">
-            <a:schemeClr val="dk1"/>
-          </a:fillRef>
-          <a:effectRef idx="0">
-            <a:schemeClr val="dk1"/>
-          </a:effectRef>
-          <a:fontRef idx="minor">
-            <a:schemeClr val="tx1"/>
-          </a:fontRef>
-        </p:style>
-      </p:cxnSp>
-      <p:sp>
-        <p:nvSpPr>
-          <p:cNvPr id="28" name="Rectangle 27">
-            <a:extLst>
-              <a:ext uri="{FF2B5EF4-FFF2-40B4-BE49-F238E27FC236}">
-                <a16:creationId xmlns:a16="http://schemas.microsoft.com/office/drawing/2014/main" id="{AD262562-71A1-406B-B3F7-CAB52DB52E33}"/>
-              </a:ext>
-            </a:extLst>
-          </p:cNvPr>
-          <p:cNvSpPr/>
-          <p:nvPr/>
-        </p:nvSpPr>
-        <p:spPr>
-          <a:xfrm>
-            <a:off x="2810933" y="2275820"/>
-            <a:ext cx="965200" cy="3413780"/>
-          </a:xfrm>
-          <a:prstGeom prst="rect">
-            <a:avLst/>
-          </a:prstGeom>
-          <a:noFill/>
-          <a:ln w="9525">
-            <a:solidFill>
-              <a:schemeClr val="tx1"/>
-            </a:solidFill>
-          </a:ln>
-        </p:spPr>
-        <p:style>
-          <a:lnRef idx="2">
-            <a:schemeClr val="accent1">
-              <a:shade val="50000"/>
-            </a:schemeClr>
-          </a:lnRef>
-          <a:fillRef idx="1">
-            <a:schemeClr val="accent1"/>
-          </a:fillRef>
-          <a:effectRef idx="0">
-            <a:schemeClr val="accent1"/>
-          </a:effectRef>
-          <a:fontRef idx="minor">
-            <a:schemeClr val="lt1"/>
-          </a:fontRef>
-        </p:style>
-        <p:txBody>
-          <a:bodyPr rtlCol="0" anchor="ctr"/>
-          <a:lstStyle/>
-          <a:p>
-            <a:pPr algn="ctr"/>
-            <a:endParaRPr lang="fr-FR"/>
-          </a:p>
-        </p:txBody>
-      </p:sp>
-      <p:sp>
-        <p:nvSpPr>
-          <p:cNvPr id="30" name="Rectangle 29">
-            <a:extLst>
-              <a:ext uri="{FF2B5EF4-FFF2-40B4-BE49-F238E27FC236}">
-                <a16:creationId xmlns:a16="http://schemas.microsoft.com/office/drawing/2014/main" id="{719DCACA-4A20-46AD-BDD7-A1D98277734D}"/>
-              </a:ext>
-            </a:extLst>
-          </p:cNvPr>
-          <p:cNvSpPr/>
-          <p:nvPr/>
-        </p:nvSpPr>
-        <p:spPr>
-          <a:xfrm>
-            <a:off x="3826933" y="2192867"/>
-            <a:ext cx="3234267" cy="3496733"/>
-          </a:xfrm>
-          <a:prstGeom prst="rect">
-            <a:avLst/>
-          </a:prstGeom>
-          <a:noFill/>
-          <a:ln w="9525">
-            <a:solidFill>
-              <a:schemeClr val="tx1"/>
-            </a:solidFill>
-          </a:ln>
-        </p:spPr>
-        <p:style>
-          <a:lnRef idx="2">
-            <a:schemeClr val="accent1">
-              <a:shade val="50000"/>
-            </a:schemeClr>
-          </a:lnRef>
-          <a:fillRef idx="1">
-            <a:schemeClr val="accent1"/>
-          </a:fillRef>
-          <a:effectRef idx="0">
-            <a:schemeClr val="accent1"/>
-          </a:effectRef>
-          <a:fontRef idx="minor">
-            <a:schemeClr val="lt1"/>
-          </a:fontRef>
-        </p:style>
-        <p:txBody>
-          <a:bodyPr rtlCol="0" anchor="ctr"/>
-          <a:lstStyle/>
-          <a:p>
-            <a:pPr algn="ctr"/>
-            <a:endParaRPr lang="fr-FR"/>
-          </a:p>
-        </p:txBody>
-      </p:sp>
-      <p:sp>
-        <p:nvSpPr>
-          <p:cNvPr id="31" name="Rectangle 30">
-            <a:extLst>
-              <a:ext uri="{FF2B5EF4-FFF2-40B4-BE49-F238E27FC236}">
-                <a16:creationId xmlns:a16="http://schemas.microsoft.com/office/drawing/2014/main" id="{6D67C057-AC7D-461B-9032-8616BDC67645}"/>
-              </a:ext>
-            </a:extLst>
-          </p:cNvPr>
-          <p:cNvSpPr/>
-          <p:nvPr/>
-        </p:nvSpPr>
-        <p:spPr>
-          <a:xfrm>
-            <a:off x="7137401" y="2192867"/>
-            <a:ext cx="1371600" cy="3496733"/>
-          </a:xfrm>
-          <a:prstGeom prst="rect">
-            <a:avLst/>
-          </a:prstGeom>
-          <a:noFill/>
-          <a:ln w="6350"/>
-        </p:spPr>
-        <p:style>
-          <a:lnRef idx="2">
-            <a:schemeClr val="accent1">
-              <a:shade val="50000"/>
-            </a:schemeClr>
-          </a:lnRef>
-          <a:fillRef idx="1">
-            <a:schemeClr val="accent1"/>
-          </a:fillRef>
-          <a:effectRef idx="0">
-            <a:schemeClr val="accent1"/>
-          </a:effectRef>
-          <a:fontRef idx="minor">
-            <a:schemeClr val="lt1"/>
-          </a:fontRef>
-        </p:style>
-        <p:txBody>
-          <a:bodyPr rtlCol="0" anchor="ctr"/>
-          <a:lstStyle/>
-          <a:p>
-            <a:pPr algn="ctr"/>
-            <a:endParaRPr lang="fr-FR"/>
-          </a:p>
-        </p:txBody>
-      </p:sp>
-      <p:sp>
-        <p:nvSpPr>
-          <p:cNvPr id="32" name="ZoneTexte 31">
-            <a:extLst>
-              <a:ext uri="{FF2B5EF4-FFF2-40B4-BE49-F238E27FC236}">
-                <a16:creationId xmlns:a16="http://schemas.microsoft.com/office/drawing/2014/main" id="{F18E9186-F4C4-4153-B985-9F997496B44F}"/>
-              </a:ext>
-            </a:extLst>
-          </p:cNvPr>
-          <p:cNvSpPr txBox="1"/>
-          <p:nvPr/>
-        </p:nvSpPr>
-        <p:spPr>
-          <a:xfrm>
-            <a:off x="33867" y="1706437"/>
-            <a:ext cx="838200" cy="1384995"/>
-          </a:xfrm>
-          <a:prstGeom prst="rect">
-            <a:avLst/>
-          </a:prstGeom>
-          <a:noFill/>
-        </p:spPr>
-        <p:txBody>
-          <a:bodyPr wrap="square" rtlCol="0">
-            <a:spAutoFit/>
-          </a:bodyPr>
-          <a:lstStyle/>
-          <a:p>
-            <a:r>
-              <a:rPr lang="fr-FR" sz="1200" dirty="0"/>
-              <a:t>Chaque page est structurée à l’aide des </a:t>
-            </a:r>
-            <a:r>
-              <a:rPr lang="fr-FR" sz="1200" dirty="0" err="1"/>
-              <a:t>row</a:t>
-            </a:r>
-            <a:r>
-              <a:rPr lang="fr-FR" sz="1200" dirty="0"/>
-              <a:t> et col de Bootstrap</a:t>
-            </a:r>
-          </a:p>
-        </p:txBody>
-      </p:sp>
-      <p:sp>
-        <p:nvSpPr>
-          <p:cNvPr id="38" name="Rectangle 37">
-            <a:extLst>
-              <a:ext uri="{FF2B5EF4-FFF2-40B4-BE49-F238E27FC236}">
-                <a16:creationId xmlns:a16="http://schemas.microsoft.com/office/drawing/2014/main" id="{27635124-0745-4AEB-B67B-685A2E7C1480}"/>
-              </a:ext>
-            </a:extLst>
-          </p:cNvPr>
-          <p:cNvSpPr/>
-          <p:nvPr/>
-        </p:nvSpPr>
-        <p:spPr>
-          <a:xfrm>
-            <a:off x="33867" y="1706437"/>
-            <a:ext cx="838200" cy="1451630"/>
-          </a:xfrm>
-          <a:prstGeom prst="rect">
-            <a:avLst/>
-          </a:prstGeom>
-          <a:noFill/>
-          <a:ln w="6350">
-            <a:solidFill>
-              <a:schemeClr val="tx1"/>
-            </a:solidFill>
-          </a:ln>
-        </p:spPr>
-        <p:style>
-          <a:lnRef idx="2">
-            <a:schemeClr val="accent1">
-              <a:shade val="50000"/>
-            </a:schemeClr>
-          </a:lnRef>
-          <a:fillRef idx="1">
-            <a:schemeClr val="accent1"/>
-          </a:fillRef>
-          <a:effectRef idx="0">
-            <a:schemeClr val="accent1"/>
-          </a:effectRef>
-          <a:fontRef idx="minor">
-            <a:schemeClr val="lt1"/>
-          </a:fontRef>
-        </p:style>
-        <p:txBody>
-          <a:bodyPr rtlCol="0" anchor="ctr"/>
-          <a:lstStyle/>
-          <a:p>
-            <a:pPr algn="ctr"/>
-            <a:endParaRPr lang="fr-FR"/>
-          </a:p>
-        </p:txBody>
-      </p:sp>
-      <p:sp>
-        <p:nvSpPr>
-          <p:cNvPr id="40" name="ZoneTexte 39">
-            <a:extLst>
-              <a:ext uri="{FF2B5EF4-FFF2-40B4-BE49-F238E27FC236}">
-                <a16:creationId xmlns:a16="http://schemas.microsoft.com/office/drawing/2014/main" id="{CBEF143A-21A5-46BE-9D12-350F9277B16C}"/>
-              </a:ext>
-            </a:extLst>
-          </p:cNvPr>
-          <p:cNvSpPr txBox="1"/>
-          <p:nvPr/>
-        </p:nvSpPr>
-        <p:spPr>
-          <a:xfrm>
-            <a:off x="33867" y="3437467"/>
-            <a:ext cx="944032" cy="2308324"/>
-          </a:xfrm>
-          <a:prstGeom prst="rect">
-            <a:avLst/>
-          </a:prstGeom>
-          <a:noFill/>
-        </p:spPr>
-        <p:txBody>
-          <a:bodyPr wrap="square" rtlCol="0">
-            <a:spAutoFit/>
-          </a:bodyPr>
-          <a:lstStyle/>
-          <a:p>
-            <a:r>
-              <a:rPr lang="fr-FR" sz="1200" dirty="0"/>
-              <a:t>Pour afficher des éléments nous utilisons des panel ou des </a:t>
-            </a:r>
-            <a:r>
-              <a:rPr lang="fr-FR" sz="1200" dirty="0" err="1"/>
-              <a:t>cards</a:t>
-            </a:r>
-            <a:r>
-              <a:rPr lang="fr-FR" sz="1200" dirty="0"/>
-              <a:t> pour les images</a:t>
-            </a:r>
-          </a:p>
-          <a:p>
-            <a:r>
-              <a:rPr lang="fr-FR" sz="1200" dirty="0"/>
-              <a:t>Librairie </a:t>
-            </a:r>
-            <a:r>
-              <a:rPr lang="fr-FR" sz="1200" dirty="0" err="1"/>
-              <a:t>bootstrap</a:t>
-            </a:r>
-            <a:r>
-              <a:rPr lang="fr-FR" sz="1200" dirty="0"/>
-              <a:t> </a:t>
-            </a:r>
-          </a:p>
-          <a:p>
-            <a:endParaRPr lang="fr-FR" sz="1200" dirty="0"/>
-          </a:p>
-        </p:txBody>
-      </p:sp>
-      <p:sp>
-        <p:nvSpPr>
-          <p:cNvPr id="41" name="Rectangle 40">
-            <a:extLst>
-              <a:ext uri="{FF2B5EF4-FFF2-40B4-BE49-F238E27FC236}">
-                <a16:creationId xmlns:a16="http://schemas.microsoft.com/office/drawing/2014/main" id="{085AE112-DABC-4FBE-AACF-49FCF1B096C7}"/>
-              </a:ext>
-            </a:extLst>
-          </p:cNvPr>
-          <p:cNvSpPr/>
-          <p:nvPr/>
-        </p:nvSpPr>
-        <p:spPr>
-          <a:xfrm>
-            <a:off x="33867" y="3437467"/>
-            <a:ext cx="944032" cy="2252133"/>
-          </a:xfrm>
-          <a:prstGeom prst="rect">
-            <a:avLst/>
-          </a:prstGeom>
-          <a:noFill/>
-          <a:ln w="6350">
-            <a:solidFill>
-              <a:schemeClr val="tx1"/>
-            </a:solidFill>
-          </a:ln>
-        </p:spPr>
-        <p:style>
-          <a:lnRef idx="2">
-            <a:schemeClr val="accent1">
-              <a:shade val="50000"/>
-            </a:schemeClr>
-          </a:lnRef>
-          <a:fillRef idx="1">
-            <a:schemeClr val="accent1"/>
-          </a:fillRef>
-          <a:effectRef idx="0">
-            <a:schemeClr val="accent1"/>
-          </a:effectRef>
-          <a:fontRef idx="minor">
-            <a:schemeClr val="lt1"/>
-          </a:fontRef>
-        </p:style>
-        <p:txBody>
-          <a:bodyPr rtlCol="0" anchor="ctr"/>
-          <a:lstStyle/>
-          <a:p>
-            <a:pPr algn="ctr"/>
-            <a:endParaRPr lang="fr-FR"/>
-          </a:p>
-        </p:txBody>
-      </p:sp>
-      <p:cxnSp>
-        <p:nvCxnSpPr>
-          <p:cNvPr id="43" name="Connecteur droit avec flèche 42">
-            <a:extLst>
-              <a:ext uri="{FF2B5EF4-FFF2-40B4-BE49-F238E27FC236}">
-                <a16:creationId xmlns:a16="http://schemas.microsoft.com/office/drawing/2014/main" id="{9967AD9D-4C37-42B0-87A5-698197BD73CD}"/>
-              </a:ext>
-            </a:extLst>
-          </p:cNvPr>
-          <p:cNvCxnSpPr>
-            <a:stCxn id="41" idx="3"/>
-          </p:cNvCxnSpPr>
-          <p:nvPr/>
-        </p:nvCxnSpPr>
-        <p:spPr>
-          <a:xfrm>
-            <a:off x="977899" y="4563534"/>
-            <a:ext cx="2976034" cy="42333"/>
-          </a:xfrm>
-          <a:prstGeom prst="straightConnector1">
-            <a:avLst/>
-          </a:prstGeom>
-          <a:ln>
-            <a:tailEnd type="triangle"/>
-          </a:ln>
-        </p:spPr>
-        <p:style>
-          <a:lnRef idx="1">
-            <a:schemeClr val="dk1"/>
-          </a:lnRef>
-          <a:fillRef idx="0">
-            <a:schemeClr val="dk1"/>
-          </a:fillRef>
-          <a:effectRef idx="0">
-            <a:schemeClr val="dk1"/>
-          </a:effectRef>
-          <a:fontRef idx="minor">
-            <a:schemeClr val="tx1"/>
-          </a:fontRef>
-        </p:style>
-      </p:cxnSp>
-      <p:cxnSp>
-        <p:nvCxnSpPr>
-          <p:cNvPr id="45" name="Connecteur droit avec flèche 44">
-            <a:extLst>
-              <a:ext uri="{FF2B5EF4-FFF2-40B4-BE49-F238E27FC236}">
-                <a16:creationId xmlns:a16="http://schemas.microsoft.com/office/drawing/2014/main" id="{CB5D3B1E-7E86-4374-B8AF-D5ADC2C65A22}"/>
-              </a:ext>
-            </a:extLst>
-          </p:cNvPr>
-          <p:cNvCxnSpPr>
-            <a:stCxn id="41" idx="3"/>
-          </p:cNvCxnSpPr>
-          <p:nvPr/>
-        </p:nvCxnSpPr>
-        <p:spPr>
-          <a:xfrm flipV="1">
-            <a:off x="977899" y="3056467"/>
-            <a:ext cx="6239933" cy="1507067"/>
-          </a:xfrm>
-          <a:prstGeom prst="straightConnector1">
-            <a:avLst/>
-          </a:prstGeom>
-          <a:ln>
-            <a:tailEnd type="triangle"/>
-          </a:ln>
-        </p:spPr>
-        <p:style>
-          <a:lnRef idx="1">
-            <a:schemeClr val="dk1"/>
-          </a:lnRef>
-          <a:fillRef idx="0">
-            <a:schemeClr val="dk1"/>
-          </a:fillRef>
-          <a:effectRef idx="0">
-            <a:schemeClr val="dk1"/>
-          </a:effectRef>
-          <a:fontRef idx="minor">
-            <a:schemeClr val="tx1"/>
-          </a:fontRef>
-        </p:style>
-      </p:cxnSp>
-      <p:cxnSp>
-        <p:nvCxnSpPr>
-          <p:cNvPr id="47" name="Connecteur droit avec flèche 46">
-            <a:extLst>
-              <a:ext uri="{FF2B5EF4-FFF2-40B4-BE49-F238E27FC236}">
-                <a16:creationId xmlns:a16="http://schemas.microsoft.com/office/drawing/2014/main" id="{9B7B99DA-5F33-4A7D-B7C6-F568558FD8CC}"/>
-              </a:ext>
-            </a:extLst>
-          </p:cNvPr>
-          <p:cNvCxnSpPr>
-            <a:stCxn id="41" idx="3"/>
-          </p:cNvCxnSpPr>
-          <p:nvPr/>
-        </p:nvCxnSpPr>
-        <p:spPr>
-          <a:xfrm flipV="1">
-            <a:off x="977899" y="4428067"/>
-            <a:ext cx="6430434" cy="135467"/>
-          </a:xfrm>
-          <a:prstGeom prst="straightConnector1">
-            <a:avLst/>
-          </a:prstGeom>
-          <a:ln>
-            <a:tailEnd type="triangle"/>
-          </a:ln>
-        </p:spPr>
-        <p:style>
-          <a:lnRef idx="1">
-            <a:schemeClr val="dk1"/>
-          </a:lnRef>
-          <a:fillRef idx="0">
-            <a:schemeClr val="dk1"/>
-          </a:fillRef>
-          <a:effectRef idx="0">
-            <a:schemeClr val="dk1"/>
-          </a:effectRef>
-          <a:fontRef idx="minor">
-            <a:schemeClr val="tx1"/>
-          </a:fontRef>
-        </p:style>
-      </p:cxnSp>
+              <a:t>Pour maxime</a:t>
+            </a:r>
+          </a:p>
+        </p:txBody>
+      </p:sp>
     </p:spTree>
     <p:extLst>
       <p:ext uri="{BB962C8B-B14F-4D97-AF65-F5344CB8AC3E}">
-        <p14:creationId xmlns:p14="http://schemas.microsoft.com/office/powerpoint/2010/main" val="3773103962"/>
+        <p14:creationId xmlns:p14="http://schemas.microsoft.com/office/powerpoint/2010/main" val="2589214654"/>
       </p:ext>
     </p:extLst>
   </p:cSld>
@@ -4784,60 +4541,997 @@
           <a:chExt cx="0" cy="0"/>
         </a:xfrm>
       </p:grpSpPr>
-      <p:sp>
-        <p:nvSpPr>
-          <p:cNvPr id="2" name="Titre 1">
-            <a:extLst>
-              <a:ext uri="{FF2B5EF4-FFF2-40B4-BE49-F238E27FC236}">
-                <a16:creationId xmlns:a16="http://schemas.microsoft.com/office/drawing/2014/main" id="{149B3428-8F02-E64F-81BB-6AAEE4B097EA}"/>
-              </a:ext>
-            </a:extLst>
-          </p:cNvPr>
-          <p:cNvSpPr>
-            <a:spLocks noGrp="1"/>
-          </p:cNvSpPr>
-          <p:nvPr>
-            <p:ph type="title"/>
-          </p:nvPr>
-        </p:nvSpPr>
-        <p:spPr/>
-        <p:txBody>
-          <a:bodyPr/>
-          <a:lstStyle/>
-          <a:p>
-            <a:endParaRPr lang="fr-FR"/>
-          </a:p>
-        </p:txBody>
-      </p:sp>
-      <p:sp>
-        <p:nvSpPr>
-          <p:cNvPr id="3" name="Espace réservé du contenu 2">
-            <a:extLst>
-              <a:ext uri="{FF2B5EF4-FFF2-40B4-BE49-F238E27FC236}">
-                <a16:creationId xmlns:a16="http://schemas.microsoft.com/office/drawing/2014/main" id="{1C7C197B-1128-434D-964B-7E62E5F0F971}"/>
-              </a:ext>
-            </a:extLst>
-          </p:cNvPr>
-          <p:cNvSpPr>
-            <a:spLocks noGrp="1"/>
-          </p:cNvSpPr>
-          <p:nvPr>
-            <p:ph idx="1"/>
-          </p:nvPr>
-        </p:nvSpPr>
-        <p:spPr/>
-        <p:txBody>
-          <a:bodyPr/>
-          <a:lstStyle/>
-          <a:p>
-            <a:endParaRPr lang="fr-FR"/>
+      <p:pic>
+        <p:nvPicPr>
+          <p:cNvPr id="8" name="Image 7">
+            <a:extLst>
+              <a:ext uri="{FF2B5EF4-FFF2-40B4-BE49-F238E27FC236}">
+                <a16:creationId xmlns:a16="http://schemas.microsoft.com/office/drawing/2014/main" id="{8C64FE1F-61AA-754F-9FD9-373FA4DE7ED5}"/>
+              </a:ext>
+            </a:extLst>
+          </p:cNvPr>
+          <p:cNvPicPr>
+            <a:picLocks noChangeAspect="1"/>
+          </p:cNvPicPr>
+          <p:nvPr/>
+        </p:nvPicPr>
+        <p:blipFill rotWithShape="1">
+          <a:blip r:embed="rId2"/>
+          <a:srcRect b="91735"/>
+          <a:stretch/>
+        </p:blipFill>
+        <p:spPr>
+          <a:xfrm>
+            <a:off x="633412" y="787400"/>
+            <a:ext cx="11344275" cy="698329"/>
+          </a:xfrm>
+          <a:prstGeom prst="rect">
+            <a:avLst/>
+          </a:prstGeom>
+        </p:spPr>
+      </p:pic>
+      <p:cxnSp>
+        <p:nvCxnSpPr>
+          <p:cNvPr id="17" name="Connecteur droit avec flèche 16">
+            <a:extLst>
+              <a:ext uri="{FF2B5EF4-FFF2-40B4-BE49-F238E27FC236}">
+                <a16:creationId xmlns:a16="http://schemas.microsoft.com/office/drawing/2014/main" id="{EE4E8C63-151A-DC4A-B367-AB705DB918FC}"/>
+              </a:ext>
+            </a:extLst>
+          </p:cNvPr>
+          <p:cNvCxnSpPr>
+            <a:cxnSpLocks/>
+          </p:cNvCxnSpPr>
+          <p:nvPr/>
+        </p:nvCxnSpPr>
+        <p:spPr>
+          <a:xfrm flipH="1">
+            <a:off x="933450" y="1485729"/>
+            <a:ext cx="414339" cy="501821"/>
+          </a:xfrm>
+          <a:prstGeom prst="straightConnector1">
+            <a:avLst/>
+          </a:prstGeom>
+          <a:ln>
+            <a:tailEnd type="triangle"/>
+          </a:ln>
+        </p:spPr>
+        <p:style>
+          <a:lnRef idx="1">
+            <a:schemeClr val="dk1"/>
+          </a:lnRef>
+          <a:fillRef idx="0">
+            <a:schemeClr val="dk1"/>
+          </a:fillRef>
+          <a:effectRef idx="0">
+            <a:schemeClr val="dk1"/>
+          </a:effectRef>
+          <a:fontRef idx="minor">
+            <a:schemeClr val="tx1"/>
+          </a:fontRef>
+        </p:style>
+      </p:cxnSp>
+      <p:pic>
+        <p:nvPicPr>
+          <p:cNvPr id="49" name="Image 48">
+            <a:extLst>
+              <a:ext uri="{FF2B5EF4-FFF2-40B4-BE49-F238E27FC236}">
+                <a16:creationId xmlns:a16="http://schemas.microsoft.com/office/drawing/2014/main" id="{518A89F8-1632-EA40-A01F-B58BE9EDFB6A}"/>
+              </a:ext>
+            </a:extLst>
+          </p:cNvPr>
+          <p:cNvPicPr>
+            <a:picLocks noChangeAspect="1"/>
+          </p:cNvPicPr>
+          <p:nvPr/>
+        </p:nvPicPr>
+        <p:blipFill>
+          <a:blip r:embed="rId3"/>
+          <a:stretch>
+            <a:fillRect/>
+          </a:stretch>
+        </p:blipFill>
+        <p:spPr>
+          <a:xfrm>
+            <a:off x="190500" y="1987550"/>
+            <a:ext cx="2100263" cy="1507210"/>
+          </a:xfrm>
+          <a:prstGeom prst="rect">
+            <a:avLst/>
+          </a:prstGeom>
+        </p:spPr>
+      </p:pic>
+      <p:cxnSp>
+        <p:nvCxnSpPr>
+          <p:cNvPr id="55" name="Connecteur droit avec flèche 54">
+            <a:extLst>
+              <a:ext uri="{FF2B5EF4-FFF2-40B4-BE49-F238E27FC236}">
+                <a16:creationId xmlns:a16="http://schemas.microsoft.com/office/drawing/2014/main" id="{74E526FD-7482-C746-B0D4-89AFA9204567}"/>
+              </a:ext>
+            </a:extLst>
+          </p:cNvPr>
+          <p:cNvCxnSpPr/>
+          <p:nvPr/>
+        </p:nvCxnSpPr>
+        <p:spPr>
+          <a:xfrm flipH="1">
+            <a:off x="1762125" y="1344613"/>
+            <a:ext cx="1571625" cy="642937"/>
+          </a:xfrm>
+          <a:prstGeom prst="straightConnector1">
+            <a:avLst/>
+          </a:prstGeom>
+          <a:ln>
+            <a:tailEnd type="triangle"/>
+          </a:ln>
+        </p:spPr>
+        <p:style>
+          <a:lnRef idx="1">
+            <a:schemeClr val="dk1"/>
+          </a:lnRef>
+          <a:fillRef idx="0">
+            <a:schemeClr val="dk1"/>
+          </a:fillRef>
+          <a:effectRef idx="0">
+            <a:schemeClr val="dk1"/>
+          </a:effectRef>
+          <a:fontRef idx="minor">
+            <a:schemeClr val="tx1"/>
+          </a:fontRef>
+        </p:style>
+      </p:cxnSp>
+      <p:cxnSp>
+        <p:nvCxnSpPr>
+          <p:cNvPr id="57" name="Connecteur droit avec flèche 56">
+            <a:extLst>
+              <a:ext uri="{FF2B5EF4-FFF2-40B4-BE49-F238E27FC236}">
+                <a16:creationId xmlns:a16="http://schemas.microsoft.com/office/drawing/2014/main" id="{E6CC5D52-7DD4-8148-894E-4DE99CDA02B9}"/>
+              </a:ext>
+            </a:extLst>
+          </p:cNvPr>
+          <p:cNvCxnSpPr>
+            <a:cxnSpLocks/>
+          </p:cNvCxnSpPr>
+          <p:nvPr/>
+        </p:nvCxnSpPr>
+        <p:spPr>
+          <a:xfrm flipH="1">
+            <a:off x="3576638" y="1344613"/>
+            <a:ext cx="1428752" cy="642937"/>
+          </a:xfrm>
+          <a:prstGeom prst="straightConnector1">
+            <a:avLst/>
+          </a:prstGeom>
+          <a:ln>
+            <a:tailEnd type="triangle"/>
+          </a:ln>
+        </p:spPr>
+        <p:style>
+          <a:lnRef idx="1">
+            <a:schemeClr val="dk1"/>
+          </a:lnRef>
+          <a:fillRef idx="0">
+            <a:schemeClr val="dk1"/>
+          </a:fillRef>
+          <a:effectRef idx="0">
+            <a:schemeClr val="dk1"/>
+          </a:effectRef>
+          <a:fontRef idx="minor">
+            <a:schemeClr val="tx1"/>
+          </a:fontRef>
+        </p:style>
+      </p:cxnSp>
+      <p:cxnSp>
+        <p:nvCxnSpPr>
+          <p:cNvPr id="61" name="Connecteur droit avec flèche 60">
+            <a:extLst>
+              <a:ext uri="{FF2B5EF4-FFF2-40B4-BE49-F238E27FC236}">
+                <a16:creationId xmlns:a16="http://schemas.microsoft.com/office/drawing/2014/main" id="{6880C5CE-C97E-974F-B998-BF14A2BEB601}"/>
+              </a:ext>
+            </a:extLst>
+          </p:cNvPr>
+          <p:cNvCxnSpPr/>
+          <p:nvPr/>
+        </p:nvCxnSpPr>
+        <p:spPr>
+          <a:xfrm flipH="1">
+            <a:off x="6691313" y="1344613"/>
+            <a:ext cx="276541" cy="642937"/>
+          </a:xfrm>
+          <a:prstGeom prst="straightConnector1">
+            <a:avLst/>
+          </a:prstGeom>
+          <a:ln>
+            <a:tailEnd type="triangle"/>
+          </a:ln>
+        </p:spPr>
+        <p:style>
+          <a:lnRef idx="1">
+            <a:schemeClr val="dk1"/>
+          </a:lnRef>
+          <a:fillRef idx="0">
+            <a:schemeClr val="dk1"/>
+          </a:fillRef>
+          <a:effectRef idx="0">
+            <a:schemeClr val="dk1"/>
+          </a:effectRef>
+          <a:fontRef idx="minor">
+            <a:schemeClr val="tx1"/>
+          </a:fontRef>
+        </p:style>
+      </p:cxnSp>
+      <p:pic>
+        <p:nvPicPr>
+          <p:cNvPr id="63" name="Image 62">
+            <a:extLst>
+              <a:ext uri="{FF2B5EF4-FFF2-40B4-BE49-F238E27FC236}">
+                <a16:creationId xmlns:a16="http://schemas.microsoft.com/office/drawing/2014/main" id="{8D6FEF12-9C72-EA4D-9DB6-6A0C1B55C494}"/>
+              </a:ext>
+            </a:extLst>
+          </p:cNvPr>
+          <p:cNvPicPr>
+            <a:picLocks noChangeAspect="1"/>
+          </p:cNvPicPr>
+          <p:nvPr/>
+        </p:nvPicPr>
+        <p:blipFill>
+          <a:blip r:embed="rId4"/>
+          <a:stretch>
+            <a:fillRect/>
+          </a:stretch>
+        </p:blipFill>
+        <p:spPr>
+          <a:xfrm>
+            <a:off x="2491462" y="1987549"/>
+            <a:ext cx="2339196" cy="1507211"/>
+          </a:xfrm>
+          <a:prstGeom prst="rect">
+            <a:avLst/>
+          </a:prstGeom>
+        </p:spPr>
+      </p:pic>
+      <p:pic>
+        <p:nvPicPr>
+          <p:cNvPr id="67" name="Image 66">
+            <a:extLst>
+              <a:ext uri="{FF2B5EF4-FFF2-40B4-BE49-F238E27FC236}">
+                <a16:creationId xmlns:a16="http://schemas.microsoft.com/office/drawing/2014/main" id="{C07C9EB8-1AE8-D447-9DEC-E636B310E796}"/>
+              </a:ext>
+            </a:extLst>
+          </p:cNvPr>
+          <p:cNvPicPr>
+            <a:picLocks noChangeAspect="1"/>
+          </p:cNvPicPr>
+          <p:nvPr/>
+        </p:nvPicPr>
+        <p:blipFill>
+          <a:blip r:embed="rId5"/>
+          <a:stretch>
+            <a:fillRect/>
+          </a:stretch>
+        </p:blipFill>
+        <p:spPr>
+          <a:xfrm>
+            <a:off x="7373883" y="1987550"/>
+            <a:ext cx="2074917" cy="1493680"/>
+          </a:xfrm>
+          <a:prstGeom prst="rect">
+            <a:avLst/>
+          </a:prstGeom>
+        </p:spPr>
+      </p:pic>
+      <p:cxnSp>
+        <p:nvCxnSpPr>
+          <p:cNvPr id="69" name="Connecteur droit avec flèche 68">
+            <a:extLst>
+              <a:ext uri="{FF2B5EF4-FFF2-40B4-BE49-F238E27FC236}">
+                <a16:creationId xmlns:a16="http://schemas.microsoft.com/office/drawing/2014/main" id="{C697A4D0-2473-964A-94FD-330E6CBC83E9}"/>
+              </a:ext>
+            </a:extLst>
+          </p:cNvPr>
+          <p:cNvCxnSpPr/>
+          <p:nvPr/>
+        </p:nvCxnSpPr>
+        <p:spPr>
+          <a:xfrm>
+            <a:off x="8520113" y="1344613"/>
+            <a:ext cx="0" cy="642936"/>
+          </a:xfrm>
+          <a:prstGeom prst="straightConnector1">
+            <a:avLst/>
+          </a:prstGeom>
+          <a:ln>
+            <a:tailEnd type="triangle"/>
+          </a:ln>
+        </p:spPr>
+        <p:style>
+          <a:lnRef idx="1">
+            <a:schemeClr val="dk1"/>
+          </a:lnRef>
+          <a:fillRef idx="0">
+            <a:schemeClr val="dk1"/>
+          </a:fillRef>
+          <a:effectRef idx="0">
+            <a:schemeClr val="dk1"/>
+          </a:effectRef>
+          <a:fontRef idx="minor">
+            <a:schemeClr val="tx1"/>
+          </a:fontRef>
+        </p:style>
+      </p:cxnSp>
+      <p:pic>
+        <p:nvPicPr>
+          <p:cNvPr id="71" name="Image 70">
+            <a:extLst>
+              <a:ext uri="{FF2B5EF4-FFF2-40B4-BE49-F238E27FC236}">
+                <a16:creationId xmlns:a16="http://schemas.microsoft.com/office/drawing/2014/main" id="{1C034EA8-47A0-EA48-9218-EADDFC79D32B}"/>
+              </a:ext>
+            </a:extLst>
+          </p:cNvPr>
+          <p:cNvPicPr>
+            <a:picLocks noChangeAspect="1"/>
+          </p:cNvPicPr>
+          <p:nvPr/>
+        </p:nvPicPr>
+        <p:blipFill rotWithShape="1">
+          <a:blip r:embed="rId6"/>
+          <a:srcRect l="82281" t="2171" r="6473" b="74582"/>
+          <a:stretch/>
+        </p:blipFill>
+        <p:spPr>
+          <a:xfrm>
+            <a:off x="9666442" y="1987549"/>
+            <a:ext cx="1053005" cy="1538049"/>
+          </a:xfrm>
+          <a:prstGeom prst="rect">
+            <a:avLst/>
+          </a:prstGeom>
+        </p:spPr>
+      </p:pic>
+      <p:cxnSp>
+        <p:nvCxnSpPr>
+          <p:cNvPr id="73" name="Connecteur droit avec flèche 72">
+            <a:extLst>
+              <a:ext uri="{FF2B5EF4-FFF2-40B4-BE49-F238E27FC236}">
+                <a16:creationId xmlns:a16="http://schemas.microsoft.com/office/drawing/2014/main" id="{7166F217-D2F7-0E43-970C-3B4AD6771303}"/>
+              </a:ext>
+            </a:extLst>
+          </p:cNvPr>
+          <p:cNvCxnSpPr/>
+          <p:nvPr/>
+        </p:nvCxnSpPr>
+        <p:spPr>
+          <a:xfrm>
+            <a:off x="10191750" y="1344613"/>
+            <a:ext cx="0" cy="642936"/>
+          </a:xfrm>
+          <a:prstGeom prst="straightConnector1">
+            <a:avLst/>
+          </a:prstGeom>
+          <a:ln>
+            <a:tailEnd type="triangle"/>
+          </a:ln>
+        </p:spPr>
+        <p:style>
+          <a:lnRef idx="1">
+            <a:schemeClr val="dk1"/>
+          </a:lnRef>
+          <a:fillRef idx="0">
+            <a:schemeClr val="dk1"/>
+          </a:fillRef>
+          <a:effectRef idx="0">
+            <a:schemeClr val="dk1"/>
+          </a:effectRef>
+          <a:fontRef idx="minor">
+            <a:schemeClr val="tx1"/>
+          </a:fontRef>
+        </p:style>
+      </p:cxnSp>
+      <p:pic>
+        <p:nvPicPr>
+          <p:cNvPr id="75" name="Image 74">
+            <a:extLst>
+              <a:ext uri="{FF2B5EF4-FFF2-40B4-BE49-F238E27FC236}">
+                <a16:creationId xmlns:a16="http://schemas.microsoft.com/office/drawing/2014/main" id="{30FA0C5A-0057-7341-8224-715170F70A40}"/>
+              </a:ext>
+            </a:extLst>
+          </p:cNvPr>
+          <p:cNvPicPr>
+            <a:picLocks noChangeAspect="1"/>
+          </p:cNvPicPr>
+          <p:nvPr/>
+        </p:nvPicPr>
+        <p:blipFill>
+          <a:blip r:embed="rId7"/>
+          <a:stretch>
+            <a:fillRect/>
+          </a:stretch>
+        </p:blipFill>
+        <p:spPr>
+          <a:xfrm>
+            <a:off x="9649500" y="3773488"/>
+            <a:ext cx="2139894" cy="1538049"/>
+          </a:xfrm>
+          <a:prstGeom prst="rect">
+            <a:avLst/>
+          </a:prstGeom>
+        </p:spPr>
+      </p:pic>
+      <p:cxnSp>
+        <p:nvCxnSpPr>
+          <p:cNvPr id="77" name="Connecteur droit avec flèche 76">
+            <a:extLst>
+              <a:ext uri="{FF2B5EF4-FFF2-40B4-BE49-F238E27FC236}">
+                <a16:creationId xmlns:a16="http://schemas.microsoft.com/office/drawing/2014/main" id="{5B072894-DFA5-D940-9EF1-681C07418414}"/>
+              </a:ext>
+            </a:extLst>
+          </p:cNvPr>
+          <p:cNvCxnSpPr/>
+          <p:nvPr/>
+        </p:nvCxnSpPr>
+        <p:spPr>
+          <a:xfrm flipH="1">
+            <a:off x="10848975" y="1344613"/>
+            <a:ext cx="228600" cy="2357437"/>
+          </a:xfrm>
+          <a:prstGeom prst="straightConnector1">
+            <a:avLst/>
+          </a:prstGeom>
+          <a:ln>
+            <a:tailEnd type="triangle"/>
+          </a:ln>
+        </p:spPr>
+        <p:style>
+          <a:lnRef idx="1">
+            <a:schemeClr val="dk1"/>
+          </a:lnRef>
+          <a:fillRef idx="0">
+            <a:schemeClr val="dk1"/>
+          </a:fillRef>
+          <a:effectRef idx="0">
+            <a:schemeClr val="dk1"/>
+          </a:effectRef>
+          <a:fontRef idx="minor">
+            <a:schemeClr val="tx1"/>
+          </a:fontRef>
+        </p:style>
+      </p:cxnSp>
+      <p:sp>
+        <p:nvSpPr>
+          <p:cNvPr id="78" name="ZoneTexte 77">
+            <a:extLst>
+              <a:ext uri="{FF2B5EF4-FFF2-40B4-BE49-F238E27FC236}">
+                <a16:creationId xmlns:a16="http://schemas.microsoft.com/office/drawing/2014/main" id="{2B77A24D-095B-B047-A7F3-83163E932E41}"/>
+              </a:ext>
+            </a:extLst>
+          </p:cNvPr>
+          <p:cNvSpPr txBox="1"/>
+          <p:nvPr/>
+        </p:nvSpPr>
+        <p:spPr>
+          <a:xfrm>
+            <a:off x="549406" y="3516260"/>
+            <a:ext cx="1460942" cy="338554"/>
+          </a:xfrm>
+          <a:prstGeom prst="rect">
+            <a:avLst/>
+          </a:prstGeom>
+          <a:noFill/>
+        </p:spPr>
+        <p:txBody>
+          <a:bodyPr wrap="square" rtlCol="0">
+            <a:spAutoFit/>
+          </a:bodyPr>
+          <a:lstStyle/>
+          <a:p>
+            <a:r>
+              <a:rPr lang="fr-FR" sz="1600" dirty="0"/>
+              <a:t>Page Accueil</a:t>
+            </a:r>
+          </a:p>
+        </p:txBody>
+      </p:sp>
+      <p:sp>
+        <p:nvSpPr>
+          <p:cNvPr id="80" name="ZoneTexte 79">
+            <a:extLst>
+              <a:ext uri="{FF2B5EF4-FFF2-40B4-BE49-F238E27FC236}">
+                <a16:creationId xmlns:a16="http://schemas.microsoft.com/office/drawing/2014/main" id="{7C4B1349-9C19-D54E-A81A-DC3FD26C29F1}"/>
+              </a:ext>
+            </a:extLst>
+          </p:cNvPr>
+          <p:cNvSpPr txBox="1"/>
+          <p:nvPr/>
+        </p:nvSpPr>
+        <p:spPr>
+          <a:xfrm>
+            <a:off x="10039549" y="5311537"/>
+            <a:ext cx="1359796" cy="338554"/>
+          </a:xfrm>
+          <a:prstGeom prst="rect">
+            <a:avLst/>
+          </a:prstGeom>
+          <a:noFill/>
+        </p:spPr>
+        <p:txBody>
+          <a:bodyPr wrap="none" rtlCol="0">
+            <a:spAutoFit/>
+          </a:bodyPr>
+          <a:lstStyle/>
+          <a:p>
+            <a:r>
+              <a:rPr lang="fr-FR" sz="1600" dirty="0"/>
+              <a:t>Page Message</a:t>
+            </a:r>
+          </a:p>
+        </p:txBody>
+      </p:sp>
+      <p:sp>
+        <p:nvSpPr>
+          <p:cNvPr id="81" name="ZoneTexte 80">
+            <a:extLst>
+              <a:ext uri="{FF2B5EF4-FFF2-40B4-BE49-F238E27FC236}">
+                <a16:creationId xmlns:a16="http://schemas.microsoft.com/office/drawing/2014/main" id="{8530F23D-B933-CA42-B5D4-2374A3331D37}"/>
+              </a:ext>
+            </a:extLst>
+          </p:cNvPr>
+          <p:cNvSpPr txBox="1"/>
+          <p:nvPr/>
+        </p:nvSpPr>
+        <p:spPr>
+          <a:xfrm>
+            <a:off x="5353310" y="3471469"/>
+            <a:ext cx="1226490" cy="338554"/>
+          </a:xfrm>
+          <a:prstGeom prst="rect">
+            <a:avLst/>
+          </a:prstGeom>
+          <a:noFill/>
+        </p:spPr>
+        <p:txBody>
+          <a:bodyPr wrap="none" rtlCol="0">
+            <a:spAutoFit/>
+          </a:bodyPr>
+          <a:lstStyle/>
+          <a:p>
+            <a:r>
+              <a:rPr lang="fr-FR" sz="1600" dirty="0"/>
+              <a:t>Page Réseau</a:t>
+            </a:r>
+          </a:p>
+        </p:txBody>
+      </p:sp>
+      <p:sp>
+        <p:nvSpPr>
+          <p:cNvPr id="82" name="ZoneTexte 81">
+            <a:extLst>
+              <a:ext uri="{FF2B5EF4-FFF2-40B4-BE49-F238E27FC236}">
+                <a16:creationId xmlns:a16="http://schemas.microsoft.com/office/drawing/2014/main" id="{C7DEDE57-E123-174F-8F5D-1C7414056588}"/>
+              </a:ext>
+            </a:extLst>
+          </p:cNvPr>
+          <p:cNvSpPr txBox="1"/>
+          <p:nvPr/>
+        </p:nvSpPr>
+        <p:spPr>
+          <a:xfrm>
+            <a:off x="7841574" y="3434934"/>
+            <a:ext cx="1281376" cy="338554"/>
+          </a:xfrm>
+          <a:prstGeom prst="rect">
+            <a:avLst/>
+          </a:prstGeom>
+          <a:noFill/>
+        </p:spPr>
+        <p:txBody>
+          <a:bodyPr wrap="none" rtlCol="0">
+            <a:spAutoFit/>
+          </a:bodyPr>
+          <a:lstStyle/>
+          <a:p>
+            <a:r>
+              <a:rPr lang="fr-FR" sz="1600" dirty="0"/>
+              <a:t>Page Emplois</a:t>
+            </a:r>
+          </a:p>
+        </p:txBody>
+      </p:sp>
+      <p:sp>
+        <p:nvSpPr>
+          <p:cNvPr id="83" name="ZoneTexte 82">
+            <a:extLst>
+              <a:ext uri="{FF2B5EF4-FFF2-40B4-BE49-F238E27FC236}">
+                <a16:creationId xmlns:a16="http://schemas.microsoft.com/office/drawing/2014/main" id="{700F1E42-69CD-5544-B650-E1A0360F5BB4}"/>
+              </a:ext>
+            </a:extLst>
+          </p:cNvPr>
+          <p:cNvSpPr txBox="1"/>
+          <p:nvPr/>
+        </p:nvSpPr>
+        <p:spPr>
+          <a:xfrm>
+            <a:off x="3058351" y="3491796"/>
+            <a:ext cx="1066446" cy="338554"/>
+          </a:xfrm>
+          <a:prstGeom prst="rect">
+            <a:avLst/>
+          </a:prstGeom>
+          <a:noFill/>
+        </p:spPr>
+        <p:txBody>
+          <a:bodyPr wrap="none" rtlCol="0">
+            <a:spAutoFit/>
+          </a:bodyPr>
+          <a:lstStyle/>
+          <a:p>
+            <a:r>
+              <a:rPr lang="fr-FR" sz="1600" dirty="0"/>
+              <a:t>Page Profil</a:t>
+            </a:r>
+          </a:p>
+        </p:txBody>
+      </p:sp>
+      <p:sp>
+        <p:nvSpPr>
+          <p:cNvPr id="84" name="ZoneTexte 83">
+            <a:extLst>
+              <a:ext uri="{FF2B5EF4-FFF2-40B4-BE49-F238E27FC236}">
+                <a16:creationId xmlns:a16="http://schemas.microsoft.com/office/drawing/2014/main" id="{13A58A61-69E5-D747-A9E2-3FA0B9A6BE73}"/>
+              </a:ext>
+            </a:extLst>
+          </p:cNvPr>
+          <p:cNvSpPr txBox="1"/>
+          <p:nvPr/>
+        </p:nvSpPr>
+        <p:spPr>
+          <a:xfrm>
+            <a:off x="9561902" y="3399215"/>
+            <a:ext cx="1163652" cy="338554"/>
+          </a:xfrm>
+          <a:prstGeom prst="rect">
+            <a:avLst/>
+          </a:prstGeom>
+          <a:noFill/>
+        </p:spPr>
+        <p:txBody>
+          <a:bodyPr wrap="none" rtlCol="0">
+            <a:spAutoFit/>
+          </a:bodyPr>
+          <a:lstStyle/>
+          <a:p>
+            <a:r>
+              <a:rPr lang="fr-FR" sz="1600" dirty="0"/>
+              <a:t>Notification</a:t>
+            </a:r>
+          </a:p>
+        </p:txBody>
+      </p:sp>
+      <p:pic>
+        <p:nvPicPr>
+          <p:cNvPr id="86" name="Image 85">
+            <a:extLst>
+              <a:ext uri="{FF2B5EF4-FFF2-40B4-BE49-F238E27FC236}">
+                <a16:creationId xmlns:a16="http://schemas.microsoft.com/office/drawing/2014/main" id="{47AFCB17-76D6-014B-A5EB-D0FD96507C59}"/>
+              </a:ext>
+            </a:extLst>
+          </p:cNvPr>
+          <p:cNvPicPr>
+            <a:picLocks noChangeAspect="1"/>
+          </p:cNvPicPr>
+          <p:nvPr/>
+        </p:nvPicPr>
+        <p:blipFill>
+          <a:blip r:embed="rId8"/>
+          <a:stretch>
+            <a:fillRect/>
+          </a:stretch>
+        </p:blipFill>
+        <p:spPr>
+          <a:xfrm>
+            <a:off x="5092323" y="1976983"/>
+            <a:ext cx="2104273" cy="1514813"/>
+          </a:xfrm>
+          <a:prstGeom prst="rect">
+            <a:avLst/>
+          </a:prstGeom>
+        </p:spPr>
+      </p:pic>
+      <p:sp>
+        <p:nvSpPr>
+          <p:cNvPr id="2" name="Rectangle 1">
+            <a:extLst>
+              <a:ext uri="{FF2B5EF4-FFF2-40B4-BE49-F238E27FC236}">
+                <a16:creationId xmlns:a16="http://schemas.microsoft.com/office/drawing/2014/main" id="{B75E7698-C0A5-A740-AB04-A8FA2CF94640}"/>
+              </a:ext>
+            </a:extLst>
+          </p:cNvPr>
+          <p:cNvSpPr/>
+          <p:nvPr/>
+        </p:nvSpPr>
+        <p:spPr>
+          <a:xfrm>
+            <a:off x="4291014" y="0"/>
+            <a:ext cx="4448553" cy="646331"/>
+          </a:xfrm>
+          <a:prstGeom prst="rect">
+            <a:avLst/>
+          </a:prstGeom>
+        </p:spPr>
+        <p:txBody>
+          <a:bodyPr wrap="square">
+            <a:spAutoFit/>
+          </a:bodyPr>
+          <a:lstStyle/>
+          <a:p>
+            <a:r>
+              <a:rPr lang="fr-FR" sz="3600" dirty="0"/>
+              <a:t>Design du front</a:t>
+            </a:r>
+          </a:p>
+        </p:txBody>
+      </p:sp>
+      <p:pic>
+        <p:nvPicPr>
+          <p:cNvPr id="25" name="Image 24">
+            <a:extLst>
+              <a:ext uri="{FF2B5EF4-FFF2-40B4-BE49-F238E27FC236}">
+                <a16:creationId xmlns:a16="http://schemas.microsoft.com/office/drawing/2014/main" id="{B1178434-0B09-2244-AF89-4075B6071015}"/>
+              </a:ext>
+            </a:extLst>
+          </p:cNvPr>
+          <p:cNvPicPr>
+            <a:picLocks noChangeAspect="1"/>
+          </p:cNvPicPr>
+          <p:nvPr/>
+        </p:nvPicPr>
+        <p:blipFill>
+          <a:blip r:embed="rId9"/>
+          <a:stretch>
+            <a:fillRect/>
+          </a:stretch>
+        </p:blipFill>
+        <p:spPr>
+          <a:xfrm>
+            <a:off x="933450" y="4103746"/>
+            <a:ext cx="3807814" cy="2415581"/>
+          </a:xfrm>
+          <a:prstGeom prst="rect">
+            <a:avLst/>
+          </a:prstGeom>
+        </p:spPr>
+      </p:pic>
+      <p:cxnSp>
+        <p:nvCxnSpPr>
+          <p:cNvPr id="6" name="Connecteur droit avec flèche 5">
+            <a:extLst>
+              <a:ext uri="{FF2B5EF4-FFF2-40B4-BE49-F238E27FC236}">
+                <a16:creationId xmlns:a16="http://schemas.microsoft.com/office/drawing/2014/main" id="{9AC8A193-2224-7A46-B239-45B145DED920}"/>
+              </a:ext>
+            </a:extLst>
+          </p:cNvPr>
+          <p:cNvCxnSpPr>
+            <a:cxnSpLocks/>
+          </p:cNvCxnSpPr>
+          <p:nvPr/>
+        </p:nvCxnSpPr>
+        <p:spPr>
+          <a:xfrm flipH="1" flipV="1">
+            <a:off x="3448522" y="5030368"/>
+            <a:ext cx="2019562" cy="367578"/>
+          </a:xfrm>
+          <a:prstGeom prst="straightConnector1">
+            <a:avLst/>
+          </a:prstGeom>
+          <a:ln>
+            <a:tailEnd type="triangle"/>
+          </a:ln>
+        </p:spPr>
+        <p:style>
+          <a:lnRef idx="1">
+            <a:schemeClr val="dk1"/>
+          </a:lnRef>
+          <a:fillRef idx="0">
+            <a:schemeClr val="dk1"/>
+          </a:fillRef>
+          <a:effectRef idx="0">
+            <a:schemeClr val="dk1"/>
+          </a:effectRef>
+          <a:fontRef idx="minor">
+            <a:schemeClr val="tx1"/>
+          </a:fontRef>
+        </p:style>
+      </p:cxnSp>
+      <p:cxnSp>
+        <p:nvCxnSpPr>
+          <p:cNvPr id="13" name="Connecteur droit avec flèche 12">
+            <a:extLst>
+              <a:ext uri="{FF2B5EF4-FFF2-40B4-BE49-F238E27FC236}">
+                <a16:creationId xmlns:a16="http://schemas.microsoft.com/office/drawing/2014/main" id="{B4CFD189-5FDD-4C45-AF6C-D365BF1BC4D2}"/>
+              </a:ext>
+            </a:extLst>
+          </p:cNvPr>
+          <p:cNvCxnSpPr>
+            <a:cxnSpLocks/>
+          </p:cNvCxnSpPr>
+          <p:nvPr/>
+        </p:nvCxnSpPr>
+        <p:spPr>
+          <a:xfrm flipH="1" flipV="1">
+            <a:off x="3448522" y="5214157"/>
+            <a:ext cx="2019563" cy="183790"/>
+          </a:xfrm>
+          <a:prstGeom prst="straightConnector1">
+            <a:avLst/>
+          </a:prstGeom>
+          <a:ln>
+            <a:tailEnd type="triangle"/>
+          </a:ln>
+        </p:spPr>
+        <p:style>
+          <a:lnRef idx="1">
+            <a:schemeClr val="dk1"/>
+          </a:lnRef>
+          <a:fillRef idx="0">
+            <a:schemeClr val="dk1"/>
+          </a:fillRef>
+          <a:effectRef idx="0">
+            <a:schemeClr val="dk1"/>
+          </a:effectRef>
+          <a:fontRef idx="minor">
+            <a:schemeClr val="tx1"/>
+          </a:fontRef>
+        </p:style>
+      </p:cxnSp>
+      <p:cxnSp>
+        <p:nvCxnSpPr>
+          <p:cNvPr id="16" name="Connecteur droit avec flèche 15">
+            <a:extLst>
+              <a:ext uri="{FF2B5EF4-FFF2-40B4-BE49-F238E27FC236}">
+                <a16:creationId xmlns:a16="http://schemas.microsoft.com/office/drawing/2014/main" id="{223373E2-87F7-BE42-BDE4-89CCAD85BE19}"/>
+              </a:ext>
+            </a:extLst>
+          </p:cNvPr>
+          <p:cNvCxnSpPr>
+            <a:cxnSpLocks/>
+          </p:cNvCxnSpPr>
+          <p:nvPr/>
+        </p:nvCxnSpPr>
+        <p:spPr>
+          <a:xfrm flipH="1" flipV="1">
+            <a:off x="3448523" y="5397946"/>
+            <a:ext cx="1904787" cy="437921"/>
+          </a:xfrm>
+          <a:prstGeom prst="straightConnector1">
+            <a:avLst/>
+          </a:prstGeom>
+          <a:ln>
+            <a:tailEnd type="triangle"/>
+          </a:ln>
+        </p:spPr>
+        <p:style>
+          <a:lnRef idx="1">
+            <a:schemeClr val="dk1"/>
+          </a:lnRef>
+          <a:fillRef idx="0">
+            <a:schemeClr val="dk1"/>
+          </a:fillRef>
+          <a:effectRef idx="0">
+            <a:schemeClr val="dk1"/>
+          </a:effectRef>
+          <a:fontRef idx="minor">
+            <a:schemeClr val="tx1"/>
+          </a:fontRef>
+        </p:style>
+      </p:cxnSp>
+      <p:sp>
+        <p:nvSpPr>
+          <p:cNvPr id="19" name="ZoneTexte 18">
+            <a:extLst>
+              <a:ext uri="{FF2B5EF4-FFF2-40B4-BE49-F238E27FC236}">
+                <a16:creationId xmlns:a16="http://schemas.microsoft.com/office/drawing/2014/main" id="{5ED62E4E-FE10-A04E-A7EA-400FA10793AA}"/>
+              </a:ext>
+            </a:extLst>
+          </p:cNvPr>
+          <p:cNvSpPr txBox="1"/>
+          <p:nvPr/>
+        </p:nvSpPr>
+        <p:spPr>
+          <a:xfrm>
+            <a:off x="1894470" y="6537578"/>
+            <a:ext cx="1885773" cy="338554"/>
+          </a:xfrm>
+          <a:prstGeom prst="rect">
+            <a:avLst/>
+          </a:prstGeom>
+          <a:noFill/>
+        </p:spPr>
+        <p:txBody>
+          <a:bodyPr wrap="none" rtlCol="0">
+            <a:spAutoFit/>
+          </a:bodyPr>
+          <a:lstStyle/>
+          <a:p>
+            <a:r>
+              <a:rPr lang="fr-FR" sz="1600" dirty="0"/>
+              <a:t>Page d’identification</a:t>
+            </a:r>
+          </a:p>
+        </p:txBody>
+      </p:sp>
+      <p:sp>
+        <p:nvSpPr>
+          <p:cNvPr id="20" name="ZoneTexte 19">
+            <a:extLst>
+              <a:ext uri="{FF2B5EF4-FFF2-40B4-BE49-F238E27FC236}">
+                <a16:creationId xmlns:a16="http://schemas.microsoft.com/office/drawing/2014/main" id="{4D87ED1E-FEE2-5E42-9C36-309F7923FA35}"/>
+              </a:ext>
+            </a:extLst>
+          </p:cNvPr>
+          <p:cNvSpPr txBox="1"/>
+          <p:nvPr/>
+        </p:nvSpPr>
+        <p:spPr>
+          <a:xfrm>
+            <a:off x="5416315" y="5270579"/>
+            <a:ext cx="1798890" cy="261610"/>
+          </a:xfrm>
+          <a:prstGeom prst="rect">
+            <a:avLst/>
+          </a:prstGeom>
+          <a:noFill/>
+        </p:spPr>
+        <p:txBody>
+          <a:bodyPr wrap="none" rtlCol="0">
+            <a:spAutoFit/>
+          </a:bodyPr>
+          <a:lstStyle/>
+          <a:p>
+            <a:r>
+              <a:rPr lang="fr-FR" sz="1100" dirty="0"/>
+              <a:t>Identification de l’utilisateur</a:t>
+            </a:r>
+          </a:p>
+        </p:txBody>
+      </p:sp>
+      <p:sp>
+        <p:nvSpPr>
+          <p:cNvPr id="21" name="ZoneTexte 20">
+            <a:extLst>
+              <a:ext uri="{FF2B5EF4-FFF2-40B4-BE49-F238E27FC236}">
+                <a16:creationId xmlns:a16="http://schemas.microsoft.com/office/drawing/2014/main" id="{8DA0C300-37D1-8142-885A-01119B2847B5}"/>
+              </a:ext>
+            </a:extLst>
+          </p:cNvPr>
+          <p:cNvSpPr txBox="1"/>
+          <p:nvPr/>
+        </p:nvSpPr>
+        <p:spPr>
+          <a:xfrm>
+            <a:off x="5288365" y="5731801"/>
+            <a:ext cx="1402948" cy="261610"/>
+          </a:xfrm>
+          <a:prstGeom prst="rect">
+            <a:avLst/>
+          </a:prstGeom>
+          <a:noFill/>
+        </p:spPr>
+        <p:txBody>
+          <a:bodyPr wrap="none" rtlCol="0">
+            <a:spAutoFit/>
+          </a:bodyPr>
+          <a:lstStyle/>
+          <a:p>
+            <a:r>
+              <a:rPr lang="fr-FR" sz="1100" dirty="0"/>
+              <a:t>Bouton de connexion</a:t>
+            </a:r>
           </a:p>
         </p:txBody>
       </p:sp>
     </p:spTree>
     <p:extLst>
       <p:ext uri="{BB962C8B-B14F-4D97-AF65-F5344CB8AC3E}">
-        <p14:creationId xmlns:p14="http://schemas.microsoft.com/office/powerpoint/2010/main" val="880515241"/>
+        <p14:creationId xmlns:p14="http://schemas.microsoft.com/office/powerpoint/2010/main" val="1949324449"/>
       </p:ext>
     </p:extLst>
   </p:cSld>
@@ -4864,12 +5558,1541 @@
           <a:chExt cx="0" cy="0"/>
         </a:xfrm>
       </p:grpSpPr>
+      <p:pic>
+        <p:nvPicPr>
+          <p:cNvPr id="43" name="Image 42">
+            <a:extLst>
+              <a:ext uri="{FF2B5EF4-FFF2-40B4-BE49-F238E27FC236}">
+                <a16:creationId xmlns:a16="http://schemas.microsoft.com/office/drawing/2014/main" id="{8CE37485-41F1-C043-BEA2-75B15C13D106}"/>
+              </a:ext>
+            </a:extLst>
+          </p:cNvPr>
+          <p:cNvPicPr>
+            <a:picLocks noChangeAspect="1"/>
+          </p:cNvPicPr>
+          <p:nvPr/>
+        </p:nvPicPr>
+        <p:blipFill>
+          <a:blip r:embed="rId2"/>
+          <a:stretch>
+            <a:fillRect/>
+          </a:stretch>
+        </p:blipFill>
+        <p:spPr>
+          <a:xfrm>
+            <a:off x="5902931" y="96498"/>
+            <a:ext cx="6167149" cy="4425721"/>
+          </a:xfrm>
+          <a:prstGeom prst="rect">
+            <a:avLst/>
+          </a:prstGeom>
+        </p:spPr>
+      </p:pic>
+      <p:cxnSp>
+        <p:nvCxnSpPr>
+          <p:cNvPr id="9" name="Connecteur droit avec flèche 8">
+            <a:extLst>
+              <a:ext uri="{FF2B5EF4-FFF2-40B4-BE49-F238E27FC236}">
+                <a16:creationId xmlns:a16="http://schemas.microsoft.com/office/drawing/2014/main" id="{16B5F85D-0A7E-1A42-AB73-14A0A0F36117}"/>
+              </a:ext>
+            </a:extLst>
+          </p:cNvPr>
+          <p:cNvCxnSpPr>
+            <a:cxnSpLocks/>
+          </p:cNvCxnSpPr>
+          <p:nvPr/>
+        </p:nvCxnSpPr>
+        <p:spPr>
+          <a:xfrm flipH="1" flipV="1">
+            <a:off x="4594530" y="937418"/>
+            <a:ext cx="1585913" cy="257175"/>
+          </a:xfrm>
+          <a:prstGeom prst="straightConnector1">
+            <a:avLst/>
+          </a:prstGeom>
+          <a:ln>
+            <a:tailEnd type="triangle"/>
+          </a:ln>
+        </p:spPr>
+        <p:style>
+          <a:lnRef idx="1">
+            <a:schemeClr val="dk1"/>
+          </a:lnRef>
+          <a:fillRef idx="0">
+            <a:schemeClr val="dk1"/>
+          </a:fillRef>
+          <a:effectRef idx="0">
+            <a:schemeClr val="dk1"/>
+          </a:effectRef>
+          <a:fontRef idx="minor">
+            <a:schemeClr val="tx1"/>
+          </a:fontRef>
+        </p:style>
+      </p:cxnSp>
+      <p:pic>
+        <p:nvPicPr>
+          <p:cNvPr id="15" name="Image 14">
+            <a:extLst>
+              <a:ext uri="{FF2B5EF4-FFF2-40B4-BE49-F238E27FC236}">
+                <a16:creationId xmlns:a16="http://schemas.microsoft.com/office/drawing/2014/main" id="{2D009BDF-D716-BF45-8A43-684599213916}"/>
+              </a:ext>
+            </a:extLst>
+          </p:cNvPr>
+          <p:cNvPicPr>
+            <a:picLocks noChangeAspect="1"/>
+          </p:cNvPicPr>
+          <p:nvPr/>
+        </p:nvPicPr>
+        <p:blipFill rotWithShape="1">
+          <a:blip r:embed="rId3"/>
+          <a:srcRect l="20958" t="12891" r="20386" b="74538"/>
+          <a:stretch/>
+        </p:blipFill>
+        <p:spPr>
+          <a:xfrm>
+            <a:off x="457200" y="2504993"/>
+            <a:ext cx="4414842" cy="695724"/>
+          </a:xfrm>
+          <a:prstGeom prst="rect">
+            <a:avLst/>
+          </a:prstGeom>
+        </p:spPr>
+      </p:pic>
+      <p:cxnSp>
+        <p:nvCxnSpPr>
+          <p:cNvPr id="20" name="Connecteur droit avec flèche 19">
+            <a:extLst>
+              <a:ext uri="{FF2B5EF4-FFF2-40B4-BE49-F238E27FC236}">
+                <a16:creationId xmlns:a16="http://schemas.microsoft.com/office/drawing/2014/main" id="{656B2FA6-9E4E-6748-B898-A6C673456FEC}"/>
+              </a:ext>
+            </a:extLst>
+          </p:cNvPr>
+          <p:cNvCxnSpPr>
+            <a:cxnSpLocks/>
+          </p:cNvCxnSpPr>
+          <p:nvPr/>
+        </p:nvCxnSpPr>
+        <p:spPr>
+          <a:xfrm flipH="1">
+            <a:off x="1060450" y="2914649"/>
+            <a:ext cx="516890" cy="508953"/>
+          </a:xfrm>
+          <a:prstGeom prst="straightConnector1">
+            <a:avLst/>
+          </a:prstGeom>
+          <a:ln>
+            <a:tailEnd type="triangle"/>
+          </a:ln>
+        </p:spPr>
+        <p:style>
+          <a:lnRef idx="1">
+            <a:schemeClr val="dk1"/>
+          </a:lnRef>
+          <a:fillRef idx="0">
+            <a:schemeClr val="dk1"/>
+          </a:fillRef>
+          <a:effectRef idx="0">
+            <a:schemeClr val="dk1"/>
+          </a:effectRef>
+          <a:fontRef idx="minor">
+            <a:schemeClr val="tx1"/>
+          </a:fontRef>
+        </p:style>
+      </p:cxnSp>
+      <p:sp>
+        <p:nvSpPr>
+          <p:cNvPr id="24" name="ZoneTexte 23">
+            <a:extLst>
+              <a:ext uri="{FF2B5EF4-FFF2-40B4-BE49-F238E27FC236}">
+                <a16:creationId xmlns:a16="http://schemas.microsoft.com/office/drawing/2014/main" id="{C6716187-0EEF-FC46-A00E-1820686E7789}"/>
+              </a:ext>
+            </a:extLst>
+          </p:cNvPr>
+          <p:cNvSpPr txBox="1"/>
+          <p:nvPr/>
+        </p:nvSpPr>
+        <p:spPr>
+          <a:xfrm>
+            <a:off x="86182" y="3349027"/>
+            <a:ext cx="1311603" cy="430887"/>
+          </a:xfrm>
+          <a:prstGeom prst="rect">
+            <a:avLst/>
+          </a:prstGeom>
+          <a:noFill/>
+        </p:spPr>
+        <p:txBody>
+          <a:bodyPr wrap="square" rtlCol="0">
+            <a:spAutoFit/>
+          </a:bodyPr>
+          <a:lstStyle/>
+          <a:p>
+            <a:r>
+              <a:rPr lang="fr-FR" sz="1100" dirty="0"/>
+              <a:t>Permet de saisir une publication</a:t>
+            </a:r>
+          </a:p>
+        </p:txBody>
+      </p:sp>
+      <p:cxnSp>
+        <p:nvCxnSpPr>
+          <p:cNvPr id="17" name="Connecteur droit 16">
+            <a:extLst>
+              <a:ext uri="{FF2B5EF4-FFF2-40B4-BE49-F238E27FC236}">
+                <a16:creationId xmlns:a16="http://schemas.microsoft.com/office/drawing/2014/main" id="{CB84F2F3-8B74-B24F-BD2F-0CC249FB5182}"/>
+              </a:ext>
+            </a:extLst>
+          </p:cNvPr>
+          <p:cNvCxnSpPr>
+            <a:cxnSpLocks/>
+          </p:cNvCxnSpPr>
+          <p:nvPr/>
+        </p:nvCxnSpPr>
+        <p:spPr>
+          <a:xfrm flipH="1">
+            <a:off x="4872042" y="1081177"/>
+            <a:ext cx="2425404" cy="1449873"/>
+          </a:xfrm>
+          <a:prstGeom prst="line">
+            <a:avLst/>
+          </a:prstGeom>
+          <a:ln/>
+        </p:spPr>
+        <p:style>
+          <a:lnRef idx="1">
+            <a:schemeClr val="dk1"/>
+          </a:lnRef>
+          <a:fillRef idx="0">
+            <a:schemeClr val="dk1"/>
+          </a:fillRef>
+          <a:effectRef idx="0">
+            <a:schemeClr val="dk1"/>
+          </a:effectRef>
+          <a:fontRef idx="minor">
+            <a:schemeClr val="tx1"/>
+          </a:fontRef>
+        </p:style>
+      </p:cxnSp>
+      <p:cxnSp>
+        <p:nvCxnSpPr>
+          <p:cNvPr id="26" name="Connecteur droit avec flèche 25">
+            <a:extLst>
+              <a:ext uri="{FF2B5EF4-FFF2-40B4-BE49-F238E27FC236}">
+                <a16:creationId xmlns:a16="http://schemas.microsoft.com/office/drawing/2014/main" id="{452FF5F6-ABBB-EA42-88AD-41F77B4587C5}"/>
+              </a:ext>
+            </a:extLst>
+          </p:cNvPr>
+          <p:cNvCxnSpPr>
+            <a:cxnSpLocks/>
+          </p:cNvCxnSpPr>
+          <p:nvPr/>
+        </p:nvCxnSpPr>
+        <p:spPr>
+          <a:xfrm>
+            <a:off x="4408509" y="3100977"/>
+            <a:ext cx="8302" cy="441017"/>
+          </a:xfrm>
+          <a:prstGeom prst="straightConnector1">
+            <a:avLst/>
+          </a:prstGeom>
+          <a:ln>
+            <a:tailEnd type="triangle"/>
+          </a:ln>
+        </p:spPr>
+        <p:style>
+          <a:lnRef idx="1">
+            <a:schemeClr val="dk1"/>
+          </a:lnRef>
+          <a:fillRef idx="0">
+            <a:schemeClr val="dk1"/>
+          </a:fillRef>
+          <a:effectRef idx="0">
+            <a:schemeClr val="dk1"/>
+          </a:effectRef>
+          <a:fontRef idx="minor">
+            <a:schemeClr val="tx1"/>
+          </a:fontRef>
+        </p:style>
+      </p:cxnSp>
+      <p:sp>
+        <p:nvSpPr>
+          <p:cNvPr id="28" name="ZoneTexte 27">
+            <a:extLst>
+              <a:ext uri="{FF2B5EF4-FFF2-40B4-BE49-F238E27FC236}">
+                <a16:creationId xmlns:a16="http://schemas.microsoft.com/office/drawing/2014/main" id="{192116AE-3586-A144-8B92-C96515087CC9}"/>
+              </a:ext>
+            </a:extLst>
+          </p:cNvPr>
+          <p:cNvSpPr txBox="1"/>
+          <p:nvPr/>
+        </p:nvSpPr>
+        <p:spPr>
+          <a:xfrm>
+            <a:off x="4065099" y="3462279"/>
+            <a:ext cx="907390" cy="430887"/>
+          </a:xfrm>
+          <a:prstGeom prst="rect">
+            <a:avLst/>
+          </a:prstGeom>
+          <a:noFill/>
+        </p:spPr>
+        <p:txBody>
+          <a:bodyPr wrap="square" rtlCol="0">
+            <a:spAutoFit/>
+          </a:bodyPr>
+          <a:lstStyle/>
+          <a:p>
+            <a:r>
+              <a:rPr lang="fr-FR" sz="1100" dirty="0"/>
+              <a:t>Valider publication</a:t>
+            </a:r>
+          </a:p>
+        </p:txBody>
+      </p:sp>
+      <p:sp>
+        <p:nvSpPr>
+          <p:cNvPr id="48" name="Ellipse 47">
+            <a:extLst>
+              <a:ext uri="{FF2B5EF4-FFF2-40B4-BE49-F238E27FC236}">
+                <a16:creationId xmlns:a16="http://schemas.microsoft.com/office/drawing/2014/main" id="{C5786AD7-7BD2-7C47-94FA-7A50A2736ED9}"/>
+              </a:ext>
+            </a:extLst>
+          </p:cNvPr>
+          <p:cNvSpPr/>
+          <p:nvPr/>
+        </p:nvSpPr>
+        <p:spPr>
+          <a:xfrm>
+            <a:off x="3961581" y="2708526"/>
+            <a:ext cx="633280" cy="206123"/>
+          </a:xfrm>
+          <a:prstGeom prst="ellipse">
+            <a:avLst/>
+          </a:prstGeom>
+          <a:noFill/>
+        </p:spPr>
+        <p:style>
+          <a:lnRef idx="2">
+            <a:schemeClr val="accent1">
+              <a:shade val="50000"/>
+            </a:schemeClr>
+          </a:lnRef>
+          <a:fillRef idx="1">
+            <a:schemeClr val="accent1"/>
+          </a:fillRef>
+          <a:effectRef idx="0">
+            <a:schemeClr val="accent1"/>
+          </a:effectRef>
+          <a:fontRef idx="minor">
+            <a:schemeClr val="lt1"/>
+          </a:fontRef>
+        </p:style>
+        <p:txBody>
+          <a:bodyPr rtlCol="0" anchor="ctr"/>
+          <a:lstStyle/>
+          <a:p>
+            <a:pPr algn="ctr"/>
+            <a:endParaRPr lang="fr-FR"/>
+          </a:p>
+        </p:txBody>
+      </p:sp>
+      <p:cxnSp>
+        <p:nvCxnSpPr>
+          <p:cNvPr id="50" name="Connecteur droit avec flèche 49">
+            <a:extLst>
+              <a:ext uri="{FF2B5EF4-FFF2-40B4-BE49-F238E27FC236}">
+                <a16:creationId xmlns:a16="http://schemas.microsoft.com/office/drawing/2014/main" id="{EB9DA102-868A-9D48-99FF-3299C8313F9F}"/>
+              </a:ext>
+            </a:extLst>
+          </p:cNvPr>
+          <p:cNvCxnSpPr>
+            <a:cxnSpLocks/>
+            <a:stCxn id="48" idx="2"/>
+          </p:cNvCxnSpPr>
+          <p:nvPr/>
+        </p:nvCxnSpPr>
+        <p:spPr>
+          <a:xfrm flipH="1">
+            <a:off x="3171676" y="2811588"/>
+            <a:ext cx="789905" cy="627345"/>
+          </a:xfrm>
+          <a:prstGeom prst="straightConnector1">
+            <a:avLst/>
+          </a:prstGeom>
+          <a:ln>
+            <a:tailEnd type="triangle"/>
+          </a:ln>
+        </p:spPr>
+        <p:style>
+          <a:lnRef idx="1">
+            <a:schemeClr val="dk1"/>
+          </a:lnRef>
+          <a:fillRef idx="0">
+            <a:schemeClr val="dk1"/>
+          </a:fillRef>
+          <a:effectRef idx="0">
+            <a:schemeClr val="dk1"/>
+          </a:effectRef>
+          <a:fontRef idx="minor">
+            <a:schemeClr val="tx1"/>
+          </a:fontRef>
+        </p:style>
+      </p:cxnSp>
+      <p:sp>
+        <p:nvSpPr>
+          <p:cNvPr id="51" name="ZoneTexte 50">
+            <a:extLst>
+              <a:ext uri="{FF2B5EF4-FFF2-40B4-BE49-F238E27FC236}">
+                <a16:creationId xmlns:a16="http://schemas.microsoft.com/office/drawing/2014/main" id="{A644518D-360D-334A-9091-C7A1D8ABD9ED}"/>
+              </a:ext>
+            </a:extLst>
+          </p:cNvPr>
+          <p:cNvSpPr txBox="1"/>
+          <p:nvPr/>
+        </p:nvSpPr>
+        <p:spPr>
+          <a:xfrm>
+            <a:off x="2644083" y="3326551"/>
+            <a:ext cx="1055186" cy="430887"/>
+          </a:xfrm>
+          <a:prstGeom prst="rect">
+            <a:avLst/>
+          </a:prstGeom>
+          <a:noFill/>
+        </p:spPr>
+        <p:txBody>
+          <a:bodyPr wrap="square" rtlCol="0">
+            <a:spAutoFit/>
+          </a:bodyPr>
+          <a:lstStyle/>
+          <a:p>
+            <a:r>
+              <a:rPr lang="fr-FR" sz="1100" dirty="0"/>
+              <a:t>Ajouter photo/vidéo</a:t>
+            </a:r>
+          </a:p>
+        </p:txBody>
+      </p:sp>
+      <p:pic>
+        <p:nvPicPr>
+          <p:cNvPr id="53" name="Image 52">
+            <a:extLst>
+              <a:ext uri="{FF2B5EF4-FFF2-40B4-BE49-F238E27FC236}">
+                <a16:creationId xmlns:a16="http://schemas.microsoft.com/office/drawing/2014/main" id="{E426EE1A-AB77-074F-A928-AA14BBEA357C}"/>
+              </a:ext>
+            </a:extLst>
+          </p:cNvPr>
+          <p:cNvPicPr>
+            <a:picLocks noChangeAspect="1"/>
+          </p:cNvPicPr>
+          <p:nvPr/>
+        </p:nvPicPr>
+        <p:blipFill rotWithShape="1">
+          <a:blip r:embed="rId4"/>
+          <a:srcRect l="17455" t="25134" r="18052" b="55398"/>
+          <a:stretch/>
+        </p:blipFill>
+        <p:spPr>
+          <a:xfrm>
+            <a:off x="2171700" y="4760435"/>
+            <a:ext cx="6007611" cy="1322776"/>
+          </a:xfrm>
+          <a:prstGeom prst="rect">
+            <a:avLst/>
+          </a:prstGeom>
+        </p:spPr>
+      </p:pic>
+      <p:cxnSp>
+        <p:nvCxnSpPr>
+          <p:cNvPr id="55" name="Connecteur droit avec flèche 54">
+            <a:extLst>
+              <a:ext uri="{FF2B5EF4-FFF2-40B4-BE49-F238E27FC236}">
+                <a16:creationId xmlns:a16="http://schemas.microsoft.com/office/drawing/2014/main" id="{7DD55A6A-D435-D744-BA0E-178BC710BB03}"/>
+              </a:ext>
+            </a:extLst>
+          </p:cNvPr>
+          <p:cNvCxnSpPr>
+            <a:cxnSpLocks/>
+          </p:cNvCxnSpPr>
+          <p:nvPr/>
+        </p:nvCxnSpPr>
+        <p:spPr>
+          <a:xfrm flipH="1">
+            <a:off x="5749290" y="2403953"/>
+            <a:ext cx="1442471" cy="2356482"/>
+          </a:xfrm>
+          <a:prstGeom prst="straightConnector1">
+            <a:avLst/>
+          </a:prstGeom>
+          <a:ln>
+            <a:tailEnd type="triangle"/>
+          </a:ln>
+        </p:spPr>
+        <p:style>
+          <a:lnRef idx="1">
+            <a:schemeClr val="dk1"/>
+          </a:lnRef>
+          <a:fillRef idx="0">
+            <a:schemeClr val="dk1"/>
+          </a:fillRef>
+          <a:effectRef idx="0">
+            <a:schemeClr val="dk1"/>
+          </a:effectRef>
+          <a:fontRef idx="minor">
+            <a:schemeClr val="tx1"/>
+          </a:fontRef>
+        </p:style>
+      </p:cxnSp>
+      <p:cxnSp>
+        <p:nvCxnSpPr>
+          <p:cNvPr id="58" name="Connecteur droit avec flèche 57">
+            <a:extLst>
+              <a:ext uri="{FF2B5EF4-FFF2-40B4-BE49-F238E27FC236}">
+                <a16:creationId xmlns:a16="http://schemas.microsoft.com/office/drawing/2014/main" id="{ECF904AE-3576-6F4B-A61E-BA7DAD85FAF7}"/>
+              </a:ext>
+            </a:extLst>
+          </p:cNvPr>
+          <p:cNvCxnSpPr>
+            <a:cxnSpLocks/>
+          </p:cNvCxnSpPr>
+          <p:nvPr/>
+        </p:nvCxnSpPr>
+        <p:spPr>
+          <a:xfrm flipH="1">
+            <a:off x="4147824" y="5855917"/>
+            <a:ext cx="447037" cy="533889"/>
+          </a:xfrm>
+          <a:prstGeom prst="straightConnector1">
+            <a:avLst/>
+          </a:prstGeom>
+          <a:ln>
+            <a:tailEnd type="triangle"/>
+          </a:ln>
+        </p:spPr>
+        <p:style>
+          <a:lnRef idx="1">
+            <a:schemeClr val="dk1"/>
+          </a:lnRef>
+          <a:fillRef idx="0">
+            <a:schemeClr val="dk1"/>
+          </a:fillRef>
+          <a:effectRef idx="0">
+            <a:schemeClr val="dk1"/>
+          </a:effectRef>
+          <a:fontRef idx="minor">
+            <a:schemeClr val="tx1"/>
+          </a:fontRef>
+        </p:style>
+      </p:cxnSp>
+      <p:cxnSp>
+        <p:nvCxnSpPr>
+          <p:cNvPr id="60" name="Connecteur droit avec flèche 59">
+            <a:extLst>
+              <a:ext uri="{FF2B5EF4-FFF2-40B4-BE49-F238E27FC236}">
+                <a16:creationId xmlns:a16="http://schemas.microsoft.com/office/drawing/2014/main" id="{96D1A399-36C8-8646-934E-46E0DED25B22}"/>
+              </a:ext>
+            </a:extLst>
+          </p:cNvPr>
+          <p:cNvCxnSpPr>
+            <a:cxnSpLocks/>
+          </p:cNvCxnSpPr>
+          <p:nvPr/>
+        </p:nvCxnSpPr>
+        <p:spPr>
+          <a:xfrm flipH="1">
+            <a:off x="7018020" y="5905839"/>
+            <a:ext cx="372670" cy="546225"/>
+          </a:xfrm>
+          <a:prstGeom prst="straightConnector1">
+            <a:avLst/>
+          </a:prstGeom>
+          <a:ln>
+            <a:tailEnd type="triangle"/>
+          </a:ln>
+        </p:spPr>
+        <p:style>
+          <a:lnRef idx="1">
+            <a:schemeClr val="dk1"/>
+          </a:lnRef>
+          <a:fillRef idx="0">
+            <a:schemeClr val="dk1"/>
+          </a:fillRef>
+          <a:effectRef idx="0">
+            <a:schemeClr val="dk1"/>
+          </a:effectRef>
+          <a:fontRef idx="minor">
+            <a:schemeClr val="tx1"/>
+          </a:fontRef>
+        </p:style>
+      </p:cxnSp>
+      <p:sp>
+        <p:nvSpPr>
+          <p:cNvPr id="64" name="ZoneTexte 63">
+            <a:extLst>
+              <a:ext uri="{FF2B5EF4-FFF2-40B4-BE49-F238E27FC236}">
+                <a16:creationId xmlns:a16="http://schemas.microsoft.com/office/drawing/2014/main" id="{EEA485C2-C77A-7E49-AB2A-A578CCF7E18E}"/>
+              </a:ext>
+            </a:extLst>
+          </p:cNvPr>
+          <p:cNvSpPr txBox="1"/>
+          <p:nvPr/>
+        </p:nvSpPr>
+        <p:spPr>
+          <a:xfrm>
+            <a:off x="3535338" y="6305167"/>
+            <a:ext cx="1059523" cy="430887"/>
+          </a:xfrm>
+          <a:prstGeom prst="rect">
+            <a:avLst/>
+          </a:prstGeom>
+          <a:noFill/>
+        </p:spPr>
+        <p:txBody>
+          <a:bodyPr wrap="square" rtlCol="0">
+            <a:spAutoFit/>
+          </a:bodyPr>
+          <a:lstStyle/>
+          <a:p>
+            <a:r>
+              <a:rPr lang="fr-FR" sz="1100" dirty="0"/>
+              <a:t>Saisir un commentaire</a:t>
+            </a:r>
+          </a:p>
+        </p:txBody>
+      </p:sp>
+      <p:sp>
+        <p:nvSpPr>
+          <p:cNvPr id="65" name="ZoneTexte 64">
+            <a:extLst>
+              <a:ext uri="{FF2B5EF4-FFF2-40B4-BE49-F238E27FC236}">
+                <a16:creationId xmlns:a16="http://schemas.microsoft.com/office/drawing/2014/main" id="{8371C977-8128-FC4E-B492-50ED85EC5656}"/>
+              </a:ext>
+            </a:extLst>
+          </p:cNvPr>
+          <p:cNvSpPr txBox="1"/>
+          <p:nvPr/>
+        </p:nvSpPr>
+        <p:spPr>
+          <a:xfrm>
+            <a:off x="6002168" y="6389806"/>
+            <a:ext cx="1388522" cy="261610"/>
+          </a:xfrm>
+          <a:prstGeom prst="rect">
+            <a:avLst/>
+          </a:prstGeom>
+          <a:noFill/>
+        </p:spPr>
+        <p:txBody>
+          <a:bodyPr wrap="none" rtlCol="0">
+            <a:spAutoFit/>
+          </a:bodyPr>
+          <a:lstStyle/>
+          <a:p>
+            <a:r>
+              <a:rPr lang="fr-FR" sz="1100" dirty="0"/>
+              <a:t>Publier commentaire</a:t>
+            </a:r>
+          </a:p>
+        </p:txBody>
+      </p:sp>
+      <p:pic>
+        <p:nvPicPr>
+          <p:cNvPr id="30" name="Image 29">
+            <a:extLst>
+              <a:ext uri="{FF2B5EF4-FFF2-40B4-BE49-F238E27FC236}">
+                <a16:creationId xmlns:a16="http://schemas.microsoft.com/office/drawing/2014/main" id="{23B9CAB5-1920-A448-B10E-770E7056C88B}"/>
+              </a:ext>
+            </a:extLst>
+          </p:cNvPr>
+          <p:cNvPicPr>
+            <a:picLocks noChangeAspect="1"/>
+          </p:cNvPicPr>
+          <p:nvPr/>
+        </p:nvPicPr>
+        <p:blipFill>
+          <a:blip r:embed="rId5"/>
+          <a:stretch>
+            <a:fillRect/>
+          </a:stretch>
+        </p:blipFill>
+        <p:spPr>
+          <a:xfrm>
+            <a:off x="1397784" y="49273"/>
+            <a:ext cx="3196745" cy="2059754"/>
+          </a:xfrm>
+          <a:prstGeom prst="rect">
+            <a:avLst/>
+          </a:prstGeom>
+        </p:spPr>
+      </p:pic>
+      <p:sp>
+        <p:nvSpPr>
+          <p:cNvPr id="14" name="ZoneTexte 13">
+            <a:extLst>
+              <a:ext uri="{FF2B5EF4-FFF2-40B4-BE49-F238E27FC236}">
+                <a16:creationId xmlns:a16="http://schemas.microsoft.com/office/drawing/2014/main" id="{6BE3421C-EE91-3E43-AF52-82ADD06D8B9B}"/>
+              </a:ext>
+            </a:extLst>
+          </p:cNvPr>
+          <p:cNvSpPr txBox="1"/>
+          <p:nvPr/>
+        </p:nvSpPr>
+        <p:spPr>
+          <a:xfrm>
+            <a:off x="2598450" y="2090086"/>
+            <a:ext cx="795411" cy="261610"/>
+          </a:xfrm>
+          <a:prstGeom prst="rect">
+            <a:avLst/>
+          </a:prstGeom>
+          <a:noFill/>
+        </p:spPr>
+        <p:txBody>
+          <a:bodyPr wrap="none" rtlCol="0">
+            <a:spAutoFit/>
+          </a:bodyPr>
+          <a:lstStyle/>
+          <a:p>
+            <a:r>
+              <a:rPr lang="fr-FR" sz="1100" dirty="0"/>
+              <a:t>Page Profil</a:t>
+            </a:r>
+          </a:p>
+        </p:txBody>
+      </p:sp>
+    </p:spTree>
+    <p:extLst>
+      <p:ext uri="{BB962C8B-B14F-4D97-AF65-F5344CB8AC3E}">
+        <p14:creationId xmlns:p14="http://schemas.microsoft.com/office/powerpoint/2010/main" val="1948615396"/>
+      </p:ext>
+    </p:extLst>
+  </p:cSld>
+  <p:clrMapOvr>
+    <a:masterClrMapping/>
+  </p:clrMapOvr>
+</p:sld>
+</file>
+
+<file path=ppt/slides/slide7.xml><?xml version="1.0" encoding="utf-8"?>
+<p:sld xmlns:a="http://schemas.openxmlformats.org/drawingml/2006/main" xmlns:r="http://schemas.openxmlformats.org/officeDocument/2006/relationships" xmlns:p="http://schemas.openxmlformats.org/presentationml/2006/main">
+  <p:cSld>
+    <p:spTree>
+      <p:nvGrpSpPr>
+        <p:cNvPr id="1" name=""/>
+        <p:cNvGrpSpPr/>
+        <p:nvPr/>
+      </p:nvGrpSpPr>
+      <p:grpSpPr>
+        <a:xfrm>
+          <a:off x="0" y="0"/>
+          <a:ext cx="0" cy="0"/>
+          <a:chOff x="0" y="0"/>
+          <a:chExt cx="0" cy="0"/>
+        </a:xfrm>
+      </p:grpSpPr>
+      <p:pic>
+        <p:nvPicPr>
+          <p:cNvPr id="16" name="Image 15">
+            <a:extLst>
+              <a:ext uri="{FF2B5EF4-FFF2-40B4-BE49-F238E27FC236}">
+                <a16:creationId xmlns:a16="http://schemas.microsoft.com/office/drawing/2014/main" id="{20A5BDAD-06BF-D244-9F90-E9579C48B9C5}"/>
+              </a:ext>
+            </a:extLst>
+          </p:cNvPr>
+          <p:cNvPicPr>
+            <a:picLocks noChangeAspect="1"/>
+          </p:cNvPicPr>
+          <p:nvPr/>
+        </p:nvPicPr>
+        <p:blipFill>
+          <a:blip r:embed="rId2"/>
+          <a:stretch>
+            <a:fillRect/>
+          </a:stretch>
+        </p:blipFill>
+        <p:spPr>
+          <a:xfrm>
+            <a:off x="304529" y="33624"/>
+            <a:ext cx="3426038" cy="2467819"/>
+          </a:xfrm>
+          <a:prstGeom prst="rect">
+            <a:avLst/>
+          </a:prstGeom>
+        </p:spPr>
+      </p:pic>
+      <p:pic>
+        <p:nvPicPr>
+          <p:cNvPr id="18" name="Image 17">
+            <a:extLst>
+              <a:ext uri="{FF2B5EF4-FFF2-40B4-BE49-F238E27FC236}">
+                <a16:creationId xmlns:a16="http://schemas.microsoft.com/office/drawing/2014/main" id="{B111D963-9134-FD49-84B9-6DF222CD6AA5}"/>
+              </a:ext>
+            </a:extLst>
+          </p:cNvPr>
+          <p:cNvPicPr>
+            <a:picLocks noChangeAspect="1"/>
+          </p:cNvPicPr>
+          <p:nvPr/>
+        </p:nvPicPr>
+        <p:blipFill>
+          <a:blip r:embed="rId3"/>
+          <a:stretch>
+            <a:fillRect/>
+          </a:stretch>
+        </p:blipFill>
+        <p:spPr>
+          <a:xfrm>
+            <a:off x="304529" y="3228275"/>
+            <a:ext cx="4523006" cy="3255996"/>
+          </a:xfrm>
+          <a:prstGeom prst="rect">
+            <a:avLst/>
+          </a:prstGeom>
+        </p:spPr>
+      </p:pic>
+      <p:sp>
+        <p:nvSpPr>
+          <p:cNvPr id="21" name="ZoneTexte 20">
+            <a:extLst>
+              <a:ext uri="{FF2B5EF4-FFF2-40B4-BE49-F238E27FC236}">
+                <a16:creationId xmlns:a16="http://schemas.microsoft.com/office/drawing/2014/main" id="{204EF9BC-4BAF-0746-813B-7AB93E1B4AA0}"/>
+              </a:ext>
+            </a:extLst>
+          </p:cNvPr>
+          <p:cNvSpPr txBox="1"/>
+          <p:nvPr/>
+        </p:nvSpPr>
+        <p:spPr>
+          <a:xfrm>
+            <a:off x="1925344" y="6484271"/>
+            <a:ext cx="1281376" cy="338554"/>
+          </a:xfrm>
+          <a:prstGeom prst="rect">
+            <a:avLst/>
+          </a:prstGeom>
+          <a:noFill/>
+        </p:spPr>
+        <p:txBody>
+          <a:bodyPr wrap="none" rtlCol="0">
+            <a:spAutoFit/>
+          </a:bodyPr>
+          <a:lstStyle/>
+          <a:p>
+            <a:r>
+              <a:rPr lang="fr-FR" sz="1600" dirty="0"/>
+              <a:t>Page Emplois</a:t>
+            </a:r>
+          </a:p>
+        </p:txBody>
+      </p:sp>
+      <p:sp>
+        <p:nvSpPr>
+          <p:cNvPr id="22" name="ZoneTexte 21">
+            <a:extLst>
+              <a:ext uri="{FF2B5EF4-FFF2-40B4-BE49-F238E27FC236}">
+                <a16:creationId xmlns:a16="http://schemas.microsoft.com/office/drawing/2014/main" id="{E1317A90-5C1D-DD42-99E5-7E174515CC3B}"/>
+              </a:ext>
+            </a:extLst>
+          </p:cNvPr>
+          <p:cNvSpPr txBox="1"/>
+          <p:nvPr/>
+        </p:nvSpPr>
+        <p:spPr>
+          <a:xfrm>
+            <a:off x="6015507" y="2975897"/>
+            <a:ext cx="1068049" cy="338554"/>
+          </a:xfrm>
+          <a:prstGeom prst="rect">
+            <a:avLst/>
+          </a:prstGeom>
+          <a:noFill/>
+        </p:spPr>
+        <p:txBody>
+          <a:bodyPr wrap="none" rtlCol="0">
+            <a:spAutoFit/>
+          </a:bodyPr>
+          <a:lstStyle/>
+          <a:p>
+            <a:r>
+              <a:rPr lang="fr-FR" sz="1600" dirty="0"/>
+              <a:t>Page profil</a:t>
+            </a:r>
+          </a:p>
+        </p:txBody>
+      </p:sp>
+      <p:cxnSp>
+        <p:nvCxnSpPr>
+          <p:cNvPr id="24" name="Connecteur droit avec flèche 23">
+            <a:extLst>
+              <a:ext uri="{FF2B5EF4-FFF2-40B4-BE49-F238E27FC236}">
+                <a16:creationId xmlns:a16="http://schemas.microsoft.com/office/drawing/2014/main" id="{B475A68A-091E-3646-80E3-5047E1541D03}"/>
+              </a:ext>
+            </a:extLst>
+          </p:cNvPr>
+          <p:cNvCxnSpPr>
+            <a:cxnSpLocks/>
+          </p:cNvCxnSpPr>
+          <p:nvPr/>
+        </p:nvCxnSpPr>
+        <p:spPr>
+          <a:xfrm flipH="1" flipV="1">
+            <a:off x="4314760" y="4704924"/>
+            <a:ext cx="692422" cy="130804"/>
+          </a:xfrm>
+          <a:prstGeom prst="straightConnector1">
+            <a:avLst/>
+          </a:prstGeom>
+          <a:ln>
+            <a:tailEnd type="triangle"/>
+          </a:ln>
+        </p:spPr>
+        <p:style>
+          <a:lnRef idx="1">
+            <a:schemeClr val="dk1"/>
+          </a:lnRef>
+          <a:fillRef idx="0">
+            <a:schemeClr val="dk1"/>
+          </a:fillRef>
+          <a:effectRef idx="0">
+            <a:schemeClr val="dk1"/>
+          </a:effectRef>
+          <a:fontRef idx="minor">
+            <a:schemeClr val="tx1"/>
+          </a:fontRef>
+        </p:style>
+      </p:cxnSp>
+      <p:sp>
+        <p:nvSpPr>
+          <p:cNvPr id="28" name="ZoneTexte 27">
+            <a:extLst>
+              <a:ext uri="{FF2B5EF4-FFF2-40B4-BE49-F238E27FC236}">
+                <a16:creationId xmlns:a16="http://schemas.microsoft.com/office/drawing/2014/main" id="{A98DAB9D-59A0-6343-9C9D-713C3165D99B}"/>
+              </a:ext>
+            </a:extLst>
+          </p:cNvPr>
+          <p:cNvSpPr txBox="1"/>
+          <p:nvPr/>
+        </p:nvSpPr>
+        <p:spPr>
+          <a:xfrm>
+            <a:off x="4906601" y="4725468"/>
+            <a:ext cx="1409360" cy="261610"/>
+          </a:xfrm>
+          <a:prstGeom prst="rect">
+            <a:avLst/>
+          </a:prstGeom>
+          <a:noFill/>
+        </p:spPr>
+        <p:txBody>
+          <a:bodyPr wrap="none" rtlCol="0">
+            <a:spAutoFit/>
+          </a:bodyPr>
+          <a:lstStyle/>
+          <a:p>
+            <a:r>
+              <a:rPr lang="fr-FR" sz="1100" dirty="0"/>
+              <a:t>Postuler à l’emplois 4</a:t>
+            </a:r>
+          </a:p>
+        </p:txBody>
+      </p:sp>
+      <p:cxnSp>
+        <p:nvCxnSpPr>
+          <p:cNvPr id="30" name="Connecteur droit avec flèche 29">
+            <a:extLst>
+              <a:ext uri="{FF2B5EF4-FFF2-40B4-BE49-F238E27FC236}">
+                <a16:creationId xmlns:a16="http://schemas.microsoft.com/office/drawing/2014/main" id="{47F67BD1-ACF4-C143-ADD9-626FEB5CA7FA}"/>
+              </a:ext>
+            </a:extLst>
+          </p:cNvPr>
+          <p:cNvCxnSpPr>
+            <a:cxnSpLocks/>
+          </p:cNvCxnSpPr>
+          <p:nvPr/>
+        </p:nvCxnSpPr>
+        <p:spPr>
+          <a:xfrm flipH="1" flipV="1">
+            <a:off x="3240340" y="3940663"/>
+            <a:ext cx="1766842" cy="345999"/>
+          </a:xfrm>
+          <a:prstGeom prst="straightConnector1">
+            <a:avLst/>
+          </a:prstGeom>
+          <a:ln>
+            <a:tailEnd type="triangle"/>
+          </a:ln>
+        </p:spPr>
+        <p:style>
+          <a:lnRef idx="1">
+            <a:schemeClr val="dk1"/>
+          </a:lnRef>
+          <a:fillRef idx="0">
+            <a:schemeClr val="dk1"/>
+          </a:fillRef>
+          <a:effectRef idx="0">
+            <a:schemeClr val="dk1"/>
+          </a:effectRef>
+          <a:fontRef idx="minor">
+            <a:schemeClr val="tx1"/>
+          </a:fontRef>
+        </p:style>
+      </p:cxnSp>
+      <p:sp>
+        <p:nvSpPr>
+          <p:cNvPr id="32" name="ZoneTexte 31">
+            <a:extLst>
+              <a:ext uri="{FF2B5EF4-FFF2-40B4-BE49-F238E27FC236}">
+                <a16:creationId xmlns:a16="http://schemas.microsoft.com/office/drawing/2014/main" id="{45573C58-2680-4D4F-93E6-A13921D378A7}"/>
+              </a:ext>
+            </a:extLst>
+          </p:cNvPr>
+          <p:cNvSpPr txBox="1"/>
+          <p:nvPr/>
+        </p:nvSpPr>
+        <p:spPr>
+          <a:xfrm>
+            <a:off x="4949759" y="4168918"/>
+            <a:ext cx="1162274" cy="430887"/>
+          </a:xfrm>
+          <a:prstGeom prst="rect">
+            <a:avLst/>
+          </a:prstGeom>
+          <a:noFill/>
+        </p:spPr>
+        <p:txBody>
+          <a:bodyPr wrap="square" rtlCol="0">
+            <a:spAutoFit/>
+          </a:bodyPr>
+          <a:lstStyle/>
+          <a:p>
+            <a:r>
+              <a:rPr lang="fr-FR" sz="1100" dirty="0"/>
+              <a:t>Choix du secteur d’activité</a:t>
+            </a:r>
+          </a:p>
+        </p:txBody>
+      </p:sp>
+      <p:pic>
+        <p:nvPicPr>
+          <p:cNvPr id="33" name="Image 32">
+            <a:extLst>
+              <a:ext uri="{FF2B5EF4-FFF2-40B4-BE49-F238E27FC236}">
+                <a16:creationId xmlns:a16="http://schemas.microsoft.com/office/drawing/2014/main" id="{7C0EB96B-F26D-784A-8D5B-80D27820E8F2}"/>
+              </a:ext>
+            </a:extLst>
+          </p:cNvPr>
+          <p:cNvPicPr>
+            <a:picLocks noChangeAspect="1"/>
+          </p:cNvPicPr>
+          <p:nvPr/>
+        </p:nvPicPr>
+        <p:blipFill>
+          <a:blip r:embed="rId4"/>
+          <a:stretch>
+            <a:fillRect/>
+          </a:stretch>
+        </p:blipFill>
+        <p:spPr>
+          <a:xfrm>
+            <a:off x="4627799" y="192872"/>
+            <a:ext cx="3843466" cy="2762491"/>
+          </a:xfrm>
+          <a:prstGeom prst="rect">
+            <a:avLst/>
+          </a:prstGeom>
+        </p:spPr>
+      </p:pic>
+      <p:cxnSp>
+        <p:nvCxnSpPr>
+          <p:cNvPr id="35" name="Connecteur droit avec flèche 34">
+            <a:extLst>
+              <a:ext uri="{FF2B5EF4-FFF2-40B4-BE49-F238E27FC236}">
+                <a16:creationId xmlns:a16="http://schemas.microsoft.com/office/drawing/2014/main" id="{CB6E3177-7EFF-1D47-BBB9-AD985F4F628C}"/>
+              </a:ext>
+            </a:extLst>
+          </p:cNvPr>
+          <p:cNvCxnSpPr>
+            <a:cxnSpLocks/>
+          </p:cNvCxnSpPr>
+          <p:nvPr/>
+        </p:nvCxnSpPr>
+        <p:spPr>
+          <a:xfrm flipH="1" flipV="1">
+            <a:off x="3730569" y="1159085"/>
+            <a:ext cx="1096966" cy="207260"/>
+          </a:xfrm>
+          <a:prstGeom prst="straightConnector1">
+            <a:avLst/>
+          </a:prstGeom>
+          <a:ln>
+            <a:tailEnd type="triangle"/>
+          </a:ln>
+        </p:spPr>
+        <p:style>
+          <a:lnRef idx="1">
+            <a:schemeClr val="dk1"/>
+          </a:lnRef>
+          <a:fillRef idx="0">
+            <a:schemeClr val="dk1"/>
+          </a:fillRef>
+          <a:effectRef idx="0">
+            <a:schemeClr val="dk1"/>
+          </a:effectRef>
+          <a:fontRef idx="minor">
+            <a:schemeClr val="tx1"/>
+          </a:fontRef>
+        </p:style>
+      </p:cxnSp>
+      <p:cxnSp>
+        <p:nvCxnSpPr>
+          <p:cNvPr id="37" name="Connecteur droit avec flèche 36">
+            <a:extLst>
+              <a:ext uri="{FF2B5EF4-FFF2-40B4-BE49-F238E27FC236}">
+                <a16:creationId xmlns:a16="http://schemas.microsoft.com/office/drawing/2014/main" id="{151658B5-185A-A643-927B-5C0D41BEF00B}"/>
+              </a:ext>
+            </a:extLst>
+          </p:cNvPr>
+          <p:cNvCxnSpPr>
+            <a:cxnSpLocks/>
+          </p:cNvCxnSpPr>
+          <p:nvPr/>
+        </p:nvCxnSpPr>
+        <p:spPr>
+          <a:xfrm flipH="1">
+            <a:off x="7031439" y="1063580"/>
+            <a:ext cx="1639676" cy="464424"/>
+          </a:xfrm>
+          <a:prstGeom prst="straightConnector1">
+            <a:avLst/>
+          </a:prstGeom>
+          <a:ln>
+            <a:tailEnd type="triangle"/>
+          </a:ln>
+        </p:spPr>
+        <p:style>
+          <a:lnRef idx="1">
+            <a:schemeClr val="dk1"/>
+          </a:lnRef>
+          <a:fillRef idx="0">
+            <a:schemeClr val="dk1"/>
+          </a:fillRef>
+          <a:effectRef idx="0">
+            <a:schemeClr val="dk1"/>
+          </a:effectRef>
+          <a:fontRef idx="minor">
+            <a:schemeClr val="tx1"/>
+          </a:fontRef>
+        </p:style>
+      </p:cxnSp>
+      <p:cxnSp>
+        <p:nvCxnSpPr>
+          <p:cNvPr id="42" name="Connecteur droit avec flèche 41">
+            <a:extLst>
+              <a:ext uri="{FF2B5EF4-FFF2-40B4-BE49-F238E27FC236}">
+                <a16:creationId xmlns:a16="http://schemas.microsoft.com/office/drawing/2014/main" id="{D67896BB-FB5E-784E-A25B-DCDBC85ACC3C}"/>
+              </a:ext>
+            </a:extLst>
+          </p:cNvPr>
+          <p:cNvCxnSpPr>
+            <a:cxnSpLocks/>
+          </p:cNvCxnSpPr>
+          <p:nvPr/>
+        </p:nvCxnSpPr>
+        <p:spPr>
+          <a:xfrm flipH="1">
+            <a:off x="6999926" y="1063580"/>
+            <a:ext cx="1671189" cy="1196596"/>
+          </a:xfrm>
+          <a:prstGeom prst="straightConnector1">
+            <a:avLst/>
+          </a:prstGeom>
+          <a:ln>
+            <a:tailEnd type="triangle"/>
+          </a:ln>
+        </p:spPr>
+        <p:style>
+          <a:lnRef idx="1">
+            <a:schemeClr val="dk1"/>
+          </a:lnRef>
+          <a:fillRef idx="0">
+            <a:schemeClr val="dk1"/>
+          </a:fillRef>
+          <a:effectRef idx="0">
+            <a:schemeClr val="dk1"/>
+          </a:effectRef>
+          <a:fontRef idx="minor">
+            <a:schemeClr val="tx1"/>
+          </a:fontRef>
+        </p:style>
+      </p:cxnSp>
+      <p:sp>
+        <p:nvSpPr>
+          <p:cNvPr id="46" name="ZoneTexte 45">
+            <a:extLst>
+              <a:ext uri="{FF2B5EF4-FFF2-40B4-BE49-F238E27FC236}">
+                <a16:creationId xmlns:a16="http://schemas.microsoft.com/office/drawing/2014/main" id="{447A0539-5231-5142-8DD2-EC31339673AF}"/>
+              </a:ext>
+            </a:extLst>
+          </p:cNvPr>
+          <p:cNvSpPr txBox="1"/>
+          <p:nvPr/>
+        </p:nvSpPr>
+        <p:spPr>
+          <a:xfrm>
+            <a:off x="8623452" y="887773"/>
+            <a:ext cx="2020204" cy="430887"/>
+          </a:xfrm>
+          <a:prstGeom prst="rect">
+            <a:avLst/>
+          </a:prstGeom>
+          <a:noFill/>
+        </p:spPr>
+        <p:txBody>
+          <a:bodyPr wrap="square" rtlCol="0">
+            <a:spAutoFit/>
+          </a:bodyPr>
+          <a:lstStyle/>
+          <a:p>
+            <a:r>
+              <a:rPr lang="fr-FR" sz="1100" dirty="0"/>
+              <a:t>Modification des informations du profil de l’utilisateur</a:t>
+            </a:r>
+          </a:p>
+        </p:txBody>
+      </p:sp>
+      <p:sp>
+        <p:nvSpPr>
+          <p:cNvPr id="2" name="Rectangle 1">
+            <a:extLst>
+              <a:ext uri="{FF2B5EF4-FFF2-40B4-BE49-F238E27FC236}">
+                <a16:creationId xmlns:a16="http://schemas.microsoft.com/office/drawing/2014/main" id="{910E9C1B-8C69-D442-9EC5-668B15C96DEC}"/>
+              </a:ext>
+            </a:extLst>
+          </p:cNvPr>
+          <p:cNvSpPr/>
+          <p:nvPr/>
+        </p:nvSpPr>
+        <p:spPr>
+          <a:xfrm>
+            <a:off x="8240902" y="6355826"/>
+            <a:ext cx="1193725" cy="369332"/>
+          </a:xfrm>
+          <a:prstGeom prst="rect">
+            <a:avLst/>
+          </a:prstGeom>
+        </p:spPr>
+        <p:txBody>
+          <a:bodyPr wrap="none">
+            <a:spAutoFit/>
+          </a:bodyPr>
+          <a:lstStyle/>
+          <a:p>
+            <a:r>
+              <a:rPr lang="fr-FR" sz="1600" dirty="0"/>
+              <a:t>Page</a:t>
+            </a:r>
+            <a:r>
+              <a:rPr lang="fr-FR" dirty="0"/>
+              <a:t> </a:t>
+            </a:r>
+            <a:r>
+              <a:rPr lang="fr-FR" sz="1600" dirty="0"/>
+              <a:t>réseau</a:t>
+            </a:r>
+          </a:p>
+        </p:txBody>
+      </p:sp>
+      <p:pic>
+        <p:nvPicPr>
+          <p:cNvPr id="19" name="Image 18">
+            <a:extLst>
+              <a:ext uri="{FF2B5EF4-FFF2-40B4-BE49-F238E27FC236}">
+                <a16:creationId xmlns:a16="http://schemas.microsoft.com/office/drawing/2014/main" id="{5DEA01D3-F628-454A-A369-C6C147B0F526}"/>
+              </a:ext>
+            </a:extLst>
+          </p:cNvPr>
+          <p:cNvPicPr>
+            <a:picLocks noChangeAspect="1"/>
+          </p:cNvPicPr>
+          <p:nvPr/>
+        </p:nvPicPr>
+        <p:blipFill>
+          <a:blip r:embed="rId5"/>
+          <a:stretch>
+            <a:fillRect/>
+          </a:stretch>
+        </p:blipFill>
+        <p:spPr>
+          <a:xfrm>
+            <a:off x="7031439" y="3755167"/>
+            <a:ext cx="3612653" cy="2600659"/>
+          </a:xfrm>
+          <a:prstGeom prst="rect">
+            <a:avLst/>
+          </a:prstGeom>
+        </p:spPr>
+      </p:pic>
+      <p:sp>
+        <p:nvSpPr>
+          <p:cNvPr id="5" name="Rectangle 4">
+            <a:extLst>
+              <a:ext uri="{FF2B5EF4-FFF2-40B4-BE49-F238E27FC236}">
+                <a16:creationId xmlns:a16="http://schemas.microsoft.com/office/drawing/2014/main" id="{E627B0F0-CB4A-534F-9FDF-5B1FCC028441}"/>
+              </a:ext>
+            </a:extLst>
+          </p:cNvPr>
+          <p:cNvSpPr/>
+          <p:nvPr/>
+        </p:nvSpPr>
+        <p:spPr>
+          <a:xfrm>
+            <a:off x="10480046" y="2970337"/>
+            <a:ext cx="1711954" cy="600164"/>
+          </a:xfrm>
+          <a:prstGeom prst="rect">
+            <a:avLst/>
+          </a:prstGeom>
+        </p:spPr>
+        <p:txBody>
+          <a:bodyPr wrap="square">
+            <a:spAutoFit/>
+          </a:bodyPr>
+          <a:lstStyle/>
+          <a:p>
+            <a:r>
+              <a:rPr lang="fr-FR" sz="1100" dirty="0"/>
+              <a:t>Situation pro de la personne appartenant au réseau de l’utilisateur</a:t>
+            </a:r>
+          </a:p>
+        </p:txBody>
+      </p:sp>
+      <p:cxnSp>
+        <p:nvCxnSpPr>
+          <p:cNvPr id="23" name="Connecteur droit avec flèche 22">
+            <a:extLst>
+              <a:ext uri="{FF2B5EF4-FFF2-40B4-BE49-F238E27FC236}">
+                <a16:creationId xmlns:a16="http://schemas.microsoft.com/office/drawing/2014/main" id="{90620DE6-407D-E644-8995-0F7CC6057ABA}"/>
+              </a:ext>
+            </a:extLst>
+          </p:cNvPr>
+          <p:cNvCxnSpPr>
+            <a:cxnSpLocks/>
+          </p:cNvCxnSpPr>
+          <p:nvPr/>
+        </p:nvCxnSpPr>
+        <p:spPr>
+          <a:xfrm flipH="1">
+            <a:off x="9313287" y="3503048"/>
+            <a:ext cx="1166759" cy="1159840"/>
+          </a:xfrm>
+          <a:prstGeom prst="straightConnector1">
+            <a:avLst/>
+          </a:prstGeom>
+          <a:ln>
+            <a:tailEnd type="triangle"/>
+          </a:ln>
+        </p:spPr>
+        <p:style>
+          <a:lnRef idx="1">
+            <a:schemeClr val="dk1"/>
+          </a:lnRef>
+          <a:fillRef idx="0">
+            <a:schemeClr val="dk1"/>
+          </a:fillRef>
+          <a:effectRef idx="0">
+            <a:schemeClr val="dk1"/>
+          </a:effectRef>
+          <a:fontRef idx="minor">
+            <a:schemeClr val="tx1"/>
+          </a:fontRef>
+        </p:style>
+      </p:cxnSp>
+      <p:cxnSp>
+        <p:nvCxnSpPr>
+          <p:cNvPr id="25" name="Connecteur droit avec flèche 24">
+            <a:extLst>
+              <a:ext uri="{FF2B5EF4-FFF2-40B4-BE49-F238E27FC236}">
+                <a16:creationId xmlns:a16="http://schemas.microsoft.com/office/drawing/2014/main" id="{2B7EB48C-973B-7D46-A09B-ACA315A1B1E0}"/>
+              </a:ext>
+            </a:extLst>
+          </p:cNvPr>
+          <p:cNvCxnSpPr>
+            <a:cxnSpLocks/>
+          </p:cNvCxnSpPr>
+          <p:nvPr/>
+        </p:nvCxnSpPr>
+        <p:spPr>
+          <a:xfrm flipH="1" flipV="1">
+            <a:off x="9897136" y="4770327"/>
+            <a:ext cx="855976" cy="285169"/>
+          </a:xfrm>
+          <a:prstGeom prst="straightConnector1">
+            <a:avLst/>
+          </a:prstGeom>
+          <a:ln>
+            <a:tailEnd type="triangle"/>
+          </a:ln>
+        </p:spPr>
+        <p:style>
+          <a:lnRef idx="1">
+            <a:schemeClr val="dk1"/>
+          </a:lnRef>
+          <a:fillRef idx="0">
+            <a:schemeClr val="dk1"/>
+          </a:fillRef>
+          <a:effectRef idx="0">
+            <a:schemeClr val="dk1"/>
+          </a:effectRef>
+          <a:fontRef idx="minor">
+            <a:schemeClr val="tx1"/>
+          </a:fontRef>
+        </p:style>
+      </p:cxnSp>
+      <p:sp>
+        <p:nvSpPr>
+          <p:cNvPr id="14" name="Rectangle 13">
+            <a:extLst>
+              <a:ext uri="{FF2B5EF4-FFF2-40B4-BE49-F238E27FC236}">
+                <a16:creationId xmlns:a16="http://schemas.microsoft.com/office/drawing/2014/main" id="{46FB0E40-22E7-024A-BAE0-F500BB6B8F5A}"/>
+              </a:ext>
+            </a:extLst>
+          </p:cNvPr>
+          <p:cNvSpPr/>
+          <p:nvPr/>
+        </p:nvSpPr>
+        <p:spPr>
+          <a:xfrm>
+            <a:off x="10742985" y="4985297"/>
+            <a:ext cx="1233169" cy="600164"/>
+          </a:xfrm>
+          <a:prstGeom prst="rect">
+            <a:avLst/>
+          </a:prstGeom>
+        </p:spPr>
+        <p:txBody>
+          <a:bodyPr wrap="square">
+            <a:spAutoFit/>
+          </a:bodyPr>
+          <a:lstStyle/>
+          <a:p>
+            <a:r>
+              <a:rPr lang="fr-FR" sz="1100" dirty="0"/>
+              <a:t>Supprimer un ami du réseau de l’utilisateur </a:t>
+            </a:r>
+          </a:p>
+        </p:txBody>
+      </p:sp>
+      <p:cxnSp>
+        <p:nvCxnSpPr>
+          <p:cNvPr id="34" name="Connecteur droit avec flèche 33">
+            <a:extLst>
+              <a:ext uri="{FF2B5EF4-FFF2-40B4-BE49-F238E27FC236}">
+                <a16:creationId xmlns:a16="http://schemas.microsoft.com/office/drawing/2014/main" id="{E474B62A-9585-164A-83E7-6F8A84D99762}"/>
+              </a:ext>
+            </a:extLst>
+          </p:cNvPr>
+          <p:cNvCxnSpPr>
+            <a:cxnSpLocks/>
+          </p:cNvCxnSpPr>
+          <p:nvPr/>
+        </p:nvCxnSpPr>
+        <p:spPr>
+          <a:xfrm flipH="1">
+            <a:off x="7707977" y="3267779"/>
+            <a:ext cx="1186363" cy="1116583"/>
+          </a:xfrm>
+          <a:prstGeom prst="straightConnector1">
+            <a:avLst/>
+          </a:prstGeom>
+          <a:ln>
+            <a:tailEnd type="triangle"/>
+          </a:ln>
+        </p:spPr>
+        <p:style>
+          <a:lnRef idx="1">
+            <a:schemeClr val="dk1"/>
+          </a:lnRef>
+          <a:fillRef idx="0">
+            <a:schemeClr val="dk1"/>
+          </a:fillRef>
+          <a:effectRef idx="0">
+            <a:schemeClr val="dk1"/>
+          </a:effectRef>
+          <a:fontRef idx="minor">
+            <a:schemeClr val="tx1"/>
+          </a:fontRef>
+        </p:style>
+      </p:cxnSp>
+      <p:sp>
+        <p:nvSpPr>
+          <p:cNvPr id="31" name="Rectangle 30">
+            <a:extLst>
+              <a:ext uri="{FF2B5EF4-FFF2-40B4-BE49-F238E27FC236}">
+                <a16:creationId xmlns:a16="http://schemas.microsoft.com/office/drawing/2014/main" id="{55EABD8C-25DF-5046-B3F4-228536ECC603}"/>
+              </a:ext>
+            </a:extLst>
+          </p:cNvPr>
+          <p:cNvSpPr/>
+          <p:nvPr/>
+        </p:nvSpPr>
+        <p:spPr>
+          <a:xfrm>
+            <a:off x="8805426" y="2737814"/>
+            <a:ext cx="1577168" cy="600164"/>
+          </a:xfrm>
+          <a:prstGeom prst="rect">
+            <a:avLst/>
+          </a:prstGeom>
+        </p:spPr>
+        <p:txBody>
+          <a:bodyPr wrap="square">
+            <a:spAutoFit/>
+          </a:bodyPr>
+          <a:lstStyle/>
+          <a:p>
+            <a:r>
+              <a:rPr lang="fr-FR" sz="1100" dirty="0"/>
+              <a:t>Bouton d’ajout d’un amis dans le réseau de l’utilisateur</a:t>
+            </a:r>
+          </a:p>
+        </p:txBody>
+      </p:sp>
+    </p:spTree>
+    <p:extLst>
+      <p:ext uri="{BB962C8B-B14F-4D97-AF65-F5344CB8AC3E}">
+        <p14:creationId xmlns:p14="http://schemas.microsoft.com/office/powerpoint/2010/main" val="2071720244"/>
+      </p:ext>
+    </p:extLst>
+  </p:cSld>
+  <p:clrMapOvr>
+    <a:masterClrMapping/>
+  </p:clrMapOvr>
+</p:sld>
+</file>
+
+<file path=ppt/slides/slide8.xml><?xml version="1.0" encoding="utf-8"?>
+<p:sld xmlns:a="http://schemas.openxmlformats.org/drawingml/2006/main" xmlns:r="http://schemas.openxmlformats.org/officeDocument/2006/relationships" xmlns:p="http://schemas.openxmlformats.org/presentationml/2006/main">
+  <p:cSld>
+    <p:spTree>
+      <p:nvGrpSpPr>
+        <p:cNvPr id="1" name=""/>
+        <p:cNvGrpSpPr/>
+        <p:nvPr/>
+      </p:nvGrpSpPr>
+      <p:grpSpPr>
+        <a:xfrm>
+          <a:off x="0" y="0"/>
+          <a:ext cx="0" cy="0"/>
+          <a:chOff x="0" y="0"/>
+          <a:chExt cx="0" cy="0"/>
+        </a:xfrm>
+      </p:grpSpPr>
       <p:sp>
         <p:nvSpPr>
           <p:cNvPr id="2" name="Titre 1">
             <a:extLst>
               <a:ext uri="{FF2B5EF4-FFF2-40B4-BE49-F238E27FC236}">
-                <a16:creationId xmlns:a16="http://schemas.microsoft.com/office/drawing/2014/main" id="{1DA7D87A-49EA-F44B-95A4-9BACA2BB50B8}"/>
+                <a16:creationId xmlns:a16="http://schemas.microsoft.com/office/drawing/2014/main" id="{3EB89D3F-42F0-0B49-B49A-921EC6B3CE1A}"/>
               </a:ext>
             </a:extLst>
           </p:cNvPr>
@@ -4880,7 +7103,12 @@
             <p:ph type="title"/>
           </p:nvPr>
         </p:nvSpPr>
-        <p:spPr/>
+        <p:spPr>
+          <a:xfrm>
+            <a:off x="838200" y="365125"/>
+            <a:ext cx="10515600" cy="835025"/>
+          </a:xfrm>
+        </p:spPr>
         <p:txBody>
           <a:bodyPr/>
           <a:lstStyle/>
@@ -4888,7 +7116,1146 @@
             <a:pPr algn="ctr"/>
             <a:r>
               <a:rPr lang="fr-FR" dirty="0"/>
-              <a:t>Bilan Collectif</a:t>
+              <a:t>Spécification fonctionnel</a:t>
+            </a:r>
+          </a:p>
+        </p:txBody>
+      </p:sp>
+      <p:sp>
+        <p:nvSpPr>
+          <p:cNvPr id="4" name="ZoneTexte 3">
+            <a:extLst>
+              <a:ext uri="{FF2B5EF4-FFF2-40B4-BE49-F238E27FC236}">
+                <a16:creationId xmlns:a16="http://schemas.microsoft.com/office/drawing/2014/main" id="{6AE53575-56DF-5744-AF85-E8C50B586BAE}"/>
+              </a:ext>
+            </a:extLst>
+          </p:cNvPr>
+          <p:cNvSpPr txBox="1"/>
+          <p:nvPr/>
+        </p:nvSpPr>
+        <p:spPr>
+          <a:xfrm>
+            <a:off x="1028699" y="1371600"/>
+            <a:ext cx="10044113" cy="523220"/>
+          </a:xfrm>
+          <a:prstGeom prst="rect">
+            <a:avLst/>
+          </a:prstGeom>
+          <a:noFill/>
+        </p:spPr>
+        <p:txBody>
+          <a:bodyPr wrap="square" rtlCol="0">
+            <a:spAutoFit/>
+          </a:bodyPr>
+          <a:lstStyle/>
+          <a:p>
+            <a:pPr marL="285750" indent="-285750">
+              <a:buFont typeface="Wingdings" pitchFamily="2" charset="2"/>
+              <a:buChar char="à"/>
+            </a:pPr>
+            <a:r>
+              <a:rPr lang="fr-FR" sz="1400" dirty="0">
+                <a:sym typeface="Wingdings" pitchFamily="2" charset="2"/>
+              </a:rPr>
+              <a:t>Concernant le design de notre site, nous avons utilisé Bootstrap qui est un Framework alliant html et CSS permettant un graphisme plus précis et des meilleurs interactions entre les différentes page de notre réseau social. </a:t>
+            </a:r>
+          </a:p>
+        </p:txBody>
+      </p:sp>
+      <p:pic>
+        <p:nvPicPr>
+          <p:cNvPr id="5" name="Image 4">
+            <a:extLst>
+              <a:ext uri="{FF2B5EF4-FFF2-40B4-BE49-F238E27FC236}">
+                <a16:creationId xmlns:a16="http://schemas.microsoft.com/office/drawing/2014/main" id="{C33D1FF0-4663-4BB2-97BE-B2B043B3E315}"/>
+              </a:ext>
+            </a:extLst>
+          </p:cNvPr>
+          <p:cNvPicPr>
+            <a:picLocks noChangeAspect="1"/>
+          </p:cNvPicPr>
+          <p:nvPr/>
+        </p:nvPicPr>
+        <p:blipFill>
+          <a:blip r:embed="rId2"/>
+          <a:stretch>
+            <a:fillRect/>
+          </a:stretch>
+        </p:blipFill>
+        <p:spPr>
+          <a:xfrm>
+            <a:off x="1028699" y="1894820"/>
+            <a:ext cx="9203602" cy="4592833"/>
+          </a:xfrm>
+          <a:prstGeom prst="rect">
+            <a:avLst/>
+          </a:prstGeom>
+        </p:spPr>
+      </p:pic>
+      <p:cxnSp>
+        <p:nvCxnSpPr>
+          <p:cNvPr id="9" name="Connecteur droit avec flèche 8">
+            <a:extLst>
+              <a:ext uri="{FF2B5EF4-FFF2-40B4-BE49-F238E27FC236}">
+                <a16:creationId xmlns:a16="http://schemas.microsoft.com/office/drawing/2014/main" id="{0C152E32-E851-4E0B-9C32-EA5FCBB815B6}"/>
+              </a:ext>
+            </a:extLst>
+          </p:cNvPr>
+          <p:cNvCxnSpPr/>
+          <p:nvPr/>
+        </p:nvCxnSpPr>
+        <p:spPr>
+          <a:xfrm flipH="1" flipV="1">
+            <a:off x="7831667" y="2066270"/>
+            <a:ext cx="2861733" cy="219730"/>
+          </a:xfrm>
+          <a:prstGeom prst="straightConnector1">
+            <a:avLst/>
+          </a:prstGeom>
+          <a:ln>
+            <a:tailEnd type="triangle"/>
+          </a:ln>
+        </p:spPr>
+        <p:style>
+          <a:lnRef idx="1">
+            <a:schemeClr val="dk1"/>
+          </a:lnRef>
+          <a:fillRef idx="0">
+            <a:schemeClr val="dk1"/>
+          </a:fillRef>
+          <a:effectRef idx="0">
+            <a:schemeClr val="dk1"/>
+          </a:effectRef>
+          <a:fontRef idx="minor">
+            <a:schemeClr val="tx1"/>
+          </a:fontRef>
+        </p:style>
+      </p:cxnSp>
+      <p:sp>
+        <p:nvSpPr>
+          <p:cNvPr id="10" name="ZoneTexte 9">
+            <a:extLst>
+              <a:ext uri="{FF2B5EF4-FFF2-40B4-BE49-F238E27FC236}">
+                <a16:creationId xmlns:a16="http://schemas.microsoft.com/office/drawing/2014/main" id="{9A02A016-0F38-491D-AA87-157D76823FD1}"/>
+              </a:ext>
+            </a:extLst>
+          </p:cNvPr>
+          <p:cNvSpPr txBox="1"/>
+          <p:nvPr/>
+        </p:nvSpPr>
+        <p:spPr>
+          <a:xfrm>
+            <a:off x="10693400" y="2192867"/>
+            <a:ext cx="1498600" cy="646331"/>
+          </a:xfrm>
+          <a:prstGeom prst="rect">
+            <a:avLst/>
+          </a:prstGeom>
+          <a:noFill/>
+        </p:spPr>
+        <p:txBody>
+          <a:bodyPr wrap="square" rtlCol="0">
+            <a:spAutoFit/>
+          </a:bodyPr>
+          <a:lstStyle/>
+          <a:p>
+            <a:r>
+              <a:rPr lang="fr-FR" sz="1200" dirty="0"/>
+              <a:t>Bar de Navigation de type </a:t>
+            </a:r>
+            <a:r>
+              <a:rPr lang="fr-FR" sz="1200" dirty="0" err="1"/>
+              <a:t>navbar</a:t>
+            </a:r>
+            <a:r>
+              <a:rPr lang="fr-FR" sz="1200" dirty="0"/>
+              <a:t> </a:t>
+            </a:r>
+            <a:r>
+              <a:rPr lang="fr-FR" sz="1200" dirty="0" err="1"/>
+              <a:t>navbar</a:t>
+            </a:r>
+            <a:r>
+              <a:rPr lang="fr-FR" sz="1200" dirty="0"/>
+              <a:t> </a:t>
+            </a:r>
+            <a:r>
+              <a:rPr lang="fr-FR" sz="1200" dirty="0" err="1"/>
+              <a:t>invers</a:t>
+            </a:r>
+            <a:r>
+              <a:rPr lang="fr-FR" sz="1200" dirty="0"/>
+              <a:t>: Bootstrap</a:t>
+            </a:r>
+            <a:endParaRPr lang="fr-FR" sz="1100" dirty="0"/>
+          </a:p>
+        </p:txBody>
+      </p:sp>
+      <p:cxnSp>
+        <p:nvCxnSpPr>
+          <p:cNvPr id="12" name="Connecteur droit avec flèche 11">
+            <a:extLst>
+              <a:ext uri="{FF2B5EF4-FFF2-40B4-BE49-F238E27FC236}">
+                <a16:creationId xmlns:a16="http://schemas.microsoft.com/office/drawing/2014/main" id="{F621F9ED-881B-4491-9472-D255536E549D}"/>
+              </a:ext>
+            </a:extLst>
+          </p:cNvPr>
+          <p:cNvCxnSpPr/>
+          <p:nvPr/>
+        </p:nvCxnSpPr>
+        <p:spPr>
+          <a:xfrm flipH="1" flipV="1">
+            <a:off x="9906000" y="2066270"/>
+            <a:ext cx="711200" cy="1371197"/>
+          </a:xfrm>
+          <a:prstGeom prst="straightConnector1">
+            <a:avLst/>
+          </a:prstGeom>
+          <a:ln>
+            <a:tailEnd type="triangle"/>
+          </a:ln>
+        </p:spPr>
+        <p:style>
+          <a:lnRef idx="1">
+            <a:schemeClr val="dk1"/>
+          </a:lnRef>
+          <a:fillRef idx="0">
+            <a:schemeClr val="dk1"/>
+          </a:fillRef>
+          <a:effectRef idx="0">
+            <a:schemeClr val="dk1"/>
+          </a:effectRef>
+          <a:fontRef idx="minor">
+            <a:schemeClr val="tx1"/>
+          </a:fontRef>
+        </p:style>
+      </p:cxnSp>
+      <p:cxnSp>
+        <p:nvCxnSpPr>
+          <p:cNvPr id="14" name="Connecteur droit avec flèche 13">
+            <a:extLst>
+              <a:ext uri="{FF2B5EF4-FFF2-40B4-BE49-F238E27FC236}">
+                <a16:creationId xmlns:a16="http://schemas.microsoft.com/office/drawing/2014/main" id="{1E548C35-F6E8-4BD2-BD55-1A1A35B499BD}"/>
+              </a:ext>
+            </a:extLst>
+          </p:cNvPr>
+          <p:cNvCxnSpPr/>
+          <p:nvPr/>
+        </p:nvCxnSpPr>
+        <p:spPr>
+          <a:xfrm flipH="1" flipV="1">
+            <a:off x="7484533" y="3056467"/>
+            <a:ext cx="3132667" cy="381000"/>
+          </a:xfrm>
+          <a:prstGeom prst="straightConnector1">
+            <a:avLst/>
+          </a:prstGeom>
+          <a:ln>
+            <a:tailEnd type="triangle"/>
+          </a:ln>
+        </p:spPr>
+        <p:style>
+          <a:lnRef idx="1">
+            <a:schemeClr val="dk1"/>
+          </a:lnRef>
+          <a:fillRef idx="0">
+            <a:schemeClr val="dk1"/>
+          </a:fillRef>
+          <a:effectRef idx="0">
+            <a:schemeClr val="dk1"/>
+          </a:effectRef>
+          <a:fontRef idx="minor">
+            <a:schemeClr val="tx1"/>
+          </a:fontRef>
+        </p:style>
+      </p:cxnSp>
+      <p:cxnSp>
+        <p:nvCxnSpPr>
+          <p:cNvPr id="16" name="Connecteur droit avec flèche 15">
+            <a:extLst>
+              <a:ext uri="{FF2B5EF4-FFF2-40B4-BE49-F238E27FC236}">
+                <a16:creationId xmlns:a16="http://schemas.microsoft.com/office/drawing/2014/main" id="{C6DCFB86-3008-4113-B077-EA25F427DF3B}"/>
+              </a:ext>
+            </a:extLst>
+          </p:cNvPr>
+          <p:cNvCxnSpPr/>
+          <p:nvPr/>
+        </p:nvCxnSpPr>
+        <p:spPr>
+          <a:xfrm flipH="1">
+            <a:off x="6392333" y="3437467"/>
+            <a:ext cx="4224867" cy="448733"/>
+          </a:xfrm>
+          <a:prstGeom prst="straightConnector1">
+            <a:avLst/>
+          </a:prstGeom>
+          <a:ln>
+            <a:tailEnd type="triangle"/>
+          </a:ln>
+        </p:spPr>
+        <p:style>
+          <a:lnRef idx="1">
+            <a:schemeClr val="dk1"/>
+          </a:lnRef>
+          <a:fillRef idx="0">
+            <a:schemeClr val="dk1"/>
+          </a:fillRef>
+          <a:effectRef idx="0">
+            <a:schemeClr val="dk1"/>
+          </a:effectRef>
+          <a:fontRef idx="minor">
+            <a:schemeClr val="tx1"/>
+          </a:fontRef>
+        </p:style>
+      </p:cxnSp>
+      <p:sp>
+        <p:nvSpPr>
+          <p:cNvPr id="17" name="Rectangle 16">
+            <a:extLst>
+              <a:ext uri="{FF2B5EF4-FFF2-40B4-BE49-F238E27FC236}">
+                <a16:creationId xmlns:a16="http://schemas.microsoft.com/office/drawing/2014/main" id="{543C976E-5AB8-41DA-A95F-3C56CE45ED2C}"/>
+              </a:ext>
+            </a:extLst>
+          </p:cNvPr>
+          <p:cNvSpPr/>
+          <p:nvPr/>
+        </p:nvSpPr>
+        <p:spPr>
+          <a:xfrm>
+            <a:off x="10693400" y="2192867"/>
+            <a:ext cx="1498600" cy="711200"/>
+          </a:xfrm>
+          <a:prstGeom prst="rect">
+            <a:avLst/>
+          </a:prstGeom>
+          <a:noFill/>
+          <a:ln>
+            <a:solidFill>
+              <a:schemeClr val="tx1"/>
+            </a:solidFill>
+          </a:ln>
+        </p:spPr>
+        <p:style>
+          <a:lnRef idx="2">
+            <a:schemeClr val="accent1">
+              <a:shade val="50000"/>
+            </a:schemeClr>
+          </a:lnRef>
+          <a:fillRef idx="1">
+            <a:schemeClr val="accent1"/>
+          </a:fillRef>
+          <a:effectRef idx="0">
+            <a:schemeClr val="accent1"/>
+          </a:effectRef>
+          <a:fontRef idx="minor">
+            <a:schemeClr val="lt1"/>
+          </a:fontRef>
+        </p:style>
+        <p:txBody>
+          <a:bodyPr rtlCol="0" anchor="ctr"/>
+          <a:lstStyle/>
+          <a:p>
+            <a:pPr algn="ctr"/>
+            <a:endParaRPr lang="fr-FR"/>
+          </a:p>
+        </p:txBody>
+      </p:sp>
+      <p:sp>
+        <p:nvSpPr>
+          <p:cNvPr id="18" name="ZoneTexte 17">
+            <a:extLst>
+              <a:ext uri="{FF2B5EF4-FFF2-40B4-BE49-F238E27FC236}">
+                <a16:creationId xmlns:a16="http://schemas.microsoft.com/office/drawing/2014/main" id="{E995265D-D31C-4152-8E8E-37CB26C3418A}"/>
+              </a:ext>
+            </a:extLst>
+          </p:cNvPr>
+          <p:cNvSpPr txBox="1"/>
+          <p:nvPr/>
+        </p:nvSpPr>
+        <p:spPr>
+          <a:xfrm>
+            <a:off x="10617200" y="3318933"/>
+            <a:ext cx="1447800" cy="1015663"/>
+          </a:xfrm>
+          <a:prstGeom prst="rect">
+            <a:avLst/>
+          </a:prstGeom>
+          <a:noFill/>
+        </p:spPr>
+        <p:txBody>
+          <a:bodyPr wrap="square" rtlCol="0">
+            <a:spAutoFit/>
+          </a:bodyPr>
+          <a:lstStyle/>
+          <a:p>
+            <a:r>
+              <a:rPr lang="fr-FR" sz="1200" dirty="0"/>
+              <a:t>Chaque bouton de utilisé provient de la librairie Bootstrap et d’un librairie pour nos icones</a:t>
+            </a:r>
+          </a:p>
+        </p:txBody>
+      </p:sp>
+      <p:sp>
+        <p:nvSpPr>
+          <p:cNvPr id="19" name="Rectangle 18">
+            <a:extLst>
+              <a:ext uri="{FF2B5EF4-FFF2-40B4-BE49-F238E27FC236}">
+                <a16:creationId xmlns:a16="http://schemas.microsoft.com/office/drawing/2014/main" id="{0453709C-7A18-49DF-8970-943F51382B10}"/>
+              </a:ext>
+            </a:extLst>
+          </p:cNvPr>
+          <p:cNvSpPr/>
+          <p:nvPr/>
+        </p:nvSpPr>
+        <p:spPr>
+          <a:xfrm>
+            <a:off x="10617200" y="3272366"/>
+            <a:ext cx="1498600" cy="1062229"/>
+          </a:xfrm>
+          <a:prstGeom prst="rect">
+            <a:avLst/>
+          </a:prstGeom>
+          <a:noFill/>
+          <a:ln>
+            <a:solidFill>
+              <a:schemeClr val="tx1"/>
+            </a:solidFill>
+          </a:ln>
+        </p:spPr>
+        <p:style>
+          <a:lnRef idx="2">
+            <a:schemeClr val="accent1">
+              <a:shade val="50000"/>
+            </a:schemeClr>
+          </a:lnRef>
+          <a:fillRef idx="1">
+            <a:schemeClr val="accent1"/>
+          </a:fillRef>
+          <a:effectRef idx="0">
+            <a:schemeClr val="accent1"/>
+          </a:effectRef>
+          <a:fontRef idx="minor">
+            <a:schemeClr val="lt1"/>
+          </a:fontRef>
+        </p:style>
+        <p:txBody>
+          <a:bodyPr rtlCol="0" anchor="ctr"/>
+          <a:lstStyle/>
+          <a:p>
+            <a:pPr algn="ctr"/>
+            <a:endParaRPr lang="fr-FR"/>
+          </a:p>
+        </p:txBody>
+      </p:sp>
+      <p:cxnSp>
+        <p:nvCxnSpPr>
+          <p:cNvPr id="21" name="Connecteur droit avec flèche 20">
+            <a:extLst>
+              <a:ext uri="{FF2B5EF4-FFF2-40B4-BE49-F238E27FC236}">
+                <a16:creationId xmlns:a16="http://schemas.microsoft.com/office/drawing/2014/main" id="{48EAF9F0-3C31-4C11-A483-173E12FB54B6}"/>
+              </a:ext>
+            </a:extLst>
+          </p:cNvPr>
+          <p:cNvCxnSpPr/>
+          <p:nvPr/>
+        </p:nvCxnSpPr>
+        <p:spPr>
+          <a:xfrm flipH="1" flipV="1">
+            <a:off x="8271933" y="2066270"/>
+            <a:ext cx="2345267" cy="1371197"/>
+          </a:xfrm>
+          <a:prstGeom prst="straightConnector1">
+            <a:avLst/>
+          </a:prstGeom>
+          <a:ln>
+            <a:tailEnd type="triangle"/>
+          </a:ln>
+        </p:spPr>
+        <p:style>
+          <a:lnRef idx="1">
+            <a:schemeClr val="dk1"/>
+          </a:lnRef>
+          <a:fillRef idx="0">
+            <a:schemeClr val="dk1"/>
+          </a:fillRef>
+          <a:effectRef idx="0">
+            <a:schemeClr val="dk1"/>
+          </a:effectRef>
+          <a:fontRef idx="minor">
+            <a:schemeClr val="tx1"/>
+          </a:fontRef>
+        </p:style>
+      </p:cxnSp>
+      <p:cxnSp>
+        <p:nvCxnSpPr>
+          <p:cNvPr id="23" name="Connecteur droit avec flèche 22">
+            <a:extLst>
+              <a:ext uri="{FF2B5EF4-FFF2-40B4-BE49-F238E27FC236}">
+                <a16:creationId xmlns:a16="http://schemas.microsoft.com/office/drawing/2014/main" id="{984D114B-F7F2-43C1-9D9A-5D56FEA71B76}"/>
+              </a:ext>
+            </a:extLst>
+          </p:cNvPr>
+          <p:cNvCxnSpPr>
+            <a:cxnSpLocks/>
+            <a:stCxn id="32" idx="3"/>
+          </p:cNvCxnSpPr>
+          <p:nvPr/>
+        </p:nvCxnSpPr>
+        <p:spPr>
+          <a:xfrm flipV="1">
+            <a:off x="872067" y="2327825"/>
+            <a:ext cx="1947333" cy="71110"/>
+          </a:xfrm>
+          <a:prstGeom prst="straightConnector1">
+            <a:avLst/>
+          </a:prstGeom>
+          <a:ln>
+            <a:tailEnd type="triangle"/>
+          </a:ln>
+        </p:spPr>
+        <p:style>
+          <a:lnRef idx="1">
+            <a:schemeClr val="dk1"/>
+          </a:lnRef>
+          <a:fillRef idx="0">
+            <a:schemeClr val="dk1"/>
+          </a:fillRef>
+          <a:effectRef idx="0">
+            <a:schemeClr val="dk1"/>
+          </a:effectRef>
+          <a:fontRef idx="minor">
+            <a:schemeClr val="tx1"/>
+          </a:fontRef>
+        </p:style>
+      </p:cxnSp>
+      <p:cxnSp>
+        <p:nvCxnSpPr>
+          <p:cNvPr id="25" name="Connecteur droit avec flèche 24">
+            <a:extLst>
+              <a:ext uri="{FF2B5EF4-FFF2-40B4-BE49-F238E27FC236}">
+                <a16:creationId xmlns:a16="http://schemas.microsoft.com/office/drawing/2014/main" id="{46AB8439-7483-49C6-A6D9-CF4B9DB278CB}"/>
+              </a:ext>
+            </a:extLst>
+          </p:cNvPr>
+          <p:cNvCxnSpPr>
+            <a:cxnSpLocks/>
+            <a:stCxn id="32" idx="3"/>
+          </p:cNvCxnSpPr>
+          <p:nvPr/>
+        </p:nvCxnSpPr>
+        <p:spPr>
+          <a:xfrm>
+            <a:off x="872067" y="2398935"/>
+            <a:ext cx="2954866" cy="1140132"/>
+          </a:xfrm>
+          <a:prstGeom prst="straightConnector1">
+            <a:avLst/>
+          </a:prstGeom>
+          <a:ln w="3175">
+            <a:tailEnd type="triangle"/>
+          </a:ln>
+        </p:spPr>
+        <p:style>
+          <a:lnRef idx="1">
+            <a:schemeClr val="dk1"/>
+          </a:lnRef>
+          <a:fillRef idx="0">
+            <a:schemeClr val="dk1"/>
+          </a:fillRef>
+          <a:effectRef idx="0">
+            <a:schemeClr val="dk1"/>
+          </a:effectRef>
+          <a:fontRef idx="minor">
+            <a:schemeClr val="tx1"/>
+          </a:fontRef>
+        </p:style>
+      </p:cxnSp>
+      <p:cxnSp>
+        <p:nvCxnSpPr>
+          <p:cNvPr id="27" name="Connecteur droit avec flèche 26">
+            <a:extLst>
+              <a:ext uri="{FF2B5EF4-FFF2-40B4-BE49-F238E27FC236}">
+                <a16:creationId xmlns:a16="http://schemas.microsoft.com/office/drawing/2014/main" id="{7759DA45-07A3-4BBA-9B14-0CB712A11732}"/>
+              </a:ext>
+            </a:extLst>
+          </p:cNvPr>
+          <p:cNvCxnSpPr>
+            <a:cxnSpLocks/>
+            <a:stCxn id="32" idx="3"/>
+          </p:cNvCxnSpPr>
+          <p:nvPr/>
+        </p:nvCxnSpPr>
+        <p:spPr>
+          <a:xfrm>
+            <a:off x="872067" y="2398935"/>
+            <a:ext cx="6265334" cy="115666"/>
+          </a:xfrm>
+          <a:prstGeom prst="straightConnector1">
+            <a:avLst/>
+          </a:prstGeom>
+          <a:ln>
+            <a:tailEnd type="triangle"/>
+          </a:ln>
+        </p:spPr>
+        <p:style>
+          <a:lnRef idx="1">
+            <a:schemeClr val="dk1"/>
+          </a:lnRef>
+          <a:fillRef idx="0">
+            <a:schemeClr val="dk1"/>
+          </a:fillRef>
+          <a:effectRef idx="0">
+            <a:schemeClr val="dk1"/>
+          </a:effectRef>
+          <a:fontRef idx="minor">
+            <a:schemeClr val="tx1"/>
+          </a:fontRef>
+        </p:style>
+      </p:cxnSp>
+      <p:sp>
+        <p:nvSpPr>
+          <p:cNvPr id="28" name="Rectangle 27">
+            <a:extLst>
+              <a:ext uri="{FF2B5EF4-FFF2-40B4-BE49-F238E27FC236}">
+                <a16:creationId xmlns:a16="http://schemas.microsoft.com/office/drawing/2014/main" id="{AD262562-71A1-406B-B3F7-CAB52DB52E33}"/>
+              </a:ext>
+            </a:extLst>
+          </p:cNvPr>
+          <p:cNvSpPr/>
+          <p:nvPr/>
+        </p:nvSpPr>
+        <p:spPr>
+          <a:xfrm>
+            <a:off x="2810933" y="2275820"/>
+            <a:ext cx="965200" cy="3413780"/>
+          </a:xfrm>
+          <a:prstGeom prst="rect">
+            <a:avLst/>
+          </a:prstGeom>
+          <a:noFill/>
+          <a:ln w="9525">
+            <a:solidFill>
+              <a:schemeClr val="tx1"/>
+            </a:solidFill>
+          </a:ln>
+        </p:spPr>
+        <p:style>
+          <a:lnRef idx="2">
+            <a:schemeClr val="accent1">
+              <a:shade val="50000"/>
+            </a:schemeClr>
+          </a:lnRef>
+          <a:fillRef idx="1">
+            <a:schemeClr val="accent1"/>
+          </a:fillRef>
+          <a:effectRef idx="0">
+            <a:schemeClr val="accent1"/>
+          </a:effectRef>
+          <a:fontRef idx="minor">
+            <a:schemeClr val="lt1"/>
+          </a:fontRef>
+        </p:style>
+        <p:txBody>
+          <a:bodyPr rtlCol="0" anchor="ctr"/>
+          <a:lstStyle/>
+          <a:p>
+            <a:pPr algn="ctr"/>
+            <a:endParaRPr lang="fr-FR"/>
+          </a:p>
+        </p:txBody>
+      </p:sp>
+      <p:sp>
+        <p:nvSpPr>
+          <p:cNvPr id="30" name="Rectangle 29">
+            <a:extLst>
+              <a:ext uri="{FF2B5EF4-FFF2-40B4-BE49-F238E27FC236}">
+                <a16:creationId xmlns:a16="http://schemas.microsoft.com/office/drawing/2014/main" id="{719DCACA-4A20-46AD-BDD7-A1D98277734D}"/>
+              </a:ext>
+            </a:extLst>
+          </p:cNvPr>
+          <p:cNvSpPr/>
+          <p:nvPr/>
+        </p:nvSpPr>
+        <p:spPr>
+          <a:xfrm>
+            <a:off x="3826933" y="2192867"/>
+            <a:ext cx="3234267" cy="3496733"/>
+          </a:xfrm>
+          <a:prstGeom prst="rect">
+            <a:avLst/>
+          </a:prstGeom>
+          <a:noFill/>
+          <a:ln w="9525">
+            <a:solidFill>
+              <a:schemeClr val="tx1"/>
+            </a:solidFill>
+          </a:ln>
+        </p:spPr>
+        <p:style>
+          <a:lnRef idx="2">
+            <a:schemeClr val="accent1">
+              <a:shade val="50000"/>
+            </a:schemeClr>
+          </a:lnRef>
+          <a:fillRef idx="1">
+            <a:schemeClr val="accent1"/>
+          </a:fillRef>
+          <a:effectRef idx="0">
+            <a:schemeClr val="accent1"/>
+          </a:effectRef>
+          <a:fontRef idx="minor">
+            <a:schemeClr val="lt1"/>
+          </a:fontRef>
+        </p:style>
+        <p:txBody>
+          <a:bodyPr rtlCol="0" anchor="ctr"/>
+          <a:lstStyle/>
+          <a:p>
+            <a:pPr algn="ctr"/>
+            <a:endParaRPr lang="fr-FR"/>
+          </a:p>
+        </p:txBody>
+      </p:sp>
+      <p:sp>
+        <p:nvSpPr>
+          <p:cNvPr id="31" name="Rectangle 30">
+            <a:extLst>
+              <a:ext uri="{FF2B5EF4-FFF2-40B4-BE49-F238E27FC236}">
+                <a16:creationId xmlns:a16="http://schemas.microsoft.com/office/drawing/2014/main" id="{6D67C057-AC7D-461B-9032-8616BDC67645}"/>
+              </a:ext>
+            </a:extLst>
+          </p:cNvPr>
+          <p:cNvSpPr/>
+          <p:nvPr/>
+        </p:nvSpPr>
+        <p:spPr>
+          <a:xfrm>
+            <a:off x="7137401" y="2192867"/>
+            <a:ext cx="1371600" cy="3496733"/>
+          </a:xfrm>
+          <a:prstGeom prst="rect">
+            <a:avLst/>
+          </a:prstGeom>
+          <a:noFill/>
+          <a:ln w="6350"/>
+        </p:spPr>
+        <p:style>
+          <a:lnRef idx="2">
+            <a:schemeClr val="accent1">
+              <a:shade val="50000"/>
+            </a:schemeClr>
+          </a:lnRef>
+          <a:fillRef idx="1">
+            <a:schemeClr val="accent1"/>
+          </a:fillRef>
+          <a:effectRef idx="0">
+            <a:schemeClr val="accent1"/>
+          </a:effectRef>
+          <a:fontRef idx="minor">
+            <a:schemeClr val="lt1"/>
+          </a:fontRef>
+        </p:style>
+        <p:txBody>
+          <a:bodyPr rtlCol="0" anchor="ctr"/>
+          <a:lstStyle/>
+          <a:p>
+            <a:pPr algn="ctr"/>
+            <a:endParaRPr lang="fr-FR"/>
+          </a:p>
+        </p:txBody>
+      </p:sp>
+      <p:sp>
+        <p:nvSpPr>
+          <p:cNvPr id="32" name="ZoneTexte 31">
+            <a:extLst>
+              <a:ext uri="{FF2B5EF4-FFF2-40B4-BE49-F238E27FC236}">
+                <a16:creationId xmlns:a16="http://schemas.microsoft.com/office/drawing/2014/main" id="{F18E9186-F4C4-4153-B985-9F997496B44F}"/>
+              </a:ext>
+            </a:extLst>
+          </p:cNvPr>
+          <p:cNvSpPr txBox="1"/>
+          <p:nvPr/>
+        </p:nvSpPr>
+        <p:spPr>
+          <a:xfrm>
+            <a:off x="33867" y="1706437"/>
+            <a:ext cx="838200" cy="1384995"/>
+          </a:xfrm>
+          <a:prstGeom prst="rect">
+            <a:avLst/>
+          </a:prstGeom>
+          <a:noFill/>
+        </p:spPr>
+        <p:txBody>
+          <a:bodyPr wrap="square" rtlCol="0">
+            <a:spAutoFit/>
+          </a:bodyPr>
+          <a:lstStyle/>
+          <a:p>
+            <a:r>
+              <a:rPr lang="fr-FR" sz="1200" dirty="0"/>
+              <a:t>Chaque page est structurée à l’aide des </a:t>
+            </a:r>
+            <a:r>
+              <a:rPr lang="fr-FR" sz="1200" dirty="0" err="1"/>
+              <a:t>row</a:t>
+            </a:r>
+            <a:r>
+              <a:rPr lang="fr-FR" sz="1200" dirty="0"/>
+              <a:t> et col de Bootstrap</a:t>
+            </a:r>
+          </a:p>
+        </p:txBody>
+      </p:sp>
+      <p:sp>
+        <p:nvSpPr>
+          <p:cNvPr id="38" name="Rectangle 37">
+            <a:extLst>
+              <a:ext uri="{FF2B5EF4-FFF2-40B4-BE49-F238E27FC236}">
+                <a16:creationId xmlns:a16="http://schemas.microsoft.com/office/drawing/2014/main" id="{27635124-0745-4AEB-B67B-685A2E7C1480}"/>
+              </a:ext>
+            </a:extLst>
+          </p:cNvPr>
+          <p:cNvSpPr/>
+          <p:nvPr/>
+        </p:nvSpPr>
+        <p:spPr>
+          <a:xfrm>
+            <a:off x="33867" y="1706437"/>
+            <a:ext cx="838200" cy="1451630"/>
+          </a:xfrm>
+          <a:prstGeom prst="rect">
+            <a:avLst/>
+          </a:prstGeom>
+          <a:noFill/>
+          <a:ln w="6350">
+            <a:solidFill>
+              <a:schemeClr val="tx1"/>
+            </a:solidFill>
+          </a:ln>
+        </p:spPr>
+        <p:style>
+          <a:lnRef idx="2">
+            <a:schemeClr val="accent1">
+              <a:shade val="50000"/>
+            </a:schemeClr>
+          </a:lnRef>
+          <a:fillRef idx="1">
+            <a:schemeClr val="accent1"/>
+          </a:fillRef>
+          <a:effectRef idx="0">
+            <a:schemeClr val="accent1"/>
+          </a:effectRef>
+          <a:fontRef idx="minor">
+            <a:schemeClr val="lt1"/>
+          </a:fontRef>
+        </p:style>
+        <p:txBody>
+          <a:bodyPr rtlCol="0" anchor="ctr"/>
+          <a:lstStyle/>
+          <a:p>
+            <a:pPr algn="ctr"/>
+            <a:endParaRPr lang="fr-FR"/>
+          </a:p>
+        </p:txBody>
+      </p:sp>
+      <p:sp>
+        <p:nvSpPr>
+          <p:cNvPr id="40" name="ZoneTexte 39">
+            <a:extLst>
+              <a:ext uri="{FF2B5EF4-FFF2-40B4-BE49-F238E27FC236}">
+                <a16:creationId xmlns:a16="http://schemas.microsoft.com/office/drawing/2014/main" id="{CBEF143A-21A5-46BE-9D12-350F9277B16C}"/>
+              </a:ext>
+            </a:extLst>
+          </p:cNvPr>
+          <p:cNvSpPr txBox="1"/>
+          <p:nvPr/>
+        </p:nvSpPr>
+        <p:spPr>
+          <a:xfrm>
+            <a:off x="33867" y="3437467"/>
+            <a:ext cx="944032" cy="2308324"/>
+          </a:xfrm>
+          <a:prstGeom prst="rect">
+            <a:avLst/>
+          </a:prstGeom>
+          <a:noFill/>
+        </p:spPr>
+        <p:txBody>
+          <a:bodyPr wrap="square" rtlCol="0">
+            <a:spAutoFit/>
+          </a:bodyPr>
+          <a:lstStyle/>
+          <a:p>
+            <a:r>
+              <a:rPr lang="fr-FR" sz="1200" dirty="0"/>
+              <a:t>Pour afficher des éléments nous utilisons des panel ou des </a:t>
+            </a:r>
+            <a:r>
+              <a:rPr lang="fr-FR" sz="1200" dirty="0" err="1"/>
+              <a:t>cards</a:t>
+            </a:r>
+            <a:r>
+              <a:rPr lang="fr-FR" sz="1200" dirty="0"/>
+              <a:t> pour les images</a:t>
+            </a:r>
+          </a:p>
+          <a:p>
+            <a:r>
+              <a:rPr lang="fr-FR" sz="1200" dirty="0"/>
+              <a:t>Librairie </a:t>
+            </a:r>
+            <a:r>
+              <a:rPr lang="fr-FR" sz="1200" dirty="0" err="1"/>
+              <a:t>bootstrap</a:t>
+            </a:r>
+            <a:r>
+              <a:rPr lang="fr-FR" sz="1200" dirty="0"/>
+              <a:t> </a:t>
+            </a:r>
+          </a:p>
+          <a:p>
+            <a:endParaRPr lang="fr-FR" sz="1200" dirty="0"/>
+          </a:p>
+        </p:txBody>
+      </p:sp>
+      <p:sp>
+        <p:nvSpPr>
+          <p:cNvPr id="41" name="Rectangle 40">
+            <a:extLst>
+              <a:ext uri="{FF2B5EF4-FFF2-40B4-BE49-F238E27FC236}">
+                <a16:creationId xmlns:a16="http://schemas.microsoft.com/office/drawing/2014/main" id="{085AE112-DABC-4FBE-AACF-49FCF1B096C7}"/>
+              </a:ext>
+            </a:extLst>
+          </p:cNvPr>
+          <p:cNvSpPr/>
+          <p:nvPr/>
+        </p:nvSpPr>
+        <p:spPr>
+          <a:xfrm>
+            <a:off x="33867" y="3437467"/>
+            <a:ext cx="944032" cy="2252133"/>
+          </a:xfrm>
+          <a:prstGeom prst="rect">
+            <a:avLst/>
+          </a:prstGeom>
+          <a:noFill/>
+          <a:ln w="6350">
+            <a:solidFill>
+              <a:schemeClr val="tx1"/>
+            </a:solidFill>
+          </a:ln>
+        </p:spPr>
+        <p:style>
+          <a:lnRef idx="2">
+            <a:schemeClr val="accent1">
+              <a:shade val="50000"/>
+            </a:schemeClr>
+          </a:lnRef>
+          <a:fillRef idx="1">
+            <a:schemeClr val="accent1"/>
+          </a:fillRef>
+          <a:effectRef idx="0">
+            <a:schemeClr val="accent1"/>
+          </a:effectRef>
+          <a:fontRef idx="minor">
+            <a:schemeClr val="lt1"/>
+          </a:fontRef>
+        </p:style>
+        <p:txBody>
+          <a:bodyPr rtlCol="0" anchor="ctr"/>
+          <a:lstStyle/>
+          <a:p>
+            <a:pPr algn="ctr"/>
+            <a:endParaRPr lang="fr-FR"/>
+          </a:p>
+        </p:txBody>
+      </p:sp>
+      <p:cxnSp>
+        <p:nvCxnSpPr>
+          <p:cNvPr id="43" name="Connecteur droit avec flèche 42">
+            <a:extLst>
+              <a:ext uri="{FF2B5EF4-FFF2-40B4-BE49-F238E27FC236}">
+                <a16:creationId xmlns:a16="http://schemas.microsoft.com/office/drawing/2014/main" id="{9967AD9D-4C37-42B0-87A5-698197BD73CD}"/>
+              </a:ext>
+            </a:extLst>
+          </p:cNvPr>
+          <p:cNvCxnSpPr>
+            <a:stCxn id="41" idx="3"/>
+          </p:cNvCxnSpPr>
+          <p:nvPr/>
+        </p:nvCxnSpPr>
+        <p:spPr>
+          <a:xfrm>
+            <a:off x="977899" y="4563534"/>
+            <a:ext cx="2976034" cy="42333"/>
+          </a:xfrm>
+          <a:prstGeom prst="straightConnector1">
+            <a:avLst/>
+          </a:prstGeom>
+          <a:ln>
+            <a:tailEnd type="triangle"/>
+          </a:ln>
+        </p:spPr>
+        <p:style>
+          <a:lnRef idx="1">
+            <a:schemeClr val="dk1"/>
+          </a:lnRef>
+          <a:fillRef idx="0">
+            <a:schemeClr val="dk1"/>
+          </a:fillRef>
+          <a:effectRef idx="0">
+            <a:schemeClr val="dk1"/>
+          </a:effectRef>
+          <a:fontRef idx="minor">
+            <a:schemeClr val="tx1"/>
+          </a:fontRef>
+        </p:style>
+      </p:cxnSp>
+      <p:cxnSp>
+        <p:nvCxnSpPr>
+          <p:cNvPr id="45" name="Connecteur droit avec flèche 44">
+            <a:extLst>
+              <a:ext uri="{FF2B5EF4-FFF2-40B4-BE49-F238E27FC236}">
+                <a16:creationId xmlns:a16="http://schemas.microsoft.com/office/drawing/2014/main" id="{CB5D3B1E-7E86-4374-B8AF-D5ADC2C65A22}"/>
+              </a:ext>
+            </a:extLst>
+          </p:cNvPr>
+          <p:cNvCxnSpPr>
+            <a:stCxn id="41" idx="3"/>
+          </p:cNvCxnSpPr>
+          <p:nvPr/>
+        </p:nvCxnSpPr>
+        <p:spPr>
+          <a:xfrm flipV="1">
+            <a:off x="977899" y="3056467"/>
+            <a:ext cx="6239933" cy="1507067"/>
+          </a:xfrm>
+          <a:prstGeom prst="straightConnector1">
+            <a:avLst/>
+          </a:prstGeom>
+          <a:ln>
+            <a:tailEnd type="triangle"/>
+          </a:ln>
+        </p:spPr>
+        <p:style>
+          <a:lnRef idx="1">
+            <a:schemeClr val="dk1"/>
+          </a:lnRef>
+          <a:fillRef idx="0">
+            <a:schemeClr val="dk1"/>
+          </a:fillRef>
+          <a:effectRef idx="0">
+            <a:schemeClr val="dk1"/>
+          </a:effectRef>
+          <a:fontRef idx="minor">
+            <a:schemeClr val="tx1"/>
+          </a:fontRef>
+        </p:style>
+      </p:cxnSp>
+      <p:cxnSp>
+        <p:nvCxnSpPr>
+          <p:cNvPr id="47" name="Connecteur droit avec flèche 46">
+            <a:extLst>
+              <a:ext uri="{FF2B5EF4-FFF2-40B4-BE49-F238E27FC236}">
+                <a16:creationId xmlns:a16="http://schemas.microsoft.com/office/drawing/2014/main" id="{9B7B99DA-5F33-4A7D-B7C6-F568558FD8CC}"/>
+              </a:ext>
+            </a:extLst>
+          </p:cNvPr>
+          <p:cNvCxnSpPr>
+            <a:stCxn id="41" idx="3"/>
+          </p:cNvCxnSpPr>
+          <p:nvPr/>
+        </p:nvCxnSpPr>
+        <p:spPr>
+          <a:xfrm flipV="1">
+            <a:off x="977899" y="4428067"/>
+            <a:ext cx="6430434" cy="135467"/>
+          </a:xfrm>
+          <a:prstGeom prst="straightConnector1">
+            <a:avLst/>
+          </a:prstGeom>
+          <a:ln>
+            <a:tailEnd type="triangle"/>
+          </a:ln>
+        </p:spPr>
+        <p:style>
+          <a:lnRef idx="1">
+            <a:schemeClr val="dk1"/>
+          </a:lnRef>
+          <a:fillRef idx="0">
+            <a:schemeClr val="dk1"/>
+          </a:fillRef>
+          <a:effectRef idx="0">
+            <a:schemeClr val="dk1"/>
+          </a:effectRef>
+          <a:fontRef idx="minor">
+            <a:schemeClr val="tx1"/>
+          </a:fontRef>
+        </p:style>
+      </p:cxnSp>
+    </p:spTree>
+    <p:extLst>
+      <p:ext uri="{BB962C8B-B14F-4D97-AF65-F5344CB8AC3E}">
+        <p14:creationId xmlns:p14="http://schemas.microsoft.com/office/powerpoint/2010/main" val="3773103962"/>
+      </p:ext>
+    </p:extLst>
+  </p:cSld>
+  <p:clrMapOvr>
+    <a:masterClrMapping/>
+  </p:clrMapOvr>
+</p:sld>
+</file>
+
+<file path=ppt/slides/slide9.xml><?xml version="1.0" encoding="utf-8"?>
+<p:sld xmlns:a="http://schemas.openxmlformats.org/drawingml/2006/main" xmlns:r="http://schemas.openxmlformats.org/officeDocument/2006/relationships" xmlns:p="http://schemas.openxmlformats.org/presentationml/2006/main">
+  <p:cSld>
+    <p:spTree>
+      <p:nvGrpSpPr>
+        <p:cNvPr id="1" name=""/>
+        <p:cNvGrpSpPr/>
+        <p:nvPr/>
+      </p:nvGrpSpPr>
+      <p:grpSpPr>
+        <a:xfrm>
+          <a:off x="0" y="0"/>
+          <a:ext cx="0" cy="0"/>
+          <a:chOff x="0" y="0"/>
+          <a:chExt cx="0" cy="0"/>
+        </a:xfrm>
+      </p:grpSpPr>
+      <p:sp>
+        <p:nvSpPr>
+          <p:cNvPr id="2" name="Titre 1">
+            <a:extLst>
+              <a:ext uri="{FF2B5EF4-FFF2-40B4-BE49-F238E27FC236}">
+                <a16:creationId xmlns:a16="http://schemas.microsoft.com/office/drawing/2014/main" id="{149B3428-8F02-E64F-81BB-6AAEE4B097EA}"/>
+              </a:ext>
+            </a:extLst>
+          </p:cNvPr>
+          <p:cNvSpPr>
+            <a:spLocks noGrp="1"/>
+          </p:cNvSpPr>
+          <p:nvPr>
+            <p:ph type="title"/>
+          </p:nvPr>
+        </p:nvSpPr>
+        <p:spPr>
+          <a:xfrm>
+            <a:off x="838200" y="0"/>
+            <a:ext cx="10515600" cy="1325563"/>
+          </a:xfrm>
+        </p:spPr>
+        <p:txBody>
+          <a:bodyPr>
+            <a:normAutofit/>
+          </a:bodyPr>
+          <a:lstStyle/>
+          <a:p>
+            <a:pPr algn="ctr"/>
+            <a:r>
+              <a:rPr lang="fr-FR" sz="3600" dirty="0"/>
+              <a:t>Spécification fonctionnel</a:t>
             </a:r>
           </a:p>
         </p:txBody>
@@ -4898,7 +8265,7 @@
           <p:cNvPr id="3" name="Espace réservé du contenu 2">
             <a:extLst>
               <a:ext uri="{FF2B5EF4-FFF2-40B4-BE49-F238E27FC236}">
-                <a16:creationId xmlns:a16="http://schemas.microsoft.com/office/drawing/2014/main" id="{EF5B9084-9229-3746-955B-643A6A7F1730}"/>
+                <a16:creationId xmlns:a16="http://schemas.microsoft.com/office/drawing/2014/main" id="{1C7C197B-1128-434D-964B-7E62E5F0F971}"/>
               </a:ext>
             </a:extLst>
           </p:cNvPr>
@@ -4909,45 +8276,10 @@
             <p:ph idx="1"/>
           </p:nvPr>
         </p:nvSpPr>
-        <p:spPr>
-          <a:xfrm>
-            <a:off x="838200" y="1843087"/>
-            <a:ext cx="10515600" cy="4333875"/>
-          </a:xfrm>
-        </p:spPr>
+        <p:spPr/>
         <p:txBody>
           <a:bodyPr/>
           <a:lstStyle/>
-          <a:p>
-            <a:r>
-              <a:rPr lang="fr-FR" dirty="0"/>
-              <a:t>Bonne cohésion et entente d’équipe</a:t>
-            </a:r>
-          </a:p>
-          <a:p>
-            <a:r>
-              <a:rPr lang="fr-FR" dirty="0"/>
-              <a:t> Acquisition  de nouvelles compétences dans différents langages de programmation Web (bootstrap, jQuery, JavaScript et PHP notamment)</a:t>
-            </a:r>
-          </a:p>
-          <a:p>
-            <a:r>
-              <a:rPr lang="fr-FR" dirty="0"/>
-              <a:t>Découverte des différentes étapes de préparation d’un site web</a:t>
-            </a:r>
-          </a:p>
-          <a:p>
-            <a:r>
-              <a:rPr lang="fr-FR" dirty="0"/>
-              <a:t>Confection d’une base de donnée en fonction des contraintes d’un cahier des charges précis</a:t>
-            </a:r>
-          </a:p>
-          <a:p>
-            <a:pPr marL="0" indent="0">
-              <a:buNone/>
-            </a:pPr>
-            <a:endParaRPr lang="fr-FR" dirty="0"/>
-          </a:p>
           <a:p>
             <a:endParaRPr lang="fr-FR" dirty="0"/>
           </a:p>
@@ -4956,7 +8288,7 @@
     </p:spTree>
     <p:extLst>
       <p:ext uri="{BB962C8B-B14F-4D97-AF65-F5344CB8AC3E}">
-        <p14:creationId xmlns:p14="http://schemas.microsoft.com/office/powerpoint/2010/main" val="1562744867"/>
+        <p14:creationId xmlns:p14="http://schemas.microsoft.com/office/powerpoint/2010/main" val="880515241"/>
       </p:ext>
     </p:extLst>
   </p:cSld>

--- a/Présentation_finale.pptx
+++ b/Présentation_finale.pptx
@@ -3516,8 +3516,8 @@
           <a:p>
             <a:pPr algn="ctr"/>
             <a:r>
-              <a:rPr lang="fr-FR" sz="3600" dirty="0"/>
-              <a:t>Spécification fonctionnel</a:t>
+              <a:rPr lang="fr-FR" sz="4800" dirty="0"/>
+              <a:t>Spécification fonctionnel : PHP, MySQL</a:t>
             </a:r>
           </a:p>
         </p:txBody>
@@ -3538,12 +3538,41 @@
             <p:ph idx="1"/>
           </p:nvPr>
         </p:nvSpPr>
-        <p:spPr/>
+        <p:spPr>
+          <a:xfrm>
+            <a:off x="838200" y="1606550"/>
+            <a:ext cx="10515600" cy="4351338"/>
+          </a:xfrm>
+        </p:spPr>
         <p:txBody>
           <a:bodyPr/>
           <a:lstStyle/>
           <a:p>
-            <a:endParaRPr lang="fr-FR"/>
+            <a:endParaRPr lang="fr-FR" dirty="0"/>
+          </a:p>
+          <a:p>
+            <a:pPr marL="0" indent="0">
+              <a:buNone/>
+            </a:pPr>
+            <a:r>
+              <a:rPr lang="fr-FR" dirty="0"/>
+              <a:t>Le PHP est un langage extrêmement riche. Il nous permet notamment d’utiliser très dynamiquement des morceaux de code html pour construire des pages plus riches, et surtout qui affiche intelligemment les données de la base de données. </a:t>
+            </a:r>
+          </a:p>
+          <a:p>
+            <a:pPr marL="0" indent="0">
+              <a:buNone/>
+            </a:pPr>
+            <a:endParaRPr lang="fr-FR" dirty="0"/>
+          </a:p>
+          <a:p>
+            <a:pPr marL="0" indent="0">
+              <a:buNone/>
+            </a:pPr>
+            <a:r>
+              <a:rPr lang="fr-FR" dirty="0"/>
+              <a:t>L’utilisation de la Programmation Orientée Objet est également très pratique, surtout pour nous autres experts en Java et C++. Elle nous permet de construire un projet organisé et de simplifier grandement le code. </a:t>
+            </a:r>
           </a:p>
         </p:txBody>
       </p:sp>
@@ -3723,7 +3752,7 @@
         </p:spPr>
         <p:txBody>
           <a:bodyPr>
-            <a:normAutofit/>
+            <a:normAutofit fontScale="92500" lnSpcReduction="10000"/>
           </a:bodyPr>
           <a:lstStyle/>
           <a:p>
@@ -3736,7 +3765,52 @@
             </a:r>
           </a:p>
           <a:p>
-            <a:endParaRPr lang="fr-FR" sz="1800" dirty="0"/>
+            <a:r>
+              <a:rPr lang="fr-FR" sz="1800" dirty="0"/>
+              <a:t>Je me suis chargé de la partie </a:t>
+            </a:r>
+            <a:r>
+              <a:rPr lang="fr-FR" sz="1800" dirty="0" err="1"/>
+              <a:t>back-end</a:t>
+            </a:r>
+            <a:r>
+              <a:rPr lang="fr-FR" sz="1800" dirty="0"/>
+              <a:t> du site, j’ai donc dû (ré)apprendre toute la construction d’un site en </a:t>
+            </a:r>
+            <a:r>
+              <a:rPr lang="fr-FR" sz="1800" dirty="0" err="1"/>
+              <a:t>php</a:t>
+            </a:r>
+            <a:r>
+              <a:rPr lang="fr-FR" sz="1800" dirty="0"/>
+              <a:t>. </a:t>
+            </a:r>
+          </a:p>
+          <a:p>
+            <a:r>
+              <a:rPr lang="fr-FR" sz="1800" dirty="0"/>
+              <a:t>L’utilisation de la base de donnée a également nécessité que j’utilise la classe PDO et que je revois mes acquis en MySQL et en conception de base.</a:t>
+            </a:r>
+          </a:p>
+          <a:p>
+            <a:r>
+              <a:rPr lang="fr-FR" sz="1800" dirty="0"/>
+              <a:t>La grosse charge de travail n’a pas été vaine : je comprends maintenant le fonctionnement d’un géré par </a:t>
+            </a:r>
+            <a:r>
+              <a:rPr lang="fr-FR" sz="1800" dirty="0" err="1"/>
+              <a:t>php</a:t>
+            </a:r>
+            <a:r>
+              <a:rPr lang="fr-FR" sz="1800" dirty="0"/>
+              <a:t>, et suis capable d’en recréer un si l’envie me vient. </a:t>
+            </a:r>
+          </a:p>
+          <a:p>
+            <a:r>
+              <a:rPr lang="fr-FR" sz="1800" dirty="0"/>
+              <a:t>Je regrette juste de ne pas avoir eu plus de temps. Beaucoup d’interactions ne fonctionnent pas, et la conception de la base n’est pas du tout exploitée au maximum. Pour régler ça, ce n’est pas les compétences qui nous manquaient mais bien le temps, ce qui est assez frustrant.</a:t>
+            </a:r>
           </a:p>
           <a:p>
             <a:endParaRPr lang="fr-FR" sz="1800" dirty="0"/>
@@ -4273,8 +4347,8 @@
         </p:nvSpPr>
         <p:spPr>
           <a:xfrm>
-            <a:off x="0" y="2645926"/>
-            <a:ext cx="4892040" cy="3754874"/>
+            <a:off x="271945" y="2350651"/>
+            <a:ext cx="4733803" cy="4185761"/>
           </a:xfrm>
           <a:prstGeom prst="rect">
             <a:avLst/>
@@ -4301,7 +4375,7 @@
           <a:p>
             <a:r>
               <a:rPr lang="fr-FR" sz="1400" dirty="0"/>
-              <a:t>Les auteurs peuvent être en relation (ami, professionnel, follow, autres?). Ils peuvent également notifier d’autres auteurs (en réagissant ou commentant un post, par exemple), et s’envoyer des messages.</a:t>
+              <a:t>Les auteurs peuvent être en relation (ami, professionnel, follow). Ils peuvent également notifier d’autres auteurs (en réagissant ou commentant un post), et s’envoyer des messages.</a:t>
             </a:r>
           </a:p>
           <a:p>
@@ -4329,7 +4403,7 @@
             </a:r>
             <a:r>
               <a:rPr lang="fr-FR" sz="1400" dirty="0"/>
-              <a:t> et des évènements. Ils peuvent aussi commenter ou régir aux </a:t>
+              <a:t> et des évènements. Ils peuvent aussi commenter ou réagir aux </a:t>
             </a:r>
             <a:r>
               <a:rPr lang="fr-FR" sz="1400" dirty="0" err="1"/>
@@ -4475,7 +4549,15 @@
             <a:pPr algn="ctr"/>
             <a:r>
               <a:rPr lang="fr-FR" sz="3600" dirty="0"/>
-              <a:t>Conception du back</a:t>
+              <a:t>Conception du back : </a:t>
+            </a:r>
+            <a:r>
+              <a:rPr lang="fr-FR" sz="3600" dirty="0" err="1"/>
+              <a:t>Php</a:t>
+            </a:r>
+            <a:r>
+              <a:rPr lang="fr-FR" sz="3600" dirty="0"/>
+              <a:t>, MySQL</a:t>
             </a:r>
           </a:p>
         </p:txBody>
@@ -4496,18 +4578,230 @@
             <p:ph idx="1"/>
           </p:nvPr>
         </p:nvSpPr>
-        <p:spPr/>
-        <p:txBody>
-          <a:bodyPr/>
-          <a:lstStyle/>
+        <p:spPr>
+          <a:xfrm>
+            <a:off x="838200" y="1208088"/>
+            <a:ext cx="10515600" cy="4968875"/>
+          </a:xfrm>
+        </p:spPr>
+        <p:txBody>
+          <a:bodyPr>
+            <a:normAutofit/>
+          </a:bodyPr>
+          <a:lstStyle/>
+          <a:p>
+            <a:pPr>
+              <a:buFontTx/>
+              <a:buChar char="-"/>
+            </a:pPr>
+            <a:r>
+              <a:rPr lang="fr-FR" sz="1800" dirty="0"/>
+              <a:t>Pour l’architecture du code, nous avons décidé d’implémenter le pattern Model </a:t>
+            </a:r>
+            <a:r>
+              <a:rPr lang="fr-FR" sz="1800" dirty="0" err="1"/>
+              <a:t>View</a:t>
+            </a:r>
+            <a:r>
+              <a:rPr lang="fr-FR" sz="1800" dirty="0"/>
+              <a:t> </a:t>
+            </a:r>
+            <a:r>
+              <a:rPr lang="fr-FR" sz="1800" dirty="0" err="1"/>
+              <a:t>Controler</a:t>
+            </a:r>
+            <a:r>
+              <a:rPr lang="fr-FR" sz="1800" dirty="0"/>
+              <a:t> (MVC). Il contient un objet </a:t>
+            </a:r>
+            <a:r>
+              <a:rPr lang="fr-FR" sz="1800" dirty="0" err="1"/>
+              <a:t>Controler</a:t>
+            </a:r>
+            <a:r>
+              <a:rPr lang="fr-FR" sz="1800" dirty="0"/>
+              <a:t>. Le Model se charge d’échanger avec la base de données et de stocker les données reçues. La </a:t>
+            </a:r>
+            <a:r>
+              <a:rPr lang="fr-FR" sz="1800" dirty="0" err="1"/>
+              <a:t>View</a:t>
+            </a:r>
+            <a:r>
+              <a:rPr lang="fr-FR" sz="1800" dirty="0"/>
+              <a:t> s’occupe de l’affichage. Le </a:t>
+            </a:r>
+            <a:r>
+              <a:rPr lang="fr-FR" sz="1800" dirty="0" err="1"/>
+              <a:t>Controler</a:t>
+            </a:r>
+            <a:r>
+              <a:rPr lang="fr-FR" sz="1800" dirty="0"/>
+              <a:t> fait le lien entre le Model et la </a:t>
+            </a:r>
+            <a:r>
+              <a:rPr lang="fr-FR" sz="1800" dirty="0" err="1"/>
+              <a:t>View</a:t>
+            </a:r>
+            <a:r>
+              <a:rPr lang="fr-FR" sz="1800" dirty="0"/>
+              <a:t>. En plus de ces trois acteurs, nous avons aussi le Routeur : </a:t>
+            </a:r>
+            <a:r>
+              <a:rPr lang="fr-FR" sz="1800" dirty="0" err="1"/>
+              <a:t>index.php</a:t>
+            </a:r>
+            <a:r>
+              <a:rPr lang="fr-FR" sz="1800" dirty="0"/>
+              <a:t>. C’est lui qui va être appelé par l’utilisateur. Il va gérer les échanges entre les pages en utilisant l’objet </a:t>
+            </a:r>
+            <a:r>
+              <a:rPr lang="fr-FR" sz="1800" dirty="0" err="1"/>
+              <a:t>Controler</a:t>
+            </a:r>
+            <a:r>
+              <a:rPr lang="fr-FR" sz="1800" dirty="0"/>
+              <a:t>.</a:t>
+            </a:r>
+          </a:p>
+          <a:p>
+            <a:pPr>
+              <a:buFontTx/>
+              <a:buChar char="-"/>
+            </a:pPr>
+            <a:r>
+              <a:rPr lang="fr-FR" sz="1800" dirty="0"/>
+              <a:t>L’objet </a:t>
+            </a:r>
+            <a:r>
+              <a:rPr lang="fr-FR" sz="1800" dirty="0" err="1"/>
+              <a:t>Controler</a:t>
+            </a:r>
+            <a:r>
+              <a:rPr lang="fr-FR" sz="1800" dirty="0"/>
+              <a:t> du routeur est définie comme une superglobale. En utilisant la variable de session $_SESSION, on </a:t>
+            </a:r>
+            <a:r>
+              <a:rPr lang="fr-FR" sz="1800" dirty="0" err="1"/>
+              <a:t>serialize</a:t>
+            </a:r>
+            <a:r>
+              <a:rPr lang="fr-FR" sz="1800" dirty="0"/>
+              <a:t> l’objet </a:t>
+            </a:r>
+            <a:r>
+              <a:rPr lang="fr-FR" sz="1800" dirty="0" err="1"/>
+              <a:t>Controler</a:t>
+            </a:r>
+            <a:r>
+              <a:rPr lang="fr-FR" sz="1800" dirty="0"/>
+              <a:t> pour pouvoir le récupérer dans toutes les pages. Ainsi, quand on se connecte, le compte est actif aussi longtemps que l’utilisateur reste sur le site, et quelques temps après la fermeture.</a:t>
+            </a:r>
+          </a:p>
+          <a:p>
+            <a:pPr>
+              <a:buFontTx/>
+              <a:buChar char="-"/>
+            </a:pPr>
+            <a:r>
+              <a:rPr lang="fr-FR" sz="1800" dirty="0"/>
+              <a:t>Au sein de Model, on trouve un autre pattern : Object-</a:t>
+            </a:r>
+            <a:r>
+              <a:rPr lang="fr-FR" sz="1800" dirty="0" err="1"/>
+              <a:t>Relational</a:t>
+            </a:r>
+            <a:r>
+              <a:rPr lang="fr-FR" sz="1800" dirty="0"/>
+              <a:t> </a:t>
+            </a:r>
+            <a:r>
+              <a:rPr lang="fr-FR" sz="1800" dirty="0" err="1"/>
+              <a:t>Maping</a:t>
+            </a:r>
+            <a:r>
+              <a:rPr lang="fr-FR" sz="1800" dirty="0"/>
+              <a:t> (ORM). On utilise des classes « </a:t>
+            </a:r>
+            <a:r>
+              <a:rPr lang="fr-FR" sz="1800" dirty="0" err="1"/>
+              <a:t>Entity</a:t>
+            </a:r>
+            <a:r>
+              <a:rPr lang="fr-FR" sz="1800" dirty="0"/>
+              <a:t> Manager » (</a:t>
+            </a:r>
+            <a:r>
+              <a:rPr lang="fr-FR" sz="1800" dirty="0" err="1"/>
+              <a:t>ProManager</a:t>
+            </a:r>
+            <a:r>
+              <a:rPr lang="fr-FR" sz="1800" dirty="0"/>
+              <a:t>, </a:t>
+            </a:r>
+            <a:r>
+              <a:rPr lang="fr-FR" sz="1800" dirty="0" err="1"/>
+              <a:t>PostManager</a:t>
+            </a:r>
+            <a:r>
+              <a:rPr lang="fr-FR" sz="1800" dirty="0"/>
+              <a:t>…) pour échanger avec la base de données via des requêtes SQL. On stocke ensuite les données dans des classes Object (Pro, Post…). Cela nous permet d’utiliser efficacement et simplement les données de la base dans le </a:t>
+            </a:r>
+            <a:r>
+              <a:rPr lang="fr-FR" sz="1800" dirty="0" err="1"/>
+              <a:t>Controler</a:t>
+            </a:r>
+            <a:r>
+              <a:rPr lang="fr-FR" sz="1800" dirty="0"/>
+              <a:t>.</a:t>
+            </a:r>
+          </a:p>
+          <a:p>
+            <a:pPr>
+              <a:buFontTx/>
+              <a:buChar char="-"/>
+            </a:pPr>
+            <a:r>
+              <a:rPr lang="fr-FR" sz="1800" dirty="0"/>
+              <a:t>Pour afficher toutes les pages, on utilise un fichier </a:t>
+            </a:r>
+            <a:r>
+              <a:rPr lang="fr-FR" sz="1800" dirty="0" err="1"/>
+              <a:t>template.php</a:t>
+            </a:r>
+            <a:r>
+              <a:rPr lang="fr-FR" sz="1800" dirty="0"/>
+              <a:t> qui sera le </a:t>
+            </a:r>
+            <a:r>
+              <a:rPr lang="fr-FR" sz="1800" dirty="0" err="1"/>
+              <a:t>template</a:t>
+            </a:r>
+            <a:r>
+              <a:rPr lang="fr-FR" sz="1800" dirty="0"/>
+              <a:t> html d’une page du site. On trouve à l’intérieur de celui-ci des variables </a:t>
+            </a:r>
+            <a:r>
+              <a:rPr lang="fr-FR" sz="1800" dirty="0" err="1"/>
+              <a:t>php</a:t>
+            </a:r>
+            <a:r>
+              <a:rPr lang="fr-FR" sz="1800" dirty="0"/>
+              <a:t> dans lesquelles on va mettre le contenu (html et </a:t>
+            </a:r>
+            <a:r>
+              <a:rPr lang="fr-FR" sz="1800" dirty="0" err="1"/>
+              <a:t>php</a:t>
+            </a:r>
+            <a:r>
+              <a:rPr lang="fr-FR" sz="1800" dirty="0"/>
+              <a:t>) des différentes pages du site. Cette technique nous permet également de répéter certaines parties du code html. Cela nous sert par exemple à afficher autant de publications que nous voulons sur la page d’accueil.  </a:t>
+            </a:r>
+          </a:p>
           <a:p>
             <a:pPr marL="0" indent="0">
               <a:buNone/>
             </a:pPr>
-            <a:r>
-              <a:rPr lang="fr-FR" dirty="0"/>
-              <a:t>Pour maxime</a:t>
-            </a:r>
+            <a:endParaRPr lang="fr-FR" sz="1800" dirty="0"/>
           </a:p>
         </p:txBody>
       </p:sp>
@@ -7116,7 +7410,7 @@
             <a:pPr algn="ctr"/>
             <a:r>
               <a:rPr lang="fr-FR" dirty="0"/>
-              <a:t>Spécification fonctionnel</a:t>
+              <a:t>Spécification fonctionnel : HTML/CSS</a:t>
             </a:r>
           </a:p>
         </p:txBody>
@@ -8242,7 +8536,7 @@
         </p:nvSpPr>
         <p:spPr>
           <a:xfrm>
-            <a:off x="838200" y="0"/>
+            <a:off x="838200" y="123825"/>
             <a:ext cx="10515600" cy="1325563"/>
           </a:xfrm>
         </p:spPr>
@@ -8254,8 +8548,8 @@
           <a:p>
             <a:pPr algn="ctr"/>
             <a:r>
-              <a:rPr lang="fr-FR" sz="3600" dirty="0"/>
-              <a:t>Spécification fonctionnel</a:t>
+              <a:rPr lang="fr-FR" dirty="0"/>
+              <a:t>Spécification fonctionnel : Javascript/JQuery</a:t>
             </a:r>
           </a:p>
         </p:txBody>

--- a/Présentation_finale.pptx
+++ b/Présentation_finale.pptx
@@ -3378,8 +3378,8 @@
         </p:nvSpPr>
         <p:spPr>
           <a:xfrm>
-            <a:off x="2753874" y="2134749"/>
-            <a:ext cx="7218801" cy="1938992"/>
+            <a:off x="2448000" y="2448000"/>
+            <a:ext cx="7218801" cy="1323439"/>
           </a:xfrm>
           <a:prstGeom prst="rect">
             <a:avLst/>
@@ -3401,15 +3401,8 @@
           <a:p>
             <a:pPr algn="ctr"/>
             <a:r>
-              <a:rPr lang="fr-FR" sz="4000" dirty="0"/>
-              <a:t>Social Media Professionnel</a:t>
-            </a:r>
-          </a:p>
-          <a:p>
-            <a:pPr algn="ctr"/>
-            <a:r>
-              <a:rPr lang="fr-FR" sz="4000" dirty="0"/>
-              <a:t> pour la communauté ECE Paris</a:t>
+              <a:rPr lang="fr-FR" sz="4000" i="1" dirty="0"/>
+              <a:t>ECELink</a:t>
             </a:r>
           </a:p>
         </p:txBody>
@@ -3555,22 +3548,22 @@
               <a:buNone/>
             </a:pPr>
             <a:r>
-              <a:rPr lang="fr-FR" dirty="0"/>
-              <a:t>Le PHP est un langage extrêmement riche. Il nous permet notamment d’utiliser très dynamiquement des morceaux de code html pour construire des pages plus riches, et surtout qui affiche intelligemment les données de la base de données. </a:t>
+              <a:rPr lang="fr-FR" sz="2000" dirty="0"/>
+              <a:t>Le PHP est un langage extrêmement riche. Il nous permet notamment d’utiliser très dynamiquement des morceaux de code html pour construire des pages plus riches, et surtout qui affichent intelligemment les données de la base de données. </a:t>
             </a:r>
           </a:p>
           <a:p>
             <a:pPr marL="0" indent="0">
               <a:buNone/>
             </a:pPr>
-            <a:endParaRPr lang="fr-FR" dirty="0"/>
+            <a:endParaRPr lang="fr-FR" sz="2000" dirty="0"/>
           </a:p>
           <a:p>
             <a:pPr marL="0" indent="0">
               <a:buNone/>
             </a:pPr>
             <a:r>
-              <a:rPr lang="fr-FR" dirty="0"/>
+              <a:rPr lang="fr-FR" sz="2000" dirty="0"/>
               <a:t>L’utilisation de la Programmation Orientée Objet est également très pratique, surtout pour nous autres experts en Java et C++. Elle nous permet de construire un projet organisé et de simplifier grandement le code. </a:t>
             </a:r>
           </a:p>
@@ -3752,7 +3745,7 @@
         </p:spPr>
         <p:txBody>
           <a:bodyPr>
-            <a:normAutofit fontScale="92500" lnSpcReduction="10000"/>
+            <a:normAutofit lnSpcReduction="10000"/>
           </a:bodyPr>
           <a:lstStyle/>
           <a:p>
@@ -3760,86 +3753,68 @@
               <a:buNone/>
             </a:pPr>
             <a:r>
-              <a:rPr lang="fr-FR" sz="1800" b="1" dirty="0"/>
+              <a:rPr lang="fr-FR" sz="1200" b="1" dirty="0"/>
               <a:t>Maxime Toquebiau</a:t>
             </a:r>
           </a:p>
           <a:p>
             <a:r>
-              <a:rPr lang="fr-FR" sz="1800" dirty="0"/>
-              <a:t>Je me suis chargé de la partie </a:t>
-            </a:r>
-            <a:r>
-              <a:rPr lang="fr-FR" sz="1800" dirty="0" err="1"/>
-              <a:t>back-end</a:t>
-            </a:r>
-            <a:r>
-              <a:rPr lang="fr-FR" sz="1800" dirty="0"/>
-              <a:t> du site, j’ai donc dû (ré)apprendre toute la construction d’un site en </a:t>
-            </a:r>
-            <a:r>
-              <a:rPr lang="fr-FR" sz="1800" dirty="0" err="1"/>
-              <a:t>php</a:t>
-            </a:r>
-            <a:r>
-              <a:rPr lang="fr-FR" sz="1800" dirty="0"/>
-              <a:t>. </a:t>
-            </a:r>
-          </a:p>
-          <a:p>
-            <a:r>
-              <a:rPr lang="fr-FR" sz="1800" dirty="0"/>
+              <a:rPr lang="fr-FR" sz="1200" dirty="0"/>
+              <a:t>Je me suis chargé de la partie back-end du site, j’ai donc dû (ré)apprendre toute la construction d’un site en PHP. </a:t>
+            </a:r>
+          </a:p>
+          <a:p>
+            <a:r>
+              <a:rPr lang="fr-FR" sz="1200" dirty="0"/>
               <a:t>L’utilisation de la base de donnée a également nécessité que j’utilise la classe PDO et que je revois mes acquis en MySQL et en conception de base.</a:t>
             </a:r>
           </a:p>
           <a:p>
             <a:r>
-              <a:rPr lang="fr-FR" sz="1800" dirty="0"/>
-              <a:t>La grosse charge de travail n’a pas été vaine : je comprends maintenant le fonctionnement d’un géré par </a:t>
-            </a:r>
-            <a:r>
-              <a:rPr lang="fr-FR" sz="1800" dirty="0" err="1"/>
-              <a:t>php</a:t>
-            </a:r>
-            <a:r>
-              <a:rPr lang="fr-FR" sz="1800" dirty="0"/>
-              <a:t>, et suis capable d’en recréer un si l’envie me vient. </a:t>
-            </a:r>
-          </a:p>
-          <a:p>
-            <a:r>
-              <a:rPr lang="fr-FR" sz="1800" dirty="0"/>
+              <a:rPr lang="fr-FR" sz="1200" dirty="0"/>
+              <a:t>La grosse charge de travail n’a pas été vaine : je comprends maintenant le fonctionnement d’un géré par PHP, et suis capable d’en recréer un si l’envie me vient. </a:t>
+            </a:r>
+          </a:p>
+          <a:p>
+            <a:r>
+              <a:rPr lang="fr-FR" sz="1200" dirty="0"/>
               <a:t>Je regrette juste de ne pas avoir eu plus de temps. Beaucoup d’interactions ne fonctionnent pas, et la conception de la base n’est pas du tout exploitée au maximum. Pour régler ça, ce n’est pas les compétences qui nous manquaient mais bien le temps, ce qui est assez frustrant.</a:t>
             </a:r>
           </a:p>
           <a:p>
-            <a:endParaRPr lang="fr-FR" sz="1800" dirty="0"/>
+            <a:endParaRPr lang="fr-FR" sz="1200" dirty="0"/>
           </a:p>
           <a:p>
             <a:pPr marL="0" indent="0">
               <a:buNone/>
             </a:pPr>
             <a:r>
-              <a:rPr lang="fr-FR" sz="1800" b="1" dirty="0"/>
+              <a:rPr lang="fr-FR" sz="1200" b="1" dirty="0"/>
               <a:t>Thomas Wuhrlin</a:t>
             </a:r>
           </a:p>
           <a:p>
             <a:r>
-              <a:rPr lang="fr-FR" sz="1800" dirty="0"/>
+              <a:rPr lang="fr-FR" sz="1200" dirty="0"/>
               <a:t>Ce projet m’a permis de perfectionner mes connaissances en JavaScript et jQuery</a:t>
             </a:r>
           </a:p>
           <a:p>
             <a:r>
-              <a:rPr lang="fr-FR" sz="1800" dirty="0"/>
+              <a:rPr lang="fr-FR" sz="1200" dirty="0"/>
               <a:t>Il m’a également permis de maitriser le Framework Bootstrap qui est très utile pour designer correctement une page web</a:t>
             </a:r>
           </a:p>
           <a:p>
             <a:r>
-              <a:rPr lang="fr-FR" sz="1800" dirty="0"/>
+              <a:rPr lang="fr-FR" sz="1200" dirty="0"/>
               <a:t>Enfin j’ai pu apprendre et comprendre les différentes étapes de confection d’un site internet, ce qui est un vrai plus au point de vue personnel</a:t>
+            </a:r>
+          </a:p>
+          <a:p>
+            <a:r>
+              <a:rPr lang="fr-FR" sz="1200" dirty="0"/>
+              <a:t>J’ai trouvé le concept de projet « piscine » plutôt motivant, dommage que ce soit pendant une période de rush dans les autres matières.</a:t>
             </a:r>
           </a:p>
           <a:p>
@@ -3847,12 +3822,33 @@
               <a:buNone/>
             </a:pPr>
             <a:r>
-              <a:rPr lang="fr-FR" sz="1800" b="1" dirty="0"/>
-              <a:t>Clément Pécresse</a:t>
-            </a:r>
-          </a:p>
-          <a:p>
-            <a:endParaRPr lang="fr-FR" sz="2000" dirty="0"/>
+              <a:rPr lang="fr-FR" sz="1200" b="1" dirty="0"/>
+              <a:t>Clément Pecresse</a:t>
+            </a:r>
+          </a:p>
+          <a:p>
+            <a:r>
+              <a:rPr lang="fr-FR" sz="1200" dirty="0"/>
+              <a:t>J’avais la chance d’avoir un background en html CSS JS et notamment bootstrap appris pendant mon stage de cette année. J’ai pu consolider mes acquis et bien avancer sur les design. Ce projet quand à lui m’a appris à utiliser de nouveaux éléments, le PHP et d’autres. </a:t>
+            </a:r>
+          </a:p>
+          <a:p>
+            <a:r>
+              <a:rPr lang="fr-FR" sz="1200" dirty="0"/>
+              <a:t>J’ai trouvé la charge très mal répartit notamment avec les DS à venir (est ce que les professeurs dialoguent entre eux ?) car je n’ai pas, à l’heure qu’il est, pu regarder un de mes cours cette semaine et nous avons quatre DS dans les quatre prochains jours.</a:t>
+            </a:r>
+          </a:p>
+          <a:p>
+            <a:r>
+              <a:rPr lang="fr-FR" sz="1200" dirty="0"/>
+              <a:t>La répartition du travail globale du projet était bonne, l’entente aussi. Chacun a respecté les horaires des séances. </a:t>
+            </a:r>
+          </a:p>
+          <a:p>
+            <a:r>
+              <a:rPr lang="fr-FR" sz="1200" dirty="0"/>
+              <a:t>Avec une durée de travail supérieur le rendu aurait pu être meilleur.</a:t>
+            </a:r>
           </a:p>
         </p:txBody>
       </p:sp>
@@ -3951,7 +3947,15 @@
           <a:p>
             <a:r>
               <a:rPr lang="fr-FR" dirty="0"/>
-              <a:t> Acquisition  de nouvelles compétences dans différents langages de programmation Web (bootstrap, jQuery, JavaScript et PHP notamment)</a:t>
+              <a:t> Acquisition  de nouvelles compétences dans différents langages de programmation </a:t>
+            </a:r>
+            <a:r>
+              <a:rPr lang="fr-FR"/>
+              <a:t>Web (HTML, CSS, </a:t>
+            </a:r>
+            <a:r>
+              <a:rPr lang="fr-FR" dirty="0"/>
+              <a:t>jQuery, JavaScript et PHP notamment)</a:t>
             </a:r>
           </a:p>
           <a:p>
@@ -4076,7 +4080,7 @@
             </a:pPr>
             <a:r>
               <a:rPr lang="fr-FR" sz="1400" b="1" dirty="0"/>
-              <a:t>Sources:</a:t>
+              <a:t>Sources aide globale:</a:t>
             </a:r>
             <a:endParaRPr lang="fr-FR" sz="1400" b="1" u="sng" dirty="0">
               <a:hlinkClick r:id="rId2"/>
@@ -4127,6 +4131,111 @@
                 <a:hlinkClick r:id="rId5"/>
               </a:rPr>
               <a:t>https://www.w3schools.com/howto/howto_js_rangeslider.asp</a:t>
+            </a:r>
+            <a:endParaRPr lang="fr-FR" sz="1400" u="sng" dirty="0"/>
+          </a:p>
+          <a:p>
+            <a:pPr marL="0" indent="0">
+              <a:buNone/>
+            </a:pPr>
+            <a:r>
+              <a:rPr lang="fr-FR" sz="1400" b="1" dirty="0"/>
+              <a:t>Template page accueil</a:t>
+            </a:r>
+            <a:br>
+              <a:rPr lang="fr-FR" sz="1400" dirty="0"/>
+            </a:br>
+            <a:r>
+              <a:rPr lang="fr-FR" sz="1400" dirty="0">
+                <a:hlinkClick r:id="rId6"/>
+              </a:rPr>
+              <a:t>https://www.journaldunet.fr/web-tech/developpement/1202675-quelles-modifications-faire-dans-les-css-pour-changer-la-couleur-de-la-navbar-barre-de-navigation-dans-bootstrap/</a:t>
+            </a:r>
+            <a:endParaRPr lang="fr-FR" sz="1400" dirty="0"/>
+          </a:p>
+          <a:p>
+            <a:pPr marL="0" indent="0">
+              <a:buNone/>
+            </a:pPr>
+            <a:r>
+              <a:rPr lang="fr-FR" sz="1400" b="1" dirty="0"/>
+              <a:t>Template </a:t>
+            </a:r>
+            <a:r>
+              <a:rPr lang="fr-FR" sz="1400" b="1" dirty="0" err="1"/>
+              <a:t>Footer</a:t>
+            </a:r>
+            <a:br>
+              <a:rPr lang="fr-FR" sz="1400" dirty="0"/>
+            </a:br>
+            <a:r>
+              <a:rPr lang="fr-FR" sz="1400" dirty="0">
+                <a:hlinkClick r:id="rId7"/>
+              </a:rPr>
+              <a:t>file:///C:/wamp/www/projetweb/freebie-footer-templates/index.html</a:t>
+            </a:r>
+            <a:endParaRPr lang="fr-FR" sz="1400" dirty="0"/>
+          </a:p>
+          <a:p>
+            <a:pPr marL="0" indent="0">
+              <a:buNone/>
+            </a:pPr>
+            <a:r>
+              <a:rPr lang="fr-FR" sz="1400" b="1" dirty="0" err="1"/>
+              <a:t>Openclassroom</a:t>
+            </a:r>
+            <a:r>
+              <a:rPr lang="fr-FR" sz="1400" b="1" dirty="0"/>
+              <a:t> courses </a:t>
+            </a:r>
+            <a:br>
+              <a:rPr lang="fr-FR" sz="1400" dirty="0"/>
+            </a:br>
+            <a:r>
+              <a:rPr lang="fr-FR" sz="1400" dirty="0">
+                <a:hlinkClick r:id="rId8"/>
+              </a:rPr>
+              <a:t>https://openclassrooms.com/courses/concevez-votre-site-web-avec-php-et-mysql/lire-des-donnees-2</a:t>
+            </a:r>
+            <a:br>
+              <a:rPr lang="fr-FR" sz="1400" dirty="0"/>
+            </a:br>
+            <a:r>
+              <a:rPr lang="fr-FR" sz="1400" dirty="0">
+                <a:hlinkClick r:id="rId9"/>
+              </a:rPr>
+              <a:t>https://openclassrooms.com/courses/adoptez-une-architecture-mvc-en-php/isoler-laffichage-du-traitement-php</a:t>
+            </a:r>
+            <a:br>
+              <a:rPr lang="fr-FR" sz="1400" dirty="0"/>
+            </a:br>
+            <a:r>
+              <a:rPr lang="fr-FR" sz="1400" dirty="0">
+                <a:hlinkClick r:id="rId10"/>
+              </a:rPr>
+              <a:t>https://openclassrooms.com/courses/programmez-en-oriente-objet-en-php/manipulation-de-donnees-stockees</a:t>
+            </a:r>
+            <a:endParaRPr lang="fr-FR" sz="1400" dirty="0"/>
+          </a:p>
+          <a:p>
+            <a:pPr marL="0" indent="0">
+              <a:buNone/>
+            </a:pPr>
+            <a:br>
+              <a:rPr lang="fr-FR" sz="1400" dirty="0"/>
+            </a:br>
+            <a:r>
+              <a:rPr lang="fr-FR" sz="1400" b="1" dirty="0"/>
+              <a:t>modèle interface :</a:t>
+            </a:r>
+            <a:br>
+              <a:rPr lang="fr-FR" sz="1400" dirty="0"/>
+            </a:br>
+            <a:r>
+              <a:rPr lang="fr-FR" sz="1400" dirty="0">
+                <a:hlinkClick r:id="rId11"/>
+              </a:rPr>
+              <a:t>https://www.youtube.com/watch?v=A0QDIMi7Fok&amp;t=2s</a:t>
             </a:r>
             <a:endParaRPr lang="fr-FR" sz="1400" dirty="0"/>
           </a:p>
@@ -4232,13 +4341,8 @@
           <a:p>
             <a:r>
               <a:rPr lang="fr-FR" dirty="0"/>
-              <a:t>Spécifications </a:t>
-            </a:r>
-            <a:r>
-              <a:rPr lang="fr-FR" dirty="0" err="1"/>
-              <a:t>fonctionelles</a:t>
-            </a:r>
-            <a:endParaRPr lang="fr-FR" dirty="0"/>
+              <a:t>Spécifications fonctionnelles</a:t>
+            </a:r>
           </a:p>
           <a:p>
             <a:r>
@@ -4255,7 +4359,7 @@
           <a:p>
             <a:r>
               <a:rPr lang="fr-FR" dirty="0"/>
-              <a:t>Bilans collectifs</a:t>
+              <a:t>Bilan collectif</a:t>
             </a:r>
           </a:p>
           <a:p>
@@ -4395,23 +4499,7 @@
           <a:p>
             <a:r>
               <a:rPr lang="fr-FR" sz="1400" dirty="0"/>
-              <a:t>Les auteurs peuvent publier des </a:t>
-            </a:r>
-            <a:r>
-              <a:rPr lang="fr-FR" sz="1400" dirty="0" err="1"/>
-              <a:t>posts</a:t>
-            </a:r>
-            <a:r>
-              <a:rPr lang="fr-FR" sz="1400" dirty="0"/>
-              <a:t> et des évènements. Ils peuvent aussi commenter ou réagir aux </a:t>
-            </a:r>
-            <a:r>
-              <a:rPr lang="fr-FR" sz="1400" dirty="0" err="1"/>
-              <a:t>posts</a:t>
-            </a:r>
-            <a:r>
-              <a:rPr lang="fr-FR" sz="1400" dirty="0"/>
-              <a:t>, et participer aux évènements.</a:t>
+              <a:t>Les auteurs peuvent publier des Posts et des évènements. Ils peuvent aussi commenter ou réagir aux Posts, et participer aux évènements.</a:t>
             </a:r>
           </a:p>
           <a:p>
@@ -4596,7 +4684,7 @@
             </a:pPr>
             <a:r>
               <a:rPr lang="fr-FR" sz="1800" dirty="0"/>
-              <a:t>Pour l’architecture du code, nous avons décidé d’implémenter le pattern Model </a:t>
+              <a:t>Pour l’architecture du code, nous avons décidé d’implémenter le pattern Model-</a:t>
             </a:r>
             <a:r>
               <a:rPr lang="fr-FR" sz="1800" dirty="0" err="1"/>
@@ -4604,7 +4692,7 @@
             </a:r>
             <a:r>
               <a:rPr lang="fr-FR" sz="1800" dirty="0"/>
-              <a:t> </a:t>
+              <a:t>-</a:t>
             </a:r>
             <a:r>
               <a:rPr lang="fr-FR" sz="1800" dirty="0" err="1"/>
@@ -4612,39 +4700,7 @@
             </a:r>
             <a:r>
               <a:rPr lang="fr-FR" sz="1800" dirty="0"/>
-              <a:t> (MVC). Il contient un objet </a:t>
-            </a:r>
-            <a:r>
-              <a:rPr lang="fr-FR" sz="1800" dirty="0" err="1"/>
-              <a:t>Controler</a:t>
-            </a:r>
-            <a:r>
-              <a:rPr lang="fr-FR" sz="1800" dirty="0"/>
-              <a:t>. Le Model se charge d’échanger avec la base de données et de stocker les données reçues. La </a:t>
-            </a:r>
-            <a:r>
-              <a:rPr lang="fr-FR" sz="1800" dirty="0" err="1"/>
-              <a:t>View</a:t>
-            </a:r>
-            <a:r>
-              <a:rPr lang="fr-FR" sz="1800" dirty="0"/>
-              <a:t> s’occupe de l’affichage. Le </a:t>
-            </a:r>
-            <a:r>
-              <a:rPr lang="fr-FR" sz="1800" dirty="0" err="1"/>
-              <a:t>Controler</a:t>
-            </a:r>
-            <a:r>
-              <a:rPr lang="fr-FR" sz="1800" dirty="0"/>
-              <a:t> fait le lien entre le Model et la </a:t>
-            </a:r>
-            <a:r>
-              <a:rPr lang="fr-FR" sz="1800" dirty="0" err="1"/>
-              <a:t>View</a:t>
-            </a:r>
-            <a:r>
-              <a:rPr lang="fr-FR" sz="1800" dirty="0"/>
-              <a:t>. En plus de ces trois acteurs, nous avons aussi le Routeur : </a:t>
+              <a:t> (MVC). Il contient un objet Controler. Le Model se charge d’échanger avec la base de données et de stocker les données reçues. La View s’occupe de l’affichage. Le Controler fait le lien entre le Model et la View. En plus de ces trois acteurs, nous avons aussi le Routeur : </a:t>
             </a:r>
             <a:r>
               <a:rPr lang="fr-FR" sz="1800" dirty="0" err="1"/>
@@ -4652,15 +4708,7 @@
             </a:r>
             <a:r>
               <a:rPr lang="fr-FR" sz="1800" dirty="0"/>
-              <a:t>. C’est lui qui va être appelé par l’utilisateur. Il va gérer les échanges entre les pages en utilisant l’objet </a:t>
-            </a:r>
-            <a:r>
-              <a:rPr lang="fr-FR" sz="1800" dirty="0" err="1"/>
-              <a:t>Controler</a:t>
-            </a:r>
-            <a:r>
-              <a:rPr lang="fr-FR" sz="1800" dirty="0"/>
-              <a:t>.</a:t>
+              <a:t>. C’est lui qui va être appelé par l’utilisateur. Il va gérer les échanges entre les pages en utilisant l’objet Controler.</a:t>
             </a:r>
           </a:p>
           <a:p>
@@ -4670,15 +4718,7 @@
             </a:pPr>
             <a:r>
               <a:rPr lang="fr-FR" sz="1800" dirty="0"/>
-              <a:t>L’objet </a:t>
-            </a:r>
-            <a:r>
-              <a:rPr lang="fr-FR" sz="1800" dirty="0" err="1"/>
-              <a:t>Controler</a:t>
-            </a:r>
-            <a:r>
-              <a:rPr lang="fr-FR" sz="1800" dirty="0"/>
-              <a:t> du routeur est définie comme une superglobale. En utilisant la variable de session $_SESSION, on </a:t>
+              <a:t>L’objet Controler du routeur est définie comme une superglobale. En utilisant la variable de session $_SESSION, on </a:t>
             </a:r>
             <a:r>
               <a:rPr lang="fr-FR" sz="1800" dirty="0" err="1"/>
@@ -4686,15 +4726,7 @@
             </a:r>
             <a:r>
               <a:rPr lang="fr-FR" sz="1800" dirty="0"/>
-              <a:t> l’objet </a:t>
-            </a:r>
-            <a:r>
-              <a:rPr lang="fr-FR" sz="1800" dirty="0" err="1"/>
-              <a:t>Controler</a:t>
-            </a:r>
-            <a:r>
-              <a:rPr lang="fr-FR" sz="1800" dirty="0"/>
-              <a:t> pour pouvoir le récupérer dans toutes les pages. Ainsi, quand on se connecte, le compte est actif aussi longtemps que l’utilisateur reste sur le site, et quelques temps après la fermeture.</a:t>
+              <a:t> l’objet Controler pour pouvoir le récupérer dans toutes les pages. Ainsi, quand on se connecte, le compte est actif aussi longtemps que l’utilisateur reste sur le site, et quelques temps après la fermeture.</a:t>
             </a:r>
           </a:p>
           <a:p>
@@ -4712,47 +4744,7 @@
             </a:r>
             <a:r>
               <a:rPr lang="fr-FR" sz="1800" dirty="0"/>
-              <a:t> </a:t>
-            </a:r>
-            <a:r>
-              <a:rPr lang="fr-FR" sz="1800" dirty="0" err="1"/>
-              <a:t>Maping</a:t>
-            </a:r>
-            <a:r>
-              <a:rPr lang="fr-FR" sz="1800" dirty="0"/>
-              <a:t> (ORM). On utilise des classes « </a:t>
-            </a:r>
-            <a:r>
-              <a:rPr lang="fr-FR" sz="1800" dirty="0" err="1"/>
-              <a:t>Entity</a:t>
-            </a:r>
-            <a:r>
-              <a:rPr lang="fr-FR" sz="1800" dirty="0"/>
-              <a:t> Manager » (</a:t>
-            </a:r>
-            <a:r>
-              <a:rPr lang="fr-FR" sz="1800" dirty="0" err="1"/>
-              <a:t>ProManager</a:t>
-            </a:r>
-            <a:r>
-              <a:rPr lang="fr-FR" sz="1800" dirty="0"/>
-              <a:t>, </a:t>
-            </a:r>
-            <a:r>
-              <a:rPr lang="fr-FR" sz="1800" dirty="0" err="1"/>
-              <a:t>PostManager</a:t>
-            </a:r>
-            <a:r>
-              <a:rPr lang="fr-FR" sz="1800" dirty="0"/>
-              <a:t>…) pour échanger avec la base de données via des requêtes SQL. On stocke ensuite les données dans des classes Object (Pro, Post…). Cela nous permet d’utiliser efficacement et simplement les données de la base dans le </a:t>
-            </a:r>
-            <a:r>
-              <a:rPr lang="fr-FR" sz="1800" dirty="0" err="1"/>
-              <a:t>Controler</a:t>
-            </a:r>
-            <a:r>
-              <a:rPr lang="fr-FR" sz="1800" dirty="0"/>
-              <a:t>.</a:t>
+              <a:t>-Maping (ORM). On utilise des classes « Entity Manager » (ProManager, PostManager…) pour échanger avec la base de données via des requêtes SQL. On stocke ensuite les données dans des classes Object (Pro, Post…). Cela nous permet d’utiliser efficacement et simplement les données de la base dans le Controler.</a:t>
             </a:r>
           </a:p>
           <a:p>
@@ -4762,39 +4754,7 @@
             </a:pPr>
             <a:r>
               <a:rPr lang="fr-FR" sz="1800" dirty="0"/>
-              <a:t>Pour afficher toutes les pages, on utilise un fichier </a:t>
-            </a:r>
-            <a:r>
-              <a:rPr lang="fr-FR" sz="1800" dirty="0" err="1"/>
-              <a:t>template.php</a:t>
-            </a:r>
-            <a:r>
-              <a:rPr lang="fr-FR" sz="1800" dirty="0"/>
-              <a:t> qui sera le </a:t>
-            </a:r>
-            <a:r>
-              <a:rPr lang="fr-FR" sz="1800" dirty="0" err="1"/>
-              <a:t>template</a:t>
-            </a:r>
-            <a:r>
-              <a:rPr lang="fr-FR" sz="1800" dirty="0"/>
-              <a:t> html d’une page du site. On trouve à l’intérieur de celui-ci des variables </a:t>
-            </a:r>
-            <a:r>
-              <a:rPr lang="fr-FR" sz="1800" dirty="0" err="1"/>
-              <a:t>php</a:t>
-            </a:r>
-            <a:r>
-              <a:rPr lang="fr-FR" sz="1800" dirty="0"/>
-              <a:t> dans lesquelles on va mettre le contenu (html et </a:t>
-            </a:r>
-            <a:r>
-              <a:rPr lang="fr-FR" sz="1800" dirty="0" err="1"/>
-              <a:t>php</a:t>
-            </a:r>
-            <a:r>
-              <a:rPr lang="fr-FR" sz="1800" dirty="0"/>
-              <a:t>) des différentes pages du site. Cette technique nous permet également de répéter certaines parties du code html. Cela nous sert par exemple à afficher autant de publications que nous voulons sur la page d’accueil.  </a:t>
+              <a:t>Pour afficher toutes les pages, on utilise un fichier template.php qui sera le template html d’une page du site. On trouve à l’intérieur de celui-ci des variables PHP dans lesquelles on va mettre le contenu (html et PHP) des différentes pages du site. Cette technique nous permet également de répéter certaines parties du code html. Cela nous sert par exemple à afficher autant de publications que nous voulons sur la page d’accueil.  </a:t>
             </a:r>
           </a:p>
           <a:p>
@@ -7451,7 +7411,7 @@
               <a:rPr lang="fr-FR" sz="1400" dirty="0">
                 <a:sym typeface="Wingdings" pitchFamily="2" charset="2"/>
               </a:rPr>
-              <a:t>Concernant le design de notre site, nous avons utilisé Bootstrap qui est un Framework alliant html et CSS permettant un graphisme plus précis et des meilleurs interactions entre les différentes page de notre réseau social. </a:t>
+              <a:t>Concernant le design de notre site, nous avons utilisé Bootstrap qui est un Framework alliant html et CSS permettant un graphisme plus précis et des meilleures interactions entre les différentes pages de notre réseau social. </a:t>
             </a:r>
           </a:p>
         </p:txBody>
@@ -7555,31 +7515,7 @@
           <a:p>
             <a:r>
               <a:rPr lang="fr-FR" sz="1200" dirty="0"/>
-              <a:t>Bar de Navigation de type </a:t>
-            </a:r>
-            <a:r>
-              <a:rPr lang="fr-FR" sz="1200" dirty="0" err="1"/>
-              <a:t>navbar</a:t>
-            </a:r>
-            <a:r>
-              <a:rPr lang="fr-FR" sz="1200" dirty="0"/>
-              <a:t> </a:t>
-            </a:r>
-            <a:r>
-              <a:rPr lang="fr-FR" sz="1200" dirty="0" err="1"/>
-              <a:t>navbar</a:t>
-            </a:r>
-            <a:r>
-              <a:rPr lang="fr-FR" sz="1200" dirty="0"/>
-              <a:t> </a:t>
-            </a:r>
-            <a:r>
-              <a:rPr lang="fr-FR" sz="1200" dirty="0" err="1"/>
-              <a:t>invers</a:t>
-            </a:r>
-            <a:r>
-              <a:rPr lang="fr-FR" sz="1200" dirty="0"/>
-              <a:t>: Bootstrap</a:t>
+              <a:t>Bar de Navigation de type navbar invers: Bootstrap</a:t>
             </a:r>
             <a:endParaRPr lang="fr-FR" sz="1100" dirty="0"/>
           </a:p>
@@ -8188,15 +8124,7 @@
           <a:p>
             <a:r>
               <a:rPr lang="fr-FR" sz="1200" dirty="0"/>
-              <a:t>Chaque page est structurée à l’aide des </a:t>
-            </a:r>
-            <a:r>
-              <a:rPr lang="fr-FR" sz="1200" dirty="0" err="1"/>
-              <a:t>row</a:t>
-            </a:r>
-            <a:r>
-              <a:rPr lang="fr-FR" sz="1200" dirty="0"/>
-              <a:t> et col de Bootstrap</a:t>
+              <a:t>Chaque page est structurée à l’aide des row et col de Bootstrap</a:t>
             </a:r>
           </a:p>
         </p:txBody>
@@ -8283,29 +8211,13 @@
           <a:p>
             <a:r>
               <a:rPr lang="fr-FR" sz="1200" dirty="0"/>
-              <a:t>Pour afficher des éléments nous utilisons des panel ou des </a:t>
-            </a:r>
-            <a:r>
-              <a:rPr lang="fr-FR" sz="1200" dirty="0" err="1"/>
-              <a:t>cards</a:t>
-            </a:r>
+              <a:t>Pour afficher des éléments nous utilisons des panel ou des cards pour les images</a:t>
+            </a:r>
+          </a:p>
+          <a:p>
             <a:r>
               <a:rPr lang="fr-FR" sz="1200" dirty="0"/>
-              <a:t> pour les images</a:t>
-            </a:r>
-          </a:p>
-          <a:p>
-            <a:r>
-              <a:rPr lang="fr-FR" sz="1200" dirty="0"/>
-              <a:t>Librairie </a:t>
-            </a:r>
-            <a:r>
-              <a:rPr lang="fr-FR" sz="1200" dirty="0" err="1"/>
-              <a:t>bootstrap</a:t>
-            </a:r>
-            <a:r>
-              <a:rPr lang="fr-FR" sz="1200" dirty="0"/>
-              <a:t> </a:t>
+              <a:t>Librairie Bootstrap </a:t>
             </a:r>
           </a:p>
           <a:p>
@@ -8570,12 +8482,127 @@
             <p:ph idx="1"/>
           </p:nvPr>
         </p:nvSpPr>
-        <p:spPr/>
-        <p:txBody>
-          <a:bodyPr/>
-          <a:lstStyle/>
-          <a:p>
-            <a:endParaRPr lang="fr-FR" dirty="0"/>
+        <p:spPr>
+          <a:xfrm>
+            <a:off x="618904" y="2049163"/>
+            <a:ext cx="5674756" cy="2250044"/>
+          </a:xfrm>
+        </p:spPr>
+        <p:txBody>
+          <a:bodyPr>
+            <a:normAutofit/>
+          </a:bodyPr>
+          <a:lstStyle/>
+          <a:p>
+            <a:pPr marL="0" indent="0" algn="just">
+              <a:buNone/>
+            </a:pPr>
+            <a:r>
+              <a:rPr lang="fr-FR" sz="1800" dirty="0"/>
+              <a:t>Les langages JavaScript et jQuery ont pu nous être utiles afin de d’assurer les différents traitements du site. Ils nous ont permis de créer de véritables interactions entre les différents éléments HTML désignés avec Bootstrap. Ces langages nous permettent de modifier les différents affichages de nos pages par les données rentrés par l’utilisateur.</a:t>
+            </a:r>
+          </a:p>
+          <a:p>
+            <a:pPr marL="0" indent="0">
+              <a:buNone/>
+            </a:pPr>
+            <a:endParaRPr lang="fr-FR" sz="1400" dirty="0"/>
+          </a:p>
+        </p:txBody>
+      </p:sp>
+      <p:pic>
+        <p:nvPicPr>
+          <p:cNvPr id="5" name="Image 4">
+            <a:extLst>
+              <a:ext uri="{FF2B5EF4-FFF2-40B4-BE49-F238E27FC236}">
+                <a16:creationId xmlns:a16="http://schemas.microsoft.com/office/drawing/2014/main" id="{A2C504B5-228C-9D4E-8F83-404C82A5C827}"/>
+              </a:ext>
+            </a:extLst>
+          </p:cNvPr>
+          <p:cNvPicPr>
+            <a:picLocks noChangeAspect="1"/>
+          </p:cNvPicPr>
+          <p:nvPr/>
+        </p:nvPicPr>
+        <p:blipFill>
+          <a:blip r:embed="rId2"/>
+          <a:stretch>
+            <a:fillRect/>
+          </a:stretch>
+        </p:blipFill>
+        <p:spPr>
+          <a:xfrm>
+            <a:off x="6593087" y="3971399"/>
+            <a:ext cx="4760713" cy="2535537"/>
+          </a:xfrm>
+          <a:prstGeom prst="rect">
+            <a:avLst/>
+          </a:prstGeom>
+        </p:spPr>
+      </p:pic>
+      <p:pic>
+        <p:nvPicPr>
+          <p:cNvPr id="7" name="Image 6">
+            <a:extLst>
+              <a:ext uri="{FF2B5EF4-FFF2-40B4-BE49-F238E27FC236}">
+                <a16:creationId xmlns:a16="http://schemas.microsoft.com/office/drawing/2014/main" id="{EC2EE503-52FC-6647-B75B-9DFB94192AAC}"/>
+              </a:ext>
+            </a:extLst>
+          </p:cNvPr>
+          <p:cNvPicPr>
+            <a:picLocks noChangeAspect="1"/>
+          </p:cNvPicPr>
+          <p:nvPr/>
+        </p:nvPicPr>
+        <p:blipFill>
+          <a:blip r:embed="rId3"/>
+          <a:stretch>
+            <a:fillRect/>
+          </a:stretch>
+        </p:blipFill>
+        <p:spPr>
+          <a:xfrm>
+            <a:off x="6593087" y="1172029"/>
+            <a:ext cx="4760713" cy="2660825"/>
+          </a:xfrm>
+          <a:prstGeom prst="rect">
+            <a:avLst/>
+          </a:prstGeom>
+        </p:spPr>
+      </p:pic>
+      <p:sp>
+        <p:nvSpPr>
+          <p:cNvPr id="10" name="ZoneTexte 9">
+            <a:extLst>
+              <a:ext uri="{FF2B5EF4-FFF2-40B4-BE49-F238E27FC236}">
+                <a16:creationId xmlns:a16="http://schemas.microsoft.com/office/drawing/2014/main" id="{08A07C0A-E885-4340-8725-5BCEAB37C50F}"/>
+              </a:ext>
+            </a:extLst>
+          </p:cNvPr>
+          <p:cNvSpPr txBox="1"/>
+          <p:nvPr/>
+        </p:nvSpPr>
+        <p:spPr>
+          <a:xfrm>
+            <a:off x="689262" y="4259860"/>
+            <a:ext cx="5304971" cy="1200329"/>
+          </a:xfrm>
+          <a:prstGeom prst="rect">
+            <a:avLst/>
+          </a:prstGeom>
+          <a:noFill/>
+        </p:spPr>
+        <p:txBody>
+          <a:bodyPr wrap="square" rtlCol="0">
+            <a:spAutoFit/>
+          </a:bodyPr>
+          <a:lstStyle/>
+          <a:p>
+            <a:pPr algn="just"/>
+            <a:r>
+              <a:rPr lang="fr-FR" dirty="0"/>
+              <a:t>Par exemple sur la page profil ci-contre où l’utilisateur parvient à changer sa description personnelle par le texte rentrée préalablement. Ce traitement est effectué grâce à un code JavaScript.</a:t>
+            </a:r>
           </a:p>
         </p:txBody>
       </p:sp>
